--- a/Workshop-Dotnet-MAUI.pptx
+++ b/Workshop-Dotnet-MAUI.pptx
@@ -6,18 +6,25 @@
     <p:sldMasterId id="2147483810" r:id="rId5"/>
   </p:sldMasterIdLst>
   <p:notesMasterIdLst>
-    <p:notesMasterId r:id="rId15"/>
+    <p:notesMasterId r:id="rId22"/>
   </p:notesMasterIdLst>
   <p:sldIdLst>
     <p:sldId id="303" r:id="rId6"/>
     <p:sldId id="502" r:id="rId7"/>
     <p:sldId id="503" r:id="rId8"/>
     <p:sldId id="508" r:id="rId9"/>
-    <p:sldId id="424" r:id="rId10"/>
-    <p:sldId id="425" r:id="rId11"/>
-    <p:sldId id="345" r:id="rId12"/>
-    <p:sldId id="504" r:id="rId13"/>
-    <p:sldId id="505" r:id="rId14"/>
+    <p:sldId id="509" r:id="rId10"/>
+    <p:sldId id="512" r:id="rId11"/>
+    <p:sldId id="424" r:id="rId12"/>
+    <p:sldId id="425" r:id="rId13"/>
+    <p:sldId id="345" r:id="rId14"/>
+    <p:sldId id="510" r:id="rId15"/>
+    <p:sldId id="514" r:id="rId16"/>
+    <p:sldId id="513" r:id="rId17"/>
+    <p:sldId id="515" r:id="rId18"/>
+    <p:sldId id="504" r:id="rId19"/>
+    <p:sldId id="516" r:id="rId20"/>
+    <p:sldId id="505" r:id="rId21"/>
   </p:sldIdLst>
   <p:sldSz cx="12192000" cy="6858000"/>
   <p:notesSz cx="6858000" cy="9144000"/>
@@ -125,10 +132,17 @@
             <p14:sldId id="502"/>
             <p14:sldId id="503"/>
             <p14:sldId id="508"/>
+            <p14:sldId id="509"/>
+            <p14:sldId id="512"/>
             <p14:sldId id="424"/>
             <p14:sldId id="425"/>
             <p14:sldId id="345"/>
+            <p14:sldId id="510"/>
+            <p14:sldId id="514"/>
+            <p14:sldId id="513"/>
+            <p14:sldId id="515"/>
             <p14:sldId id="504"/>
+            <p14:sldId id="516"/>
             <p14:sldId id="505"/>
           </p14:sldIdLst>
         </p14:section>
@@ -4793,7 +4807,7 @@
           <a:p>
             <a:fld id="{CDE1F211-0CE8-48A4-9C98-EE3E5E7AE356}" type="datetimeFigureOut">
               <a:rPr lang="de-DE" smtClean="0"/>
-              <a:t>12.10.22</a:t>
+              <a:t>23.11.22</a:t>
             </a:fld>
             <a:endParaRPr lang="de-DE"/>
           </a:p>
@@ -5144,6 +5158,594 @@
 </p:notes>
 </file>
 
+<file path=ppt/notesSlides/notesSlide10.xml><?xml version="1.0" encoding="utf-8"?>
+<p:notes xmlns:a="http://schemas.openxmlformats.org/drawingml/2006/main" xmlns:r="http://schemas.openxmlformats.org/officeDocument/2006/relationships" xmlns:p="http://schemas.openxmlformats.org/presentationml/2006/main">
+  <p:cSld>
+    <p:spTree>
+      <p:nvGrpSpPr>
+        <p:cNvPr id="1" name=""/>
+        <p:cNvGrpSpPr/>
+        <p:nvPr/>
+      </p:nvGrpSpPr>
+      <p:grpSpPr>
+        <a:xfrm>
+          <a:off x="0" y="0"/>
+          <a:ext cx="0" cy="0"/>
+          <a:chOff x="0" y="0"/>
+          <a:chExt cx="0" cy="0"/>
+        </a:xfrm>
+      </p:grpSpPr>
+      <p:sp>
+        <p:nvSpPr>
+          <p:cNvPr id="2" name="Folienbildplatzhalter 1"/>
+          <p:cNvSpPr>
+            <a:spLocks noGrp="1" noRot="1" noChangeAspect="1"/>
+          </p:cNvSpPr>
+          <p:nvPr>
+            <p:ph type="sldImg"/>
+          </p:nvPr>
+        </p:nvSpPr>
+        <p:spPr/>
+      </p:sp>
+      <p:sp>
+        <p:nvSpPr>
+          <p:cNvPr id="3" name="Notizenplatzhalter 2"/>
+          <p:cNvSpPr>
+            <a:spLocks noGrp="1"/>
+          </p:cNvSpPr>
+          <p:nvPr>
+            <p:ph type="body" idx="1"/>
+          </p:nvPr>
+        </p:nvSpPr>
+        <p:spPr/>
+        <p:txBody>
+          <a:bodyPr/>
+          <a:lstStyle/>
+          <a:p>
+            <a:endParaRPr lang="de-DE" dirty="0"/>
+          </a:p>
+        </p:txBody>
+      </p:sp>
+      <p:sp>
+        <p:nvSpPr>
+          <p:cNvPr id="4" name="Foliennummernplatzhalter 3"/>
+          <p:cNvSpPr>
+            <a:spLocks noGrp="1"/>
+          </p:cNvSpPr>
+          <p:nvPr>
+            <p:ph type="sldNum" sz="quarter" idx="5"/>
+          </p:nvPr>
+        </p:nvSpPr>
+        <p:spPr/>
+        <p:txBody>
+          <a:bodyPr/>
+          <a:lstStyle/>
+          <a:p>
+            <a:fld id="{F6E82306-3AB4-4402-BD21-5B7C63327F69}" type="slidenum">
+              <a:rPr lang="de-DE" smtClean="0"/>
+              <a:t>10</a:t>
+            </a:fld>
+            <a:endParaRPr lang="de-DE"/>
+          </a:p>
+        </p:txBody>
+      </p:sp>
+    </p:spTree>
+    <p:extLst>
+      <p:ext uri="{BB962C8B-B14F-4D97-AF65-F5344CB8AC3E}">
+        <p14:creationId xmlns:p14="http://schemas.microsoft.com/office/powerpoint/2010/main" val="3942705517"/>
+      </p:ext>
+    </p:extLst>
+  </p:cSld>
+  <p:clrMapOvr>
+    <a:masterClrMapping/>
+  </p:clrMapOvr>
+</p:notes>
+</file>
+
+<file path=ppt/notesSlides/notesSlide11.xml><?xml version="1.0" encoding="utf-8"?>
+<p:notes xmlns:a="http://schemas.openxmlformats.org/drawingml/2006/main" xmlns:r="http://schemas.openxmlformats.org/officeDocument/2006/relationships" xmlns:p="http://schemas.openxmlformats.org/presentationml/2006/main">
+  <p:cSld>
+    <p:spTree>
+      <p:nvGrpSpPr>
+        <p:cNvPr id="1" name=""/>
+        <p:cNvGrpSpPr/>
+        <p:nvPr/>
+      </p:nvGrpSpPr>
+      <p:grpSpPr>
+        <a:xfrm>
+          <a:off x="0" y="0"/>
+          <a:ext cx="0" cy="0"/>
+          <a:chOff x="0" y="0"/>
+          <a:chExt cx="0" cy="0"/>
+        </a:xfrm>
+      </p:grpSpPr>
+      <p:sp>
+        <p:nvSpPr>
+          <p:cNvPr id="2" name="Folienbildplatzhalter 1"/>
+          <p:cNvSpPr>
+            <a:spLocks noGrp="1" noRot="1" noChangeAspect="1"/>
+          </p:cNvSpPr>
+          <p:nvPr>
+            <p:ph type="sldImg"/>
+          </p:nvPr>
+        </p:nvSpPr>
+        <p:spPr/>
+      </p:sp>
+      <p:sp>
+        <p:nvSpPr>
+          <p:cNvPr id="3" name="Notizenplatzhalter 2"/>
+          <p:cNvSpPr>
+            <a:spLocks noGrp="1"/>
+          </p:cNvSpPr>
+          <p:nvPr>
+            <p:ph type="body" idx="1"/>
+          </p:nvPr>
+        </p:nvSpPr>
+        <p:spPr/>
+        <p:txBody>
+          <a:bodyPr/>
+          <a:lstStyle/>
+          <a:p>
+            <a:endParaRPr lang="de-DE" dirty="0"/>
+          </a:p>
+        </p:txBody>
+      </p:sp>
+      <p:sp>
+        <p:nvSpPr>
+          <p:cNvPr id="4" name="Foliennummernplatzhalter 3"/>
+          <p:cNvSpPr>
+            <a:spLocks noGrp="1"/>
+          </p:cNvSpPr>
+          <p:nvPr>
+            <p:ph type="sldNum" sz="quarter" idx="5"/>
+          </p:nvPr>
+        </p:nvSpPr>
+        <p:spPr/>
+        <p:txBody>
+          <a:bodyPr/>
+          <a:lstStyle/>
+          <a:p>
+            <a:fld id="{F6E82306-3AB4-4402-BD21-5B7C63327F69}" type="slidenum">
+              <a:rPr lang="de-DE" smtClean="0"/>
+              <a:t>11</a:t>
+            </a:fld>
+            <a:endParaRPr lang="de-DE"/>
+          </a:p>
+        </p:txBody>
+      </p:sp>
+    </p:spTree>
+    <p:extLst>
+      <p:ext uri="{BB962C8B-B14F-4D97-AF65-F5344CB8AC3E}">
+        <p14:creationId xmlns:p14="http://schemas.microsoft.com/office/powerpoint/2010/main" val="3623088492"/>
+      </p:ext>
+    </p:extLst>
+  </p:cSld>
+  <p:clrMapOvr>
+    <a:masterClrMapping/>
+  </p:clrMapOvr>
+</p:notes>
+</file>
+
+<file path=ppt/notesSlides/notesSlide12.xml><?xml version="1.0" encoding="utf-8"?>
+<p:notes xmlns:a="http://schemas.openxmlformats.org/drawingml/2006/main" xmlns:r="http://schemas.openxmlformats.org/officeDocument/2006/relationships" xmlns:p="http://schemas.openxmlformats.org/presentationml/2006/main">
+  <p:cSld>
+    <p:spTree>
+      <p:nvGrpSpPr>
+        <p:cNvPr id="1" name=""/>
+        <p:cNvGrpSpPr/>
+        <p:nvPr/>
+      </p:nvGrpSpPr>
+      <p:grpSpPr>
+        <a:xfrm>
+          <a:off x="0" y="0"/>
+          <a:ext cx="0" cy="0"/>
+          <a:chOff x="0" y="0"/>
+          <a:chExt cx="0" cy="0"/>
+        </a:xfrm>
+      </p:grpSpPr>
+      <p:sp>
+        <p:nvSpPr>
+          <p:cNvPr id="2" name="Folienbildplatzhalter 1"/>
+          <p:cNvSpPr>
+            <a:spLocks noGrp="1" noRot="1" noChangeAspect="1"/>
+          </p:cNvSpPr>
+          <p:nvPr>
+            <p:ph type="sldImg"/>
+          </p:nvPr>
+        </p:nvSpPr>
+        <p:spPr/>
+      </p:sp>
+      <p:sp>
+        <p:nvSpPr>
+          <p:cNvPr id="3" name="Notizenplatzhalter 2"/>
+          <p:cNvSpPr>
+            <a:spLocks noGrp="1"/>
+          </p:cNvSpPr>
+          <p:nvPr>
+            <p:ph type="body" idx="1"/>
+          </p:nvPr>
+        </p:nvSpPr>
+        <p:spPr/>
+        <p:txBody>
+          <a:bodyPr/>
+          <a:lstStyle/>
+          <a:p>
+            <a:endParaRPr lang="de-DE" dirty="0"/>
+          </a:p>
+        </p:txBody>
+      </p:sp>
+      <p:sp>
+        <p:nvSpPr>
+          <p:cNvPr id="4" name="Foliennummernplatzhalter 3"/>
+          <p:cNvSpPr>
+            <a:spLocks noGrp="1"/>
+          </p:cNvSpPr>
+          <p:nvPr>
+            <p:ph type="sldNum" sz="quarter" idx="5"/>
+          </p:nvPr>
+        </p:nvSpPr>
+        <p:spPr/>
+        <p:txBody>
+          <a:bodyPr/>
+          <a:lstStyle/>
+          <a:p>
+            <a:fld id="{F6E82306-3AB4-4402-BD21-5B7C63327F69}" type="slidenum">
+              <a:rPr lang="de-DE" smtClean="0"/>
+              <a:t>12</a:t>
+            </a:fld>
+            <a:endParaRPr lang="de-DE"/>
+          </a:p>
+        </p:txBody>
+      </p:sp>
+    </p:spTree>
+    <p:extLst>
+      <p:ext uri="{BB962C8B-B14F-4D97-AF65-F5344CB8AC3E}">
+        <p14:creationId xmlns:p14="http://schemas.microsoft.com/office/powerpoint/2010/main" val="2204946933"/>
+      </p:ext>
+    </p:extLst>
+  </p:cSld>
+  <p:clrMapOvr>
+    <a:masterClrMapping/>
+  </p:clrMapOvr>
+</p:notes>
+</file>
+
+<file path=ppt/notesSlides/notesSlide13.xml><?xml version="1.0" encoding="utf-8"?>
+<p:notes xmlns:a="http://schemas.openxmlformats.org/drawingml/2006/main" xmlns:r="http://schemas.openxmlformats.org/officeDocument/2006/relationships" xmlns:p="http://schemas.openxmlformats.org/presentationml/2006/main">
+  <p:cSld>
+    <p:spTree>
+      <p:nvGrpSpPr>
+        <p:cNvPr id="1" name=""/>
+        <p:cNvGrpSpPr/>
+        <p:nvPr/>
+      </p:nvGrpSpPr>
+      <p:grpSpPr>
+        <a:xfrm>
+          <a:off x="0" y="0"/>
+          <a:ext cx="0" cy="0"/>
+          <a:chOff x="0" y="0"/>
+          <a:chExt cx="0" cy="0"/>
+        </a:xfrm>
+      </p:grpSpPr>
+      <p:sp>
+        <p:nvSpPr>
+          <p:cNvPr id="2" name="Folienbildplatzhalter 1"/>
+          <p:cNvSpPr>
+            <a:spLocks noGrp="1" noRot="1" noChangeAspect="1"/>
+          </p:cNvSpPr>
+          <p:nvPr>
+            <p:ph type="sldImg"/>
+          </p:nvPr>
+        </p:nvSpPr>
+        <p:spPr/>
+      </p:sp>
+      <p:sp>
+        <p:nvSpPr>
+          <p:cNvPr id="3" name="Notizenplatzhalter 2"/>
+          <p:cNvSpPr>
+            <a:spLocks noGrp="1"/>
+          </p:cNvSpPr>
+          <p:nvPr>
+            <p:ph type="body" idx="1"/>
+          </p:nvPr>
+        </p:nvSpPr>
+        <p:spPr/>
+        <p:txBody>
+          <a:bodyPr/>
+          <a:lstStyle/>
+          <a:p>
+            <a:endParaRPr lang="de-DE" dirty="0"/>
+          </a:p>
+        </p:txBody>
+      </p:sp>
+      <p:sp>
+        <p:nvSpPr>
+          <p:cNvPr id="4" name="Foliennummernplatzhalter 3"/>
+          <p:cNvSpPr>
+            <a:spLocks noGrp="1"/>
+          </p:cNvSpPr>
+          <p:nvPr>
+            <p:ph type="sldNum" sz="quarter" idx="5"/>
+          </p:nvPr>
+        </p:nvSpPr>
+        <p:spPr/>
+        <p:txBody>
+          <a:bodyPr/>
+          <a:lstStyle/>
+          <a:p>
+            <a:fld id="{F6E82306-3AB4-4402-BD21-5B7C63327F69}" type="slidenum">
+              <a:rPr lang="de-DE" smtClean="0"/>
+              <a:t>13</a:t>
+            </a:fld>
+            <a:endParaRPr lang="de-DE"/>
+          </a:p>
+        </p:txBody>
+      </p:sp>
+    </p:spTree>
+    <p:extLst>
+      <p:ext uri="{BB962C8B-B14F-4D97-AF65-F5344CB8AC3E}">
+        <p14:creationId xmlns:p14="http://schemas.microsoft.com/office/powerpoint/2010/main" val="3219951208"/>
+      </p:ext>
+    </p:extLst>
+  </p:cSld>
+  <p:clrMapOvr>
+    <a:masterClrMapping/>
+  </p:clrMapOvr>
+</p:notes>
+</file>
+
+<file path=ppt/notesSlides/notesSlide14.xml><?xml version="1.0" encoding="utf-8"?>
+<p:notes xmlns:a="http://schemas.openxmlformats.org/drawingml/2006/main" xmlns:r="http://schemas.openxmlformats.org/officeDocument/2006/relationships" xmlns:p="http://schemas.openxmlformats.org/presentationml/2006/main">
+  <p:cSld>
+    <p:spTree>
+      <p:nvGrpSpPr>
+        <p:cNvPr id="1" name=""/>
+        <p:cNvGrpSpPr/>
+        <p:nvPr/>
+      </p:nvGrpSpPr>
+      <p:grpSpPr>
+        <a:xfrm>
+          <a:off x="0" y="0"/>
+          <a:ext cx="0" cy="0"/>
+          <a:chOff x="0" y="0"/>
+          <a:chExt cx="0" cy="0"/>
+        </a:xfrm>
+      </p:grpSpPr>
+      <p:sp>
+        <p:nvSpPr>
+          <p:cNvPr id="2" name="Folienbildplatzhalter 1"/>
+          <p:cNvSpPr>
+            <a:spLocks noGrp="1" noRot="1" noChangeAspect="1"/>
+          </p:cNvSpPr>
+          <p:nvPr>
+            <p:ph type="sldImg"/>
+          </p:nvPr>
+        </p:nvSpPr>
+        <p:spPr/>
+      </p:sp>
+      <p:sp>
+        <p:nvSpPr>
+          <p:cNvPr id="3" name="Notizenplatzhalter 2"/>
+          <p:cNvSpPr>
+            <a:spLocks noGrp="1"/>
+          </p:cNvSpPr>
+          <p:nvPr>
+            <p:ph type="body" idx="1"/>
+          </p:nvPr>
+        </p:nvSpPr>
+        <p:spPr/>
+        <p:txBody>
+          <a:bodyPr/>
+          <a:lstStyle/>
+          <a:p>
+            <a:endParaRPr lang="de-DE" dirty="0"/>
+          </a:p>
+        </p:txBody>
+      </p:sp>
+      <p:sp>
+        <p:nvSpPr>
+          <p:cNvPr id="4" name="Foliennummernplatzhalter 3"/>
+          <p:cNvSpPr>
+            <a:spLocks noGrp="1"/>
+          </p:cNvSpPr>
+          <p:nvPr>
+            <p:ph type="sldNum" sz="quarter" idx="5"/>
+          </p:nvPr>
+        </p:nvSpPr>
+        <p:spPr/>
+        <p:txBody>
+          <a:bodyPr/>
+          <a:lstStyle/>
+          <a:p>
+            <a:fld id="{F6E82306-3AB4-4402-BD21-5B7C63327F69}" type="slidenum">
+              <a:rPr lang="de-DE" smtClean="0"/>
+              <a:t>14</a:t>
+            </a:fld>
+            <a:endParaRPr lang="de-DE"/>
+          </a:p>
+        </p:txBody>
+      </p:sp>
+    </p:spTree>
+    <p:extLst>
+      <p:ext uri="{BB962C8B-B14F-4D97-AF65-F5344CB8AC3E}">
+        <p14:creationId xmlns:p14="http://schemas.microsoft.com/office/powerpoint/2010/main" val="321645480"/>
+      </p:ext>
+    </p:extLst>
+  </p:cSld>
+  <p:clrMapOvr>
+    <a:masterClrMapping/>
+  </p:clrMapOvr>
+</p:notes>
+</file>
+
+<file path=ppt/notesSlides/notesSlide15.xml><?xml version="1.0" encoding="utf-8"?>
+<p:notes xmlns:a="http://schemas.openxmlformats.org/drawingml/2006/main" xmlns:r="http://schemas.openxmlformats.org/officeDocument/2006/relationships" xmlns:p="http://schemas.openxmlformats.org/presentationml/2006/main">
+  <p:cSld>
+    <p:spTree>
+      <p:nvGrpSpPr>
+        <p:cNvPr id="1" name=""/>
+        <p:cNvGrpSpPr/>
+        <p:nvPr/>
+      </p:nvGrpSpPr>
+      <p:grpSpPr>
+        <a:xfrm>
+          <a:off x="0" y="0"/>
+          <a:ext cx="0" cy="0"/>
+          <a:chOff x="0" y="0"/>
+          <a:chExt cx="0" cy="0"/>
+        </a:xfrm>
+      </p:grpSpPr>
+      <p:sp>
+        <p:nvSpPr>
+          <p:cNvPr id="2" name="Folienbildplatzhalter 1"/>
+          <p:cNvSpPr>
+            <a:spLocks noGrp="1" noRot="1" noChangeAspect="1"/>
+          </p:cNvSpPr>
+          <p:nvPr>
+            <p:ph type="sldImg"/>
+          </p:nvPr>
+        </p:nvSpPr>
+        <p:spPr/>
+      </p:sp>
+      <p:sp>
+        <p:nvSpPr>
+          <p:cNvPr id="3" name="Notizenplatzhalter 2"/>
+          <p:cNvSpPr>
+            <a:spLocks noGrp="1"/>
+          </p:cNvSpPr>
+          <p:nvPr>
+            <p:ph type="body" idx="1"/>
+          </p:nvPr>
+        </p:nvSpPr>
+        <p:spPr/>
+        <p:txBody>
+          <a:bodyPr/>
+          <a:lstStyle/>
+          <a:p>
+            <a:endParaRPr lang="de-DE" dirty="0"/>
+          </a:p>
+        </p:txBody>
+      </p:sp>
+      <p:sp>
+        <p:nvSpPr>
+          <p:cNvPr id="4" name="Foliennummernplatzhalter 3"/>
+          <p:cNvSpPr>
+            <a:spLocks noGrp="1"/>
+          </p:cNvSpPr>
+          <p:nvPr>
+            <p:ph type="sldNum" sz="quarter" idx="5"/>
+          </p:nvPr>
+        </p:nvSpPr>
+        <p:spPr/>
+        <p:txBody>
+          <a:bodyPr/>
+          <a:lstStyle/>
+          <a:p>
+            <a:fld id="{F6E82306-3AB4-4402-BD21-5B7C63327F69}" type="slidenum">
+              <a:rPr lang="de-DE" smtClean="0"/>
+              <a:t>15</a:t>
+            </a:fld>
+            <a:endParaRPr lang="de-DE"/>
+          </a:p>
+        </p:txBody>
+      </p:sp>
+    </p:spTree>
+    <p:extLst>
+      <p:ext uri="{BB962C8B-B14F-4D97-AF65-F5344CB8AC3E}">
+        <p14:creationId xmlns:p14="http://schemas.microsoft.com/office/powerpoint/2010/main" val="360784112"/>
+      </p:ext>
+    </p:extLst>
+  </p:cSld>
+  <p:clrMapOvr>
+    <a:masterClrMapping/>
+  </p:clrMapOvr>
+</p:notes>
+</file>
+
+<file path=ppt/notesSlides/notesSlide16.xml><?xml version="1.0" encoding="utf-8"?>
+<p:notes xmlns:a="http://schemas.openxmlformats.org/drawingml/2006/main" xmlns:r="http://schemas.openxmlformats.org/officeDocument/2006/relationships" xmlns:p="http://schemas.openxmlformats.org/presentationml/2006/main">
+  <p:cSld>
+    <p:spTree>
+      <p:nvGrpSpPr>
+        <p:cNvPr id="1" name=""/>
+        <p:cNvGrpSpPr/>
+        <p:nvPr/>
+      </p:nvGrpSpPr>
+      <p:grpSpPr>
+        <a:xfrm>
+          <a:off x="0" y="0"/>
+          <a:ext cx="0" cy="0"/>
+          <a:chOff x="0" y="0"/>
+          <a:chExt cx="0" cy="0"/>
+        </a:xfrm>
+      </p:grpSpPr>
+      <p:sp>
+        <p:nvSpPr>
+          <p:cNvPr id="2" name="Folienbildplatzhalter 1"/>
+          <p:cNvSpPr>
+            <a:spLocks noGrp="1" noRot="1" noChangeAspect="1"/>
+          </p:cNvSpPr>
+          <p:nvPr>
+            <p:ph type="sldImg"/>
+          </p:nvPr>
+        </p:nvSpPr>
+        <p:spPr/>
+      </p:sp>
+      <p:sp>
+        <p:nvSpPr>
+          <p:cNvPr id="3" name="Notizenplatzhalter 2"/>
+          <p:cNvSpPr>
+            <a:spLocks noGrp="1"/>
+          </p:cNvSpPr>
+          <p:nvPr>
+            <p:ph type="body" idx="1"/>
+          </p:nvPr>
+        </p:nvSpPr>
+        <p:spPr/>
+        <p:txBody>
+          <a:bodyPr/>
+          <a:lstStyle/>
+          <a:p>
+            <a:endParaRPr lang="de-DE" dirty="0"/>
+          </a:p>
+        </p:txBody>
+      </p:sp>
+      <p:sp>
+        <p:nvSpPr>
+          <p:cNvPr id="4" name="Foliennummernplatzhalter 3"/>
+          <p:cNvSpPr>
+            <a:spLocks noGrp="1"/>
+          </p:cNvSpPr>
+          <p:nvPr>
+            <p:ph type="sldNum" sz="quarter" idx="5"/>
+          </p:nvPr>
+        </p:nvSpPr>
+        <p:spPr/>
+        <p:txBody>
+          <a:bodyPr/>
+          <a:lstStyle/>
+          <a:p>
+            <a:fld id="{F6E82306-3AB4-4402-BD21-5B7C63327F69}" type="slidenum">
+              <a:rPr lang="de-DE" smtClean="0"/>
+              <a:t>16</a:t>
+            </a:fld>
+            <a:endParaRPr lang="de-DE"/>
+          </a:p>
+        </p:txBody>
+      </p:sp>
+    </p:spTree>
+    <p:extLst>
+      <p:ext uri="{BB962C8B-B14F-4D97-AF65-F5344CB8AC3E}">
+        <p14:creationId xmlns:p14="http://schemas.microsoft.com/office/powerpoint/2010/main" val="4160110102"/>
+      </p:ext>
+    </p:extLst>
+  </p:cSld>
+  <p:clrMapOvr>
+    <a:masterClrMapping/>
+  </p:clrMapOvr>
+</p:notes>
+</file>
+
 <file path=ppt/notesSlides/notesSlide2.xml><?xml version="1.0" encoding="utf-8"?>
 <p:notes xmlns:a="http://schemas.openxmlformats.org/drawingml/2006/main" xmlns:r="http://schemas.openxmlformats.org/officeDocument/2006/relationships" xmlns:p="http://schemas.openxmlformats.org/presentationml/2006/main">
   <p:cSld>
@@ -5470,7 +6072,7 @@
     </p:spTree>
     <p:extLst>
       <p:ext uri="{BB962C8B-B14F-4D97-AF65-F5344CB8AC3E}">
-        <p14:creationId xmlns:p14="http://schemas.microsoft.com/office/powerpoint/2010/main" val="1864690136"/>
+        <p14:creationId xmlns:p14="http://schemas.microsoft.com/office/powerpoint/2010/main" val="2145663334"/>
       </p:ext>
     </p:extLst>
   </p:cSld>
@@ -5554,7 +6156,7 @@
     </p:spTree>
     <p:extLst>
       <p:ext uri="{BB962C8B-B14F-4D97-AF65-F5344CB8AC3E}">
-        <p14:creationId xmlns:p14="http://schemas.microsoft.com/office/powerpoint/2010/main" val="177833831"/>
+        <p14:creationId xmlns:p14="http://schemas.microsoft.com/office/powerpoint/2010/main" val="2924476201"/>
       </p:ext>
     </p:extLst>
   </p:cSld>
@@ -5638,7 +6240,7 @@
     </p:spTree>
     <p:extLst>
       <p:ext uri="{BB962C8B-B14F-4D97-AF65-F5344CB8AC3E}">
-        <p14:creationId xmlns:p14="http://schemas.microsoft.com/office/powerpoint/2010/main" val="4171250191"/>
+        <p14:creationId xmlns:p14="http://schemas.microsoft.com/office/powerpoint/2010/main" val="1864690136"/>
       </p:ext>
     </p:extLst>
   </p:cSld>
@@ -5722,7 +6324,7 @@
     </p:spTree>
     <p:extLst>
       <p:ext uri="{BB962C8B-B14F-4D97-AF65-F5344CB8AC3E}">
-        <p14:creationId xmlns:p14="http://schemas.microsoft.com/office/powerpoint/2010/main" val="321645480"/>
+        <p14:creationId xmlns:p14="http://schemas.microsoft.com/office/powerpoint/2010/main" val="177833831"/>
       </p:ext>
     </p:extLst>
   </p:cSld>
@@ -5806,7 +6408,7 @@
     </p:spTree>
     <p:extLst>
       <p:ext uri="{BB962C8B-B14F-4D97-AF65-F5344CB8AC3E}">
-        <p14:creationId xmlns:p14="http://schemas.microsoft.com/office/powerpoint/2010/main" val="4160110102"/>
+        <p14:creationId xmlns:p14="http://schemas.microsoft.com/office/powerpoint/2010/main" val="4171250191"/>
       </p:ext>
     </p:extLst>
   </p:cSld>
@@ -5963,7 +6565,7 @@
           <a:p>
             <a:fld id="{38B24836-18DD-4BB8-912A-D22F9D515750}" type="datetimeFigureOut">
               <a:rPr lang="de-DE" smtClean="0"/>
-              <a:t>12.10.22</a:t>
+              <a:t>23.11.22</a:t>
             </a:fld>
             <a:endParaRPr lang="de-DE"/>
           </a:p>
@@ -6161,7 +6763,7 @@
           <a:p>
             <a:fld id="{38B24836-18DD-4BB8-912A-D22F9D515750}" type="datetimeFigureOut">
               <a:rPr lang="de-DE" smtClean="0"/>
-              <a:t>12.10.22</a:t>
+              <a:t>23.11.22</a:t>
             </a:fld>
             <a:endParaRPr lang="de-DE"/>
           </a:p>
@@ -6369,7 +6971,7 @@
           <a:p>
             <a:fld id="{38B24836-18DD-4BB8-912A-D22F9D515750}" type="datetimeFigureOut">
               <a:rPr lang="de-DE" smtClean="0"/>
-              <a:t>12.10.22</a:t>
+              <a:t>23.11.22</a:t>
             </a:fld>
             <a:endParaRPr lang="de-DE"/>
           </a:p>
@@ -7165,7 +7767,7 @@
           <a:p>
             <a:fld id="{38B24836-18DD-4BB8-912A-D22F9D515750}" type="datetimeFigureOut">
               <a:rPr lang="de-DE" smtClean="0"/>
-              <a:t>12.10.22</a:t>
+              <a:t>23.11.22</a:t>
             </a:fld>
             <a:endParaRPr lang="de-DE"/>
           </a:p>
@@ -7353,7 +7955,7 @@
           <a:p>
             <a:fld id="{38B24836-18DD-4BB8-912A-D22F9D515750}" type="datetimeFigureOut">
               <a:rPr lang="de-DE" smtClean="0"/>
-              <a:t>12.10.22</a:t>
+              <a:t>23.11.22</a:t>
             </a:fld>
             <a:endParaRPr lang="de-DE"/>
           </a:p>
@@ -7602,7 +8204,7 @@
           <a:p>
             <a:fld id="{38B24836-18DD-4BB8-912A-D22F9D515750}" type="datetimeFigureOut">
               <a:rPr lang="de-DE" smtClean="0"/>
-              <a:t>12.10.22</a:t>
+              <a:t>23.11.22</a:t>
             </a:fld>
             <a:endParaRPr lang="de-DE"/>
           </a:p>
@@ -7840,7 +8442,7 @@
           <a:p>
             <a:fld id="{38B24836-18DD-4BB8-912A-D22F9D515750}" type="datetimeFigureOut">
               <a:rPr lang="de-DE" smtClean="0"/>
-              <a:t>12.10.22</a:t>
+              <a:t>23.11.22</a:t>
             </a:fld>
             <a:endParaRPr lang="de-DE"/>
           </a:p>
@@ -8216,7 +8818,7 @@
           <a:p>
             <a:fld id="{38B24836-18DD-4BB8-912A-D22F9D515750}" type="datetimeFigureOut">
               <a:rPr lang="de-DE" smtClean="0"/>
-              <a:t>12.10.22</a:t>
+              <a:t>23.11.22</a:t>
             </a:fld>
             <a:endParaRPr lang="de-DE"/>
           </a:p>
@@ -8345,7 +8947,7 @@
           <a:p>
             <a:fld id="{38B24836-18DD-4BB8-912A-D22F9D515750}" type="datetimeFigureOut">
               <a:rPr lang="de-DE" smtClean="0"/>
-              <a:t>12.10.22</a:t>
+              <a:t>23.11.22</a:t>
             </a:fld>
             <a:endParaRPr lang="de-DE"/>
           </a:p>
@@ -8440,7 +9042,7 @@
           <a:p>
             <a:fld id="{38B24836-18DD-4BB8-912A-D22F9D515750}" type="datetimeFigureOut">
               <a:rPr lang="de-DE" smtClean="0"/>
-              <a:t>12.10.22</a:t>
+              <a:t>23.11.22</a:t>
             </a:fld>
             <a:endParaRPr lang="de-DE"/>
           </a:p>
@@ -8695,7 +9297,7 @@
           <a:p>
             <a:fld id="{38B24836-18DD-4BB8-912A-D22F9D515750}" type="datetimeFigureOut">
               <a:rPr lang="de-DE" smtClean="0"/>
-              <a:t>12.10.22</a:t>
+              <a:t>23.11.22</a:t>
             </a:fld>
             <a:endParaRPr lang="de-DE"/>
           </a:p>
@@ -8881,7 +9483,7 @@
           <a:p>
             <a:fld id="{38B24836-18DD-4BB8-912A-D22F9D515750}" type="datetimeFigureOut">
               <a:rPr lang="de-DE" smtClean="0"/>
-              <a:t>12.10.22</a:t>
+              <a:t>23.11.22</a:t>
             </a:fld>
             <a:endParaRPr lang="de-DE"/>
           </a:p>
@@ -9156,7 +9758,7 @@
           <a:p>
             <a:fld id="{38B24836-18DD-4BB8-912A-D22F9D515750}" type="datetimeFigureOut">
               <a:rPr lang="de-DE" smtClean="0"/>
-              <a:t>12.10.22</a:t>
+              <a:t>23.11.22</a:t>
             </a:fld>
             <a:endParaRPr lang="de-DE"/>
           </a:p>
@@ -9408,7 +10010,7 @@
             <a:fld id="{165826FE-6DB5-4F08-BF5A-C5950BC42529}" type="datetimeFigureOut">
               <a:rPr lang="de-DE" smtClean="0"/>
               <a:pPr/>
-              <a:t>12.10.22</a:t>
+              <a:t>23.11.22</a:t>
             </a:fld>
             <a:endParaRPr lang="de-DE" dirty="0"/>
           </a:p>
@@ -9724,7 +10326,7 @@
             <a:fld id="{165826FE-6DB5-4F08-BF5A-C5950BC42529}" type="datetimeFigureOut">
               <a:rPr lang="de-DE" smtClean="0"/>
               <a:pPr/>
-              <a:t>12.10.22</a:t>
+              <a:t>23.11.22</a:t>
             </a:fld>
             <a:endParaRPr lang="de-DE" dirty="0"/>
           </a:p>
@@ -10069,7 +10671,7 @@
             <a:fld id="{165826FE-6DB5-4F08-BF5A-C5950BC42529}" type="datetimeFigureOut">
               <a:rPr lang="de-DE" smtClean="0"/>
               <a:pPr/>
-              <a:t>12.10.22</a:t>
+              <a:t>23.11.22</a:t>
             </a:fld>
             <a:endParaRPr lang="de-DE" dirty="0"/>
           </a:p>
@@ -10385,7 +10987,7 @@
             <a:fld id="{165826FE-6DB5-4F08-BF5A-C5950BC42529}" type="datetimeFigureOut">
               <a:rPr lang="de-DE" smtClean="0"/>
               <a:pPr/>
-              <a:t>12.10.22</a:t>
+              <a:t>23.11.22</a:t>
             </a:fld>
             <a:endParaRPr lang="de-DE" dirty="0"/>
           </a:p>
@@ -10780,7 +11382,7 @@
             <a:fld id="{165826FE-6DB5-4F08-BF5A-C5950BC42529}" type="datetimeFigureOut">
               <a:rPr lang="de-DE" smtClean="0"/>
               <a:pPr/>
-              <a:t>12.10.22</a:t>
+              <a:t>23.11.22</a:t>
             </a:fld>
             <a:endParaRPr lang="de-DE" dirty="0"/>
           </a:p>
@@ -10951,7 +11553,7 @@
           <a:p>
             <a:fld id="{38B24836-18DD-4BB8-912A-D22F9D515750}" type="datetimeFigureOut">
               <a:rPr lang="de-DE" smtClean="0"/>
-              <a:t>12.10.22</a:t>
+              <a:t>23.11.22</a:t>
             </a:fld>
             <a:endParaRPr lang="de-DE"/>
           </a:p>
@@ -11131,7 +11733,7 @@
           <a:p>
             <a:fld id="{38B24836-18DD-4BB8-912A-D22F9D515750}" type="datetimeFigureOut">
               <a:rPr lang="de-DE" smtClean="0"/>
-              <a:t>12.10.22</a:t>
+              <a:t>23.11.22</a:t>
             </a:fld>
             <a:endParaRPr lang="de-DE"/>
           </a:p>
@@ -11394,7 +11996,7 @@
           <a:p>
             <a:fld id="{38B24836-18DD-4BB8-912A-D22F9D515750}" type="datetimeFigureOut">
               <a:rPr lang="de-DE" smtClean="0"/>
-              <a:t>12.10.22</a:t>
+              <a:t>23.11.22</a:t>
             </a:fld>
             <a:endParaRPr lang="de-DE"/>
           </a:p>
@@ -11659,7 +12261,7 @@
           <a:p>
             <a:fld id="{38B24836-18DD-4BB8-912A-D22F9D515750}" type="datetimeFigureOut">
               <a:rPr lang="de-DE" smtClean="0"/>
-              <a:t>12.10.22</a:t>
+              <a:t>23.11.22</a:t>
             </a:fld>
             <a:endParaRPr lang="de-DE"/>
           </a:p>
@@ -12071,7 +12673,7 @@
           <a:p>
             <a:fld id="{38B24836-18DD-4BB8-912A-D22F9D515750}" type="datetimeFigureOut">
               <a:rPr lang="de-DE" smtClean="0"/>
-              <a:t>12.10.22</a:t>
+              <a:t>23.11.22</a:t>
             </a:fld>
             <a:endParaRPr lang="de-DE"/>
           </a:p>
@@ -12212,7 +12814,7 @@
           <a:p>
             <a:fld id="{38B24836-18DD-4BB8-912A-D22F9D515750}" type="datetimeFigureOut">
               <a:rPr lang="de-DE" smtClean="0"/>
-              <a:t>12.10.22</a:t>
+              <a:t>23.11.22</a:t>
             </a:fld>
             <a:endParaRPr lang="de-DE"/>
           </a:p>
@@ -12325,7 +12927,7 @@
           <a:p>
             <a:fld id="{38B24836-18DD-4BB8-912A-D22F9D515750}" type="datetimeFigureOut">
               <a:rPr lang="de-DE" smtClean="0"/>
-              <a:t>12.10.22</a:t>
+              <a:t>23.11.22</a:t>
             </a:fld>
             <a:endParaRPr lang="de-DE"/>
           </a:p>
@@ -12636,7 +13238,7 @@
           <a:p>
             <a:fld id="{38B24836-18DD-4BB8-912A-D22F9D515750}" type="datetimeFigureOut">
               <a:rPr lang="de-DE" smtClean="0"/>
-              <a:t>12.10.22</a:t>
+              <a:t>23.11.22</a:t>
             </a:fld>
             <a:endParaRPr lang="de-DE"/>
           </a:p>
@@ -12924,7 +13526,7 @@
           <a:p>
             <a:fld id="{38B24836-18DD-4BB8-912A-D22F9D515750}" type="datetimeFigureOut">
               <a:rPr lang="de-DE" smtClean="0"/>
-              <a:t>12.10.22</a:t>
+              <a:t>23.11.22</a:t>
             </a:fld>
             <a:endParaRPr lang="de-DE"/>
           </a:p>
@@ -13167,7 +13769,7 @@
             <a:fld id="{38B24836-18DD-4BB8-912A-D22F9D515750}" type="datetimeFigureOut">
               <a:rPr lang="de-DE" smtClean="0"/>
               <a:pPr/>
-              <a:t>12.10.22</a:t>
+              <a:t>23.11.22</a:t>
             </a:fld>
             <a:endParaRPr lang="de-DE" dirty="0"/>
           </a:p>
@@ -14253,7 +14855,7 @@
             <a:fld id="{165826FE-6DB5-4F08-BF5A-C5950BC42529}" type="datetimeFigureOut">
               <a:rPr lang="de-DE" smtClean="0"/>
               <a:pPr/>
-              <a:t>12.10.22</a:t>
+              <a:t>23.11.22</a:t>
             </a:fld>
             <a:endParaRPr lang="de-DE" dirty="0"/>
           </a:p>
@@ -15248,7 +15850,7 @@
 </p:sld>
 </file>
 
-<file path=ppt/slides/slide2.xml><?xml version="1.0" encoding="utf-8"?>
+<file path=ppt/slides/slide10.xml><?xml version="1.0" encoding="utf-8"?>
 <p:sld xmlns:a="http://schemas.openxmlformats.org/drawingml/2006/main" xmlns:r="http://schemas.openxmlformats.org/officeDocument/2006/relationships" xmlns:p="http://schemas.openxmlformats.org/presentationml/2006/main">
   <p:cSld>
     <p:spTree>
@@ -15334,7 +15936,15 @@
               <a:buChar char="Ø"/>
             </a:pPr>
             <a:r>
-              <a:rPr lang="en-US" dirty="0"/>
+              <a:rPr lang="en-US" dirty="0">
+                <a:solidFill>
+                  <a:schemeClr val="tx1">
+                    <a:lumMod val="75000"/>
+                    <a:lumOff val="25000"/>
+                    <a:alpha val="34000"/>
+                  </a:schemeClr>
+                </a:solidFill>
+              </a:rPr>
               <a:t>.NET Multi-platform App UI</a:t>
             </a:r>
           </a:p>
@@ -15345,18 +15955,50 @@
               <a:buChar char="Ø"/>
             </a:pPr>
             <a:r>
-              <a:rPr lang="en-US" dirty="0" err="1"/>
+              <a:rPr lang="en-US" dirty="0" err="1">
+                <a:solidFill>
+                  <a:schemeClr val="tx1">
+                    <a:lumMod val="75000"/>
+                    <a:lumOff val="25000"/>
+                    <a:alpha val="34000"/>
+                  </a:schemeClr>
+                </a:solidFill>
+              </a:rPr>
               <a:t>Vorstellung</a:t>
             </a:r>
             <a:r>
-              <a:rPr lang="en-US" dirty="0"/>
+              <a:rPr lang="en-US" dirty="0">
+                <a:solidFill>
+                  <a:schemeClr val="tx1">
+                    <a:lumMod val="75000"/>
+                    <a:lumOff val="25000"/>
+                    <a:alpha val="34000"/>
+                  </a:schemeClr>
+                </a:solidFill>
+              </a:rPr>
               <a:t> des </a:t>
             </a:r>
             <a:r>
-              <a:rPr lang="en-US" dirty="0" err="1"/>
+              <a:rPr lang="en-US" dirty="0" err="1">
+                <a:solidFill>
+                  <a:schemeClr val="tx1">
+                    <a:lumMod val="75000"/>
+                    <a:lumOff val="25000"/>
+                    <a:alpha val="34000"/>
+                  </a:schemeClr>
+                </a:solidFill>
+              </a:rPr>
               <a:t>Demoprojekts</a:t>
             </a:r>
-            <a:endParaRPr lang="en-US" dirty="0"/>
+            <a:endParaRPr lang="en-US" dirty="0">
+              <a:solidFill>
+                <a:schemeClr val="tx1">
+                  <a:lumMod val="75000"/>
+                  <a:lumOff val="25000"/>
+                  <a:alpha val="34000"/>
+                </a:schemeClr>
+              </a:solidFill>
+            </a:endParaRPr>
           </a:p>
           <a:p>
             <a:pPr lvl="0">
@@ -15365,19 +16007,51 @@
               <a:buChar char="Ø"/>
             </a:pPr>
             <a:r>
-              <a:rPr lang="en-US" dirty="0" err="1"/>
+              <a:rPr lang="en-US" dirty="0" err="1">
+                <a:solidFill>
+                  <a:schemeClr val="tx1">
+                    <a:lumMod val="75000"/>
+                    <a:lumOff val="25000"/>
+                    <a:alpha val="33737"/>
+                  </a:schemeClr>
+                </a:solidFill>
+              </a:rPr>
               <a:t>Erstellen</a:t>
             </a:r>
             <a:r>
-              <a:rPr lang="en-US" dirty="0"/>
+              <a:rPr lang="en-US" dirty="0">
+                <a:solidFill>
+                  <a:schemeClr val="tx1">
+                    <a:lumMod val="75000"/>
+                    <a:lumOff val="25000"/>
+                    <a:alpha val="33737"/>
+                  </a:schemeClr>
+                </a:solidFill>
+              </a:rPr>
               <a:t> </a:t>
             </a:r>
             <a:r>
-              <a:rPr lang="en-US" dirty="0" err="1"/>
+              <a:rPr lang="en-US" dirty="0" err="1">
+                <a:solidFill>
+                  <a:schemeClr val="tx1">
+                    <a:lumMod val="75000"/>
+                    <a:lumOff val="25000"/>
+                    <a:alpha val="33737"/>
+                  </a:schemeClr>
+                </a:solidFill>
+              </a:rPr>
               <a:t>einer</a:t>
             </a:r>
             <a:r>
-              <a:rPr lang="en-US" dirty="0"/>
+              <a:rPr lang="en-US" dirty="0">
+                <a:solidFill>
+                  <a:schemeClr val="tx1">
+                    <a:lumMod val="75000"/>
+                    <a:lumOff val="25000"/>
+                    <a:alpha val="33737"/>
+                  </a:schemeClr>
+                </a:solidFill>
+              </a:rPr>
               <a:t> .NET MAUI App</a:t>
             </a:r>
           </a:p>
@@ -15411,10 +16085,26 @@
               <a:buChar char="Ø"/>
             </a:pPr>
             <a:r>
-              <a:rPr lang="en-US" dirty="0" err="1"/>
+              <a:rPr lang="en-US" dirty="0" err="1">
+                <a:solidFill>
+                  <a:schemeClr val="tx1">
+                    <a:lumMod val="75000"/>
+                    <a:lumOff val="25000"/>
+                    <a:alpha val="34000"/>
+                  </a:schemeClr>
+                </a:solidFill>
+              </a:rPr>
               <a:t>Ausblick</a:t>
             </a:r>
-            <a:endParaRPr lang="en-US" dirty="0"/>
+            <a:endParaRPr lang="en-US" dirty="0">
+              <a:solidFill>
+                <a:schemeClr val="tx1">
+                  <a:lumMod val="75000"/>
+                  <a:lumOff val="25000"/>
+                  <a:alpha val="34000"/>
+                </a:schemeClr>
+              </a:solidFill>
+            </a:endParaRPr>
           </a:p>
         </p:txBody>
       </p:sp>
@@ -15468,10 +16158,51 @@
           </a:p>
         </p:txBody>
       </p:sp>
+      <p:sp>
+        <p:nvSpPr>
+          <p:cNvPr id="7" name="Textfeld 6">
+            <a:extLst>
+              <a:ext uri="{FF2B5EF4-FFF2-40B4-BE49-F238E27FC236}">
+                <a16:creationId xmlns:a16="http://schemas.microsoft.com/office/drawing/2014/main" id="{8ED3FFB5-00A3-4743-0991-F9C5D87A3A4A}"/>
+              </a:ext>
+            </a:extLst>
+          </p:cNvPr>
+          <p:cNvSpPr txBox="1"/>
+          <p:nvPr/>
+        </p:nvSpPr>
+        <p:spPr>
+          <a:xfrm>
+            <a:off x="1716416" y="5238191"/>
+            <a:ext cx="7371391" cy="646331"/>
+          </a:xfrm>
+          <a:prstGeom prst="rect">
+            <a:avLst/>
+          </a:prstGeom>
+          <a:noFill/>
+        </p:spPr>
+        <p:txBody>
+          <a:bodyPr wrap="square" rtlCol="0">
+            <a:spAutoFit/>
+          </a:bodyPr>
+          <a:lstStyle/>
+          <a:p>
+            <a:r>
+              <a:rPr lang="de-DE" dirty="0">
+                <a:hlinkClick r:id="rId3"/>
+              </a:rPr>
+              <a:t>https://github.com/F-Goncalves/.NET-MAUI-Workshop-Resources</a:t>
+            </a:r>
+            <a:endParaRPr lang="de-DE" dirty="0"/>
+          </a:p>
+          <a:p>
+            <a:endParaRPr lang="de-DE" dirty="0"/>
+          </a:p>
+        </p:txBody>
+      </p:sp>
     </p:spTree>
     <p:extLst>
       <p:ext uri="{BB962C8B-B14F-4D97-AF65-F5344CB8AC3E}">
-        <p14:creationId xmlns:p14="http://schemas.microsoft.com/office/powerpoint/2010/main" val="2440099612"/>
+        <p14:creationId xmlns:p14="http://schemas.microsoft.com/office/powerpoint/2010/main" val="2560507829"/>
       </p:ext>
     </p:extLst>
   </p:cSld>
@@ -15481,7 +16212,7 @@
 </p:sld>
 </file>
 
-<file path=ppt/slides/slide3.xml><?xml version="1.0" encoding="utf-8"?>
+<file path=ppt/slides/slide11.xml><?xml version="1.0" encoding="utf-8"?>
 <p:sld xmlns:a="http://schemas.openxmlformats.org/drawingml/2006/main" xmlns:r="http://schemas.openxmlformats.org/officeDocument/2006/relationships" xmlns:p="http://schemas.openxmlformats.org/presentationml/2006/main">
   <p:cSld>
     <p:spTree>
@@ -15503,7 +16234,7 @@
           <p:cNvPr id="2" name="Titel 1">
             <a:extLst>
               <a:ext uri="{FF2B5EF4-FFF2-40B4-BE49-F238E27FC236}">
-                <a16:creationId xmlns:a16="http://schemas.microsoft.com/office/drawing/2014/main" id="{7D05E626-6809-C4C7-ED05-5B5E1D0FF09D}"/>
+                <a16:creationId xmlns:a16="http://schemas.microsoft.com/office/drawing/2014/main" id="{35CCAE9F-8546-4986-A181-C44D2416B403}"/>
               </a:ext>
             </a:extLst>
           </p:cNvPr>
@@ -15514,32 +16245,56 @@
             <p:ph type="title"/>
           </p:nvPr>
         </p:nvSpPr>
-        <p:spPr/>
-        <p:txBody>
-          <a:bodyPr/>
+        <p:spPr>
+          <a:xfrm>
+            <a:off x="591015" y="1179152"/>
+            <a:ext cx="4103647" cy="3950410"/>
+          </a:xfrm>
+          <a:ln>
+            <a:noFill/>
+          </a:ln>
+        </p:spPr>
+        <p:txBody>
+          <a:bodyPr anchor="ctr">
+            <a:normAutofit/>
+          </a:bodyPr>
           <a:lstStyle/>
           <a:p>
             <a:r>
-              <a:rPr lang="de-DE" dirty="0"/>
-              <a:t>.NET Multi-</a:t>
-            </a:r>
-            <a:r>
-              <a:rPr lang="de-DE" dirty="0" err="1"/>
-              <a:t>Platform</a:t>
-            </a:r>
-            <a:r>
-              <a:rPr lang="de-DE" dirty="0"/>
-              <a:t> App UI</a:t>
-            </a:r>
-          </a:p>
-        </p:txBody>
-      </p:sp>
-      <p:sp>
-        <p:nvSpPr>
-          <p:cNvPr id="3" name="Inhaltsplatzhalter 2">
+              <a:rPr lang="de-DE" b="1" dirty="0"/>
+              <a:t>Aufgabe!</a:t>
+            </a:r>
+            <a:br>
+              <a:rPr lang="de-DE" b="1" dirty="0"/>
+            </a:br>
+            <a:r>
+              <a:rPr lang="de-DE" sz="2000" b="1" dirty="0">
+                <a:solidFill>
+                  <a:schemeClr val="accent2">
+                    <a:lumMod val="40000"/>
+                    <a:lumOff val="60000"/>
+                  </a:schemeClr>
+                </a:solidFill>
+              </a:rPr>
+              <a:t>Implementierung unserer .NET MAUI App</a:t>
+            </a:r>
+            <a:endParaRPr lang="de-DE" b="1" dirty="0">
+              <a:solidFill>
+                <a:schemeClr val="accent2">
+                  <a:lumMod val="40000"/>
+                  <a:lumOff val="60000"/>
+                </a:schemeClr>
+              </a:solidFill>
+            </a:endParaRPr>
+          </a:p>
+        </p:txBody>
+      </p:sp>
+      <p:sp>
+        <p:nvSpPr>
+          <p:cNvPr id="4" name="Inhaltsplatzhalter 3">
             <a:extLst>
               <a:ext uri="{FF2B5EF4-FFF2-40B4-BE49-F238E27FC236}">
-                <a16:creationId xmlns:a16="http://schemas.microsoft.com/office/drawing/2014/main" id="{3005180E-D78B-3D04-9FAA-7CD64046A17E}"/>
+                <a16:creationId xmlns:a16="http://schemas.microsoft.com/office/drawing/2014/main" id="{DA58E82B-8941-40DB-9C79-2AAFACA62195}"/>
               </a:ext>
             </a:extLst>
           </p:cNvPr>
@@ -15550,66 +16305,166 @@
             <p:ph idx="1"/>
           </p:nvPr>
         </p:nvSpPr>
-        <p:spPr/>
-        <p:txBody>
-          <a:bodyPr/>
+        <p:spPr>
+          <a:xfrm>
+            <a:off x="4978918" y="1109145"/>
+            <a:ext cx="4733794" cy="4603900"/>
+          </a:xfrm>
+        </p:spPr>
+        <p:txBody>
+          <a:bodyPr anchor="ctr">
+            <a:normAutofit/>
+          </a:bodyPr>
           <a:lstStyle/>
           <a:p>
-            <a:endParaRPr lang="de-DE"/>
-          </a:p>
-        </p:txBody>
-      </p:sp>
-      <p:pic>
-        <p:nvPicPr>
-          <p:cNvPr id="1026" name="Picture 2" descr=".NET MAUI architecture diagram.">
+            <a:pPr lvl="0">
+              <a:buSzPct val="80000"/>
+              <a:buFont typeface="Wingdings" panose="05000000000000000000" pitchFamily="2" charset="2"/>
+              <a:buChar char="Ø"/>
+            </a:pPr>
+            <a:r>
+              <a:rPr lang="en-US" dirty="0" err="1"/>
+              <a:t>Baue</a:t>
+            </a:r>
+            <a:r>
+              <a:rPr lang="en-US" dirty="0"/>
+              <a:t> </a:t>
+            </a:r>
+            <a:r>
+              <a:rPr lang="en-US" dirty="0" err="1"/>
+              <a:t>deine</a:t>
+            </a:r>
+            <a:r>
+              <a:rPr lang="en-US" dirty="0"/>
+              <a:t> .NET MAUI App von Shell-Navigation auf die </a:t>
+            </a:r>
+            <a:r>
+              <a:rPr lang="en-US" dirty="0" err="1"/>
+              <a:t>klassische</a:t>
+            </a:r>
+            <a:r>
+              <a:rPr lang="en-US" dirty="0"/>
+              <a:t> </a:t>
+            </a:r>
+            <a:r>
+              <a:rPr lang="en-US" dirty="0" err="1"/>
+              <a:t>Navigationsstruktur</a:t>
+            </a:r>
+            <a:r>
+              <a:rPr lang="en-US" dirty="0"/>
+              <a:t> </a:t>
+            </a:r>
+            <a:r>
+              <a:rPr lang="en-US" dirty="0" err="1"/>
+              <a:t>mit</a:t>
+            </a:r>
+            <a:r>
+              <a:rPr lang="en-US" dirty="0"/>
+              <a:t> </a:t>
+            </a:r>
+            <a:r>
+              <a:rPr lang="en-US" dirty="0" err="1"/>
+              <a:t>FlyoutPage</a:t>
+            </a:r>
+            <a:r>
+              <a:rPr lang="en-US" dirty="0"/>
+              <a:t> um</a:t>
+            </a:r>
+          </a:p>
+        </p:txBody>
+      </p:sp>
+      <p:sp>
+        <p:nvSpPr>
+          <p:cNvPr id="3" name="Textfeld 2">
             <a:extLst>
               <a:ext uri="{FF2B5EF4-FFF2-40B4-BE49-F238E27FC236}">
-                <a16:creationId xmlns:a16="http://schemas.microsoft.com/office/drawing/2014/main" id="{B7F639C0-54CC-726A-C6D3-FAB214E68079}"/>
+                <a16:creationId xmlns:a16="http://schemas.microsoft.com/office/drawing/2014/main" id="{D4E63E0D-E28A-1763-8265-B24A040605F4}"/>
               </a:ext>
             </a:extLst>
           </p:cNvPr>
-          <p:cNvPicPr>
-            <a:picLocks noChangeAspect="1" noChangeArrowheads="1"/>
-          </p:cNvPicPr>
+          <p:cNvSpPr txBox="1"/>
           <p:nvPr/>
-        </p:nvPicPr>
-        <p:blipFill>
-          <a:blip r:embed="rId3">
-            <a:extLst>
-              <a:ext uri="{28A0092B-C50C-407E-A947-70E740481C1C}">
-                <a14:useLocalDpi xmlns:a14="http://schemas.microsoft.com/office/drawing/2010/main" val="0"/>
-              </a:ext>
-            </a:extLst>
-          </a:blip>
-          <a:srcRect/>
-          <a:stretch>
-            <a:fillRect/>
-          </a:stretch>
-        </p:blipFill>
-        <p:spPr bwMode="auto">
+        </p:nvSpPr>
+        <p:spPr>
           <a:xfrm>
-            <a:off x="1481582" y="1646041"/>
-            <a:ext cx="7278370" cy="4602359"/>
+            <a:off x="11035914" y="5944368"/>
+            <a:ext cx="1099896" cy="584775"/>
           </a:xfrm>
           <a:prstGeom prst="rect">
             <a:avLst/>
           </a:prstGeom>
           <a:noFill/>
-          <a:extLst>
-            <a:ext uri="{909E8E84-426E-40DD-AFC4-6F175D3DCCD1}">
-              <a14:hiddenFill xmlns:a14="http://schemas.microsoft.com/office/drawing/2010/main">
+        </p:spPr>
+        <p:txBody>
+          <a:bodyPr rot="0" spcFirstLastPara="0" vertOverflow="overflow" horzOverflow="overflow" vert="horz" wrap="square" lIns="91440" tIns="45720" rIns="91440" bIns="45720" numCol="1" spcCol="0" rtlCol="0" fromWordArt="0" anchor="t" anchorCtr="0" forceAA="0" compatLnSpc="1">
+            <a:prstTxWarp prst="textNoShape">
+              <a:avLst/>
+            </a:prstTxWarp>
+            <a:spAutoFit/>
+          </a:bodyPr>
+          <a:lstStyle/>
+          <a:p>
+            <a:pPr algn="l"/>
+            <a:r>
+              <a:rPr lang="de-DE" sz="3200" dirty="0" err="1">
                 <a:solidFill>
-                  <a:srgbClr val="FFFFFF"/>
+                  <a:schemeClr val="bg1"/>
                 </a:solidFill>
-              </a14:hiddenFill>
-            </a:ext>
-          </a:extLst>
+                <a:latin typeface="Edwardian Script ITC"/>
+              </a:rPr>
+              <a:t>Cayas</a:t>
+            </a:r>
+            <a:endParaRPr lang="de-DE" sz="3200" dirty="0">
+              <a:solidFill>
+                <a:schemeClr val="bg1"/>
+              </a:solidFill>
+              <a:latin typeface="Edwardian Script ITC"/>
+            </a:endParaRPr>
+          </a:p>
+        </p:txBody>
+      </p:sp>
+      <p:sp>
+        <p:nvSpPr>
+          <p:cNvPr id="5" name="Textfeld 4">
+            <a:extLst>
+              <a:ext uri="{FF2B5EF4-FFF2-40B4-BE49-F238E27FC236}">
+                <a16:creationId xmlns:a16="http://schemas.microsoft.com/office/drawing/2014/main" id="{5CAC1101-9470-6A6C-9D1B-48EEFECA02A6}"/>
+              </a:ext>
+            </a:extLst>
+          </p:cNvPr>
+          <p:cNvSpPr txBox="1"/>
+          <p:nvPr/>
+        </p:nvSpPr>
+        <p:spPr>
+          <a:xfrm>
+            <a:off x="364274" y="4944896"/>
+            <a:ext cx="8991600" cy="646331"/>
+          </a:xfrm>
+          <a:prstGeom prst="rect">
+            <a:avLst/>
+          </a:prstGeom>
+          <a:noFill/>
         </p:spPr>
-      </p:pic>
+        <p:txBody>
+          <a:bodyPr wrap="square" rtlCol="0">
+            <a:spAutoFit/>
+          </a:bodyPr>
+          <a:lstStyle/>
+          <a:p>
+            <a:r>
+              <a:rPr lang="de-DE" dirty="0">
+                <a:hlinkClick r:id="rId3"/>
+              </a:rPr>
+              <a:t>https://learn.microsoft.com/de-de/dotnet/maui/user-interface/pages/flyoutpage?view=net-maui-7.0</a:t>
+            </a:r>
+            <a:endParaRPr lang="de-DE" dirty="0"/>
+          </a:p>
+        </p:txBody>
+      </p:sp>
     </p:spTree>
     <p:extLst>
       <p:ext uri="{BB962C8B-B14F-4D97-AF65-F5344CB8AC3E}">
-        <p14:creationId xmlns:p14="http://schemas.microsoft.com/office/powerpoint/2010/main" val="3709874976"/>
+        <p14:creationId xmlns:p14="http://schemas.microsoft.com/office/powerpoint/2010/main" val="1420917889"/>
       </p:ext>
     </p:extLst>
   </p:cSld>
@@ -15619,7 +16474,7 @@
 </p:sld>
 </file>
 
-<file path=ppt/slides/slide4.xml><?xml version="1.0" encoding="utf-8"?>
+<file path=ppt/slides/slide12.xml><?xml version="1.0" encoding="utf-8"?>
 <p:sld xmlns:a="http://schemas.openxmlformats.org/drawingml/2006/main" xmlns:r="http://schemas.openxmlformats.org/officeDocument/2006/relationships" xmlns:p="http://schemas.openxmlformats.org/presentationml/2006/main">
   <p:cSld>
     <p:spTree>
@@ -15641,7 +16496,7 @@
           <p:cNvPr id="2" name="Titel 1">
             <a:extLst>
               <a:ext uri="{FF2B5EF4-FFF2-40B4-BE49-F238E27FC236}">
-                <a16:creationId xmlns:a16="http://schemas.microsoft.com/office/drawing/2014/main" id="{4F36960C-FB23-F440-5339-655BEFB73BC7}"/>
+                <a16:creationId xmlns:a16="http://schemas.microsoft.com/office/drawing/2014/main" id="{35CCAE9F-8546-4986-A181-C44D2416B403}"/>
               </a:ext>
             </a:extLst>
           </p:cNvPr>
@@ -15652,128 +16507,376 @@
             <p:ph type="title"/>
           </p:nvPr>
         </p:nvSpPr>
-        <p:spPr/>
-        <p:txBody>
-          <a:bodyPr/>
+        <p:spPr>
+          <a:xfrm>
+            <a:off x="591015" y="1179152"/>
+            <a:ext cx="4103647" cy="3950410"/>
+          </a:xfrm>
+          <a:ln>
+            <a:noFill/>
+          </a:ln>
+        </p:spPr>
+        <p:txBody>
+          <a:bodyPr anchor="ctr">
+            <a:normAutofit/>
+          </a:bodyPr>
           <a:lstStyle/>
           <a:p>
             <a:r>
-              <a:rPr lang="de-DE" dirty="0"/>
-              <a:t>Vorstellung des Demo-Projekts</a:t>
-            </a:r>
-          </a:p>
-        </p:txBody>
-      </p:sp>
-      <p:grpSp>
-        <p:nvGrpSpPr>
-          <p:cNvPr id="7" name="Gruppieren 6">
+              <a:rPr lang="de-DE" b="1" dirty="0"/>
+              <a:t>Aufgabe!</a:t>
+            </a:r>
+            <a:br>
+              <a:rPr lang="de-DE" b="1" dirty="0"/>
+            </a:br>
+            <a:r>
+              <a:rPr lang="de-DE" sz="2000" b="1" dirty="0">
+                <a:solidFill>
+                  <a:schemeClr val="accent2">
+                    <a:lumMod val="40000"/>
+                    <a:lumOff val="60000"/>
+                  </a:schemeClr>
+                </a:solidFill>
+              </a:rPr>
+              <a:t>Implementierung unserer .NET MAUI App</a:t>
+            </a:r>
+            <a:endParaRPr lang="de-DE" b="1" dirty="0">
+              <a:solidFill>
+                <a:schemeClr val="accent2">
+                  <a:lumMod val="40000"/>
+                  <a:lumOff val="60000"/>
+                </a:schemeClr>
+              </a:solidFill>
+            </a:endParaRPr>
+          </a:p>
+        </p:txBody>
+      </p:sp>
+      <p:sp>
+        <p:nvSpPr>
+          <p:cNvPr id="4" name="Inhaltsplatzhalter 3">
             <a:extLst>
               <a:ext uri="{FF2B5EF4-FFF2-40B4-BE49-F238E27FC236}">
-                <a16:creationId xmlns:a16="http://schemas.microsoft.com/office/drawing/2014/main" id="{ACD285E2-1B24-A099-5FCC-4E73176F672E}"/>
+                <a16:creationId xmlns:a16="http://schemas.microsoft.com/office/drawing/2014/main" id="{DA58E82B-8941-40DB-9C79-2AAFACA62195}"/>
               </a:ext>
             </a:extLst>
           </p:cNvPr>
-          <p:cNvGrpSpPr/>
-          <p:nvPr/>
-        </p:nvGrpSpPr>
-        <p:grpSpPr>
+          <p:cNvSpPr>
+            <a:spLocks noGrp="1"/>
+          </p:cNvSpPr>
+          <p:nvPr>
+            <p:ph idx="1"/>
+          </p:nvPr>
+        </p:nvSpPr>
+        <p:spPr>
           <a:xfrm>
-            <a:off x="2417586" y="1711960"/>
-            <a:ext cx="4971299" cy="3231680"/>
-            <a:chOff x="3128786" y="1752600"/>
-            <a:chExt cx="4971299" cy="3231680"/>
+            <a:off x="4978918" y="1109145"/>
+            <a:ext cx="4733794" cy="4603900"/>
           </a:xfrm>
-        </p:grpSpPr>
-        <p:pic>
-          <p:nvPicPr>
-            <p:cNvPr id="2052" name="Picture 4">
-              <a:extLst>
-                <a:ext uri="{FF2B5EF4-FFF2-40B4-BE49-F238E27FC236}">
-                  <a16:creationId xmlns:a16="http://schemas.microsoft.com/office/drawing/2014/main" id="{9E2332B1-55E4-ECB7-5E70-9F29A3B94F7F}"/>
-                </a:ext>
-              </a:extLst>
-            </p:cNvPr>
-            <p:cNvPicPr>
-              <a:picLocks noChangeAspect="1" noChangeArrowheads="1"/>
-            </p:cNvPicPr>
-            <p:nvPr/>
-          </p:nvPicPr>
-          <p:blipFill rotWithShape="1">
-            <a:blip r:embed="rId3">
-              <a:extLst>
-                <a:ext uri="{28A0092B-C50C-407E-A947-70E740481C1C}">
-                  <a14:useLocalDpi xmlns:a14="http://schemas.microsoft.com/office/drawing/2010/main" val="0"/>
-                </a:ext>
-              </a:extLst>
-            </a:blip>
-            <a:srcRect l="20555" t="4157" r="19859" b="4078"/>
-            <a:stretch/>
-          </p:blipFill>
-          <p:spPr bwMode="auto">
-            <a:xfrm>
-              <a:off x="3128786" y="1752600"/>
-              <a:ext cx="4971299" cy="3062403"/>
-            </a:xfrm>
-            <a:prstGeom prst="rect">
-              <a:avLst/>
-            </a:prstGeom>
-            <a:noFill/>
-            <a:extLst>
-              <a:ext uri="{909E8E84-426E-40DD-AFC4-6F175D3DCCD1}">
-                <a14:hiddenFill xmlns:a14="http://schemas.microsoft.com/office/drawing/2010/main">
-                  <a:solidFill>
-                    <a:srgbClr val="FFFFFF"/>
-                  </a:solidFill>
-                </a14:hiddenFill>
-              </a:ext>
-            </a:extLst>
-          </p:spPr>
-        </p:pic>
-        <p:sp>
-          <p:nvSpPr>
-            <p:cNvPr id="6" name="Textfeld 5">
-              <a:extLst>
-                <a:ext uri="{FF2B5EF4-FFF2-40B4-BE49-F238E27FC236}">
-                  <a16:creationId xmlns:a16="http://schemas.microsoft.com/office/drawing/2014/main" id="{24498D47-80E7-6B6B-3EBB-D10E5B0B0BF8}"/>
-                </a:ext>
-              </a:extLst>
-            </p:cNvPr>
-            <p:cNvSpPr txBox="1"/>
-            <p:nvPr/>
-          </p:nvSpPr>
-          <p:spPr>
-            <a:xfrm>
-              <a:off x="3128786" y="4815003"/>
-              <a:ext cx="4947920" cy="169277"/>
-            </a:xfrm>
-            <a:prstGeom prst="rect">
-              <a:avLst/>
-            </a:prstGeom>
-            <a:noFill/>
-          </p:spPr>
-          <p:txBody>
-            <a:bodyPr wrap="square" rtlCol="0">
-              <a:spAutoFit/>
-            </a:bodyPr>
-            <a:lstStyle/>
-            <a:p>
-              <a:r>
-                <a:rPr lang="de-DE" sz="500" dirty="0">
-                  <a:hlinkClick r:id="rId4"/>
-                </a:rPr>
-                <a:t>https://www.toynk.com/blogs/news/best-disney-characters</a:t>
-              </a:r>
-              <a:endParaRPr lang="de-DE" sz="500" dirty="0"/>
-            </a:p>
-          </p:txBody>
-        </p:sp>
-      </p:grpSp>
-      <p:sp>
-        <p:nvSpPr>
-          <p:cNvPr id="8" name="Textfeld 7">
+        </p:spPr>
+        <p:txBody>
+          <a:bodyPr anchor="ctr">
+            <a:normAutofit/>
+          </a:bodyPr>
+          <a:lstStyle/>
+          <a:p>
+            <a:pPr lvl="0">
+              <a:buSzPct val="80000"/>
+              <a:buFont typeface="Wingdings" panose="05000000000000000000" pitchFamily="2" charset="2"/>
+              <a:buChar char="Ø"/>
+            </a:pPr>
+            <a:r>
+              <a:rPr lang="en-US" dirty="0" err="1"/>
+              <a:t>Erstelle</a:t>
+            </a:r>
+            <a:r>
+              <a:rPr lang="en-US" dirty="0"/>
+              <a:t> </a:t>
+            </a:r>
+            <a:r>
+              <a:rPr lang="en-US" dirty="0" err="1"/>
+              <a:t>eine</a:t>
+            </a:r>
+            <a:r>
+              <a:rPr lang="en-US" dirty="0"/>
+              <a:t> </a:t>
+            </a:r>
+            <a:r>
+              <a:rPr lang="en-US" dirty="0" err="1"/>
+              <a:t>neue</a:t>
+            </a:r>
+            <a:r>
+              <a:rPr lang="en-US" dirty="0"/>
+              <a:t> .NET 7 </a:t>
+            </a:r>
+            <a:r>
+              <a:rPr lang="en-US" dirty="0" err="1"/>
+              <a:t>Klassenbibliothek</a:t>
+            </a:r>
+            <a:r>
+              <a:rPr lang="en-US" dirty="0"/>
+              <a:t> für den </a:t>
+            </a:r>
+            <a:r>
+              <a:rPr lang="en-US" dirty="0" err="1"/>
+              <a:t>ApiClient</a:t>
+            </a:r>
+            <a:endParaRPr lang="en-US" dirty="0"/>
+          </a:p>
+          <a:p>
+            <a:pPr>
+              <a:buSzPct val="80000"/>
+              <a:buFont typeface="Wingdings" panose="05000000000000000000" pitchFamily="2" charset="2"/>
+              <a:buChar char="Ø"/>
+            </a:pPr>
+            <a:r>
+              <a:rPr lang="en-US" dirty="0" err="1"/>
+              <a:t>Implementiere</a:t>
+            </a:r>
+            <a:r>
+              <a:rPr lang="en-US" dirty="0"/>
+              <a:t> </a:t>
+            </a:r>
+            <a:r>
+              <a:rPr lang="en-US" dirty="0" err="1"/>
+              <a:t>einen</a:t>
+            </a:r>
+            <a:r>
+              <a:rPr lang="en-US" dirty="0"/>
+              <a:t> </a:t>
+            </a:r>
+            <a:r>
+              <a:rPr lang="en-US" dirty="0" err="1"/>
+              <a:t>ApiClient</a:t>
+            </a:r>
+            <a:r>
+              <a:rPr lang="en-US" dirty="0"/>
+              <a:t> </a:t>
+            </a:r>
+            <a:r>
+              <a:rPr lang="en-US" dirty="0" err="1"/>
+              <a:t>mit</a:t>
+            </a:r>
+            <a:r>
+              <a:rPr lang="en-US" dirty="0"/>
+              <a:t> dem du </a:t>
+            </a:r>
+            <a:r>
+              <a:rPr lang="en-US" dirty="0" err="1"/>
+              <a:t>Daten</a:t>
+            </a:r>
+            <a:r>
+              <a:rPr lang="en-US" dirty="0"/>
+              <a:t> </a:t>
+            </a:r>
+            <a:r>
+              <a:rPr lang="en-US" dirty="0" err="1"/>
+              <a:t>aus</a:t>
+            </a:r>
+            <a:r>
+              <a:rPr lang="en-US" dirty="0"/>
+              <a:t> der Disney-</a:t>
+            </a:r>
+            <a:r>
+              <a:rPr lang="en-US" dirty="0" err="1"/>
+              <a:t>Api</a:t>
+            </a:r>
+            <a:r>
+              <a:rPr lang="en-US" dirty="0"/>
+              <a:t> </a:t>
+            </a:r>
+            <a:r>
+              <a:rPr lang="en-US" dirty="0" err="1"/>
+              <a:t>abrufen</a:t>
+            </a:r>
+            <a:r>
+              <a:rPr lang="en-US" dirty="0"/>
+              <a:t> </a:t>
+            </a:r>
+            <a:r>
+              <a:rPr lang="en-US" dirty="0" err="1"/>
+              <a:t>kannst</a:t>
+            </a:r>
+            <a:endParaRPr lang="en-US" dirty="0"/>
+          </a:p>
+          <a:p>
+            <a:pPr>
+              <a:buSzPct val="80000"/>
+              <a:buFont typeface="Wingdings" panose="05000000000000000000" pitchFamily="2" charset="2"/>
+              <a:buChar char="Ø"/>
+            </a:pPr>
+            <a:r>
+              <a:rPr lang="en-US" dirty="0" err="1"/>
+              <a:t>Deserialisiere</a:t>
+            </a:r>
+            <a:r>
+              <a:rPr lang="en-US" dirty="0"/>
+              <a:t> die </a:t>
+            </a:r>
+            <a:r>
+              <a:rPr lang="en-US" dirty="0" err="1"/>
+              <a:t>Antworten</a:t>
+            </a:r>
+            <a:r>
+              <a:rPr lang="en-US" dirty="0"/>
+              <a:t> in </a:t>
+            </a:r>
+            <a:r>
+              <a:rPr lang="en-US" dirty="0" err="1"/>
+              <a:t>eine</a:t>
+            </a:r>
+            <a:r>
+              <a:rPr lang="en-US" dirty="0"/>
+              <a:t> </a:t>
+            </a:r>
+            <a:r>
+              <a:rPr lang="en-US" dirty="0" err="1"/>
+              <a:t>geeignete</a:t>
+            </a:r>
+            <a:r>
+              <a:rPr lang="en-US" dirty="0"/>
+              <a:t> </a:t>
+            </a:r>
+            <a:r>
+              <a:rPr lang="en-US" dirty="0" err="1"/>
+              <a:t>Klasse</a:t>
+            </a:r>
+            <a:endParaRPr lang="en-US" dirty="0"/>
+          </a:p>
+          <a:p>
+            <a:pPr>
+              <a:buSzPct val="80000"/>
+              <a:buFont typeface="Wingdings" panose="05000000000000000000" pitchFamily="2" charset="2"/>
+              <a:buChar char="Ø"/>
+            </a:pPr>
+            <a:r>
+              <a:rPr lang="en-US" dirty="0" err="1"/>
+              <a:t>Nutze</a:t>
+            </a:r>
+            <a:r>
+              <a:rPr lang="en-US" dirty="0"/>
+              <a:t> den </a:t>
+            </a:r>
+            <a:r>
+              <a:rPr lang="en-US" dirty="0" err="1"/>
+              <a:t>ApiClient</a:t>
+            </a:r>
+            <a:r>
+              <a:rPr lang="en-US" dirty="0"/>
+              <a:t> </a:t>
+            </a:r>
+            <a:r>
+              <a:rPr lang="en-US" dirty="0" err="1"/>
+              <a:t>nachdem</a:t>
+            </a:r>
+            <a:r>
+              <a:rPr lang="en-US" dirty="0"/>
+              <a:t> </a:t>
+            </a:r>
+            <a:r>
+              <a:rPr lang="en-US" dirty="0" err="1"/>
+              <a:t>deine</a:t>
+            </a:r>
+            <a:r>
+              <a:rPr lang="en-US" dirty="0"/>
+              <a:t> App </a:t>
+            </a:r>
+            <a:r>
+              <a:rPr lang="en-US" dirty="0" err="1"/>
+              <a:t>gestartet</a:t>
+            </a:r>
+            <a:r>
+              <a:rPr lang="en-US" dirty="0"/>
+              <a:t> hat um </a:t>
+            </a:r>
+            <a:r>
+              <a:rPr lang="en-US" dirty="0" err="1"/>
+              <a:t>Daten</a:t>
+            </a:r>
+            <a:r>
+              <a:rPr lang="en-US" dirty="0"/>
+              <a:t> </a:t>
+            </a:r>
+            <a:r>
+              <a:rPr lang="en-US" dirty="0" err="1"/>
+              <a:t>abzurufen</a:t>
+            </a:r>
+            <a:r>
+              <a:rPr lang="en-US" dirty="0"/>
+              <a:t>. </a:t>
+            </a:r>
+            <a:br>
+              <a:rPr lang="en-US" dirty="0"/>
+            </a:br>
+            <a:r>
+              <a:rPr lang="en-US" dirty="0" err="1"/>
+              <a:t>Verifiziere</a:t>
+            </a:r>
+            <a:r>
+              <a:rPr lang="en-US" dirty="0"/>
+              <a:t>, </a:t>
+            </a:r>
+            <a:r>
+              <a:rPr lang="en-US" dirty="0" err="1"/>
+              <a:t>dass</a:t>
+            </a:r>
+            <a:r>
+              <a:rPr lang="en-US" dirty="0"/>
+              <a:t> du </a:t>
+            </a:r>
+            <a:r>
+              <a:rPr lang="en-US" dirty="0" err="1"/>
+              <a:t>Daten</a:t>
+            </a:r>
+            <a:r>
+              <a:rPr lang="en-US" dirty="0"/>
+              <a:t> </a:t>
+            </a:r>
+            <a:r>
+              <a:rPr lang="en-US" dirty="0" err="1"/>
+              <a:t>erhältst</a:t>
+            </a:r>
+            <a:r>
+              <a:rPr lang="en-US" dirty="0"/>
+              <a:t> </a:t>
+            </a:r>
+            <a:r>
+              <a:rPr lang="en-US" dirty="0" err="1"/>
+              <a:t>indem</a:t>
+            </a:r>
+            <a:r>
+              <a:rPr lang="en-US" dirty="0"/>
+              <a:t> du </a:t>
+            </a:r>
+            <a:r>
+              <a:rPr lang="en-US" dirty="0" err="1"/>
+              <a:t>einen</a:t>
+            </a:r>
+            <a:r>
+              <a:rPr lang="en-US" dirty="0"/>
+              <a:t> Breakpoint </a:t>
+            </a:r>
+            <a:r>
+              <a:rPr lang="en-US" dirty="0" err="1"/>
+              <a:t>setzt</a:t>
+            </a:r>
+            <a:endParaRPr lang="en-US" dirty="0"/>
+          </a:p>
+          <a:p>
+            <a:pPr lvl="0">
+              <a:buSzPct val="80000"/>
+              <a:buFont typeface="Wingdings" panose="05000000000000000000" pitchFamily="2" charset="2"/>
+              <a:buChar char="Ø"/>
+            </a:pPr>
+            <a:endParaRPr lang="en-US" dirty="0"/>
+          </a:p>
+        </p:txBody>
+      </p:sp>
+      <p:sp>
+        <p:nvSpPr>
+          <p:cNvPr id="3" name="Textfeld 2">
             <a:extLst>
               <a:ext uri="{FF2B5EF4-FFF2-40B4-BE49-F238E27FC236}">
-                <a16:creationId xmlns:a16="http://schemas.microsoft.com/office/drawing/2014/main" id="{9C473849-DB0C-795F-6B2C-1F4EA62C13BA}"/>
+                <a16:creationId xmlns:a16="http://schemas.microsoft.com/office/drawing/2014/main" id="{D4E63E0D-E28A-1763-8265-B24A040605F4}"/>
               </a:ext>
             </a:extLst>
           </p:cNvPr>
@@ -15782,8 +16885,8 @@
         </p:nvSpPr>
         <p:spPr>
           <a:xfrm>
-            <a:off x="2468880" y="5202532"/>
-            <a:ext cx="6563360" cy="646331"/>
+            <a:off x="11035914" y="5944368"/>
+            <a:ext cx="1099896" cy="584775"/>
           </a:xfrm>
           <a:prstGeom prst="rect">
             <a:avLst/>
@@ -15791,50 +16894,113 @@
           <a:noFill/>
         </p:spPr>
         <p:txBody>
-          <a:bodyPr wrap="square" rtlCol="0">
+          <a:bodyPr rot="0" spcFirstLastPara="0" vertOverflow="overflow" horzOverflow="overflow" vert="horz" wrap="square" lIns="91440" tIns="45720" rIns="91440" bIns="45720" numCol="1" spcCol="0" rtlCol="0" fromWordArt="0" anchor="t" anchorCtr="0" forceAA="0" compatLnSpc="1">
+            <a:prstTxWarp prst="textNoShape">
+              <a:avLst/>
+            </a:prstTxWarp>
             <a:spAutoFit/>
           </a:bodyPr>
           <a:lstStyle/>
           <a:p>
-            <a:r>
-              <a:rPr lang="de-DE" sz="3600" dirty="0">
-                <a:hlinkClick r:id="rId5"/>
+            <a:pPr algn="l"/>
+            <a:r>
+              <a:rPr lang="de-DE" sz="3200" dirty="0" err="1">
+                <a:solidFill>
+                  <a:schemeClr val="bg1"/>
+                </a:solidFill>
+                <a:latin typeface="Edwardian Script ITC"/>
               </a:rPr>
-              <a:t>https://disneyapi.dev/</a:t>
-            </a:r>
-            <a:endParaRPr lang="de-DE" sz="3600" dirty="0"/>
-          </a:p>
-        </p:txBody>
-      </p:sp>
-      <p:sp>
-        <p:nvSpPr>
-          <p:cNvPr id="4" name="Inhaltsplatzhalter 3">
+              <a:t>Cayas</a:t>
+            </a:r>
+            <a:endParaRPr lang="de-DE" sz="3200" dirty="0">
+              <a:solidFill>
+                <a:schemeClr val="bg1"/>
+              </a:solidFill>
+              <a:latin typeface="Edwardian Script ITC"/>
+            </a:endParaRPr>
+          </a:p>
+        </p:txBody>
+      </p:sp>
+      <p:sp>
+        <p:nvSpPr>
+          <p:cNvPr id="6" name="Textfeld 5">
             <a:extLst>
               <a:ext uri="{FF2B5EF4-FFF2-40B4-BE49-F238E27FC236}">
-                <a16:creationId xmlns:a16="http://schemas.microsoft.com/office/drawing/2014/main" id="{F25244C4-39BD-1463-7EF1-7AB1BDDF3308}"/>
+                <a16:creationId xmlns:a16="http://schemas.microsoft.com/office/drawing/2014/main" id="{F19124CD-9AE7-9F05-7A12-400FA4383A67}"/>
               </a:ext>
             </a:extLst>
           </p:cNvPr>
-          <p:cNvSpPr>
-            <a:spLocks noGrp="1"/>
-          </p:cNvSpPr>
-          <p:nvPr>
-            <p:ph idx="1"/>
-          </p:nvPr>
-        </p:nvSpPr>
-        <p:spPr/>
-        <p:txBody>
-          <a:bodyPr/>
+          <p:cNvSpPr txBox="1"/>
+          <p:nvPr/>
+        </p:nvSpPr>
+        <p:spPr>
+          <a:xfrm>
+            <a:off x="1246099" y="4259095"/>
+            <a:ext cx="6099716" cy="369332"/>
+          </a:xfrm>
+          <a:prstGeom prst="rect">
+            <a:avLst/>
+          </a:prstGeom>
+          <a:noFill/>
+        </p:spPr>
+        <p:txBody>
+          <a:bodyPr wrap="square">
+            <a:spAutoFit/>
+          </a:bodyPr>
           <a:lstStyle/>
           <a:p>
-            <a:endParaRPr lang="de-DE" dirty="0"/>
+            <a:r>
+              <a:rPr lang="de-DE" sz="1800" dirty="0">
+                <a:hlinkClick r:id="rId3"/>
+              </a:rPr>
+              <a:t>https://disneyapi.dev/</a:t>
+            </a:r>
+            <a:endParaRPr lang="de-DE" sz="1800" dirty="0"/>
+          </a:p>
+        </p:txBody>
+      </p:sp>
+      <p:sp>
+        <p:nvSpPr>
+          <p:cNvPr id="7" name="Textfeld 6">
+            <a:extLst>
+              <a:ext uri="{FF2B5EF4-FFF2-40B4-BE49-F238E27FC236}">
+                <a16:creationId xmlns:a16="http://schemas.microsoft.com/office/drawing/2014/main" id="{0C89B6CC-3E29-68C3-9595-25F71678647D}"/>
+              </a:ext>
+            </a:extLst>
+          </p:cNvPr>
+          <p:cNvSpPr txBox="1"/>
+          <p:nvPr/>
+        </p:nvSpPr>
+        <p:spPr>
+          <a:xfrm>
+            <a:off x="1246099" y="4760230"/>
+            <a:ext cx="6099716" cy="369332"/>
+          </a:xfrm>
+          <a:prstGeom prst="rect">
+            <a:avLst/>
+          </a:prstGeom>
+          <a:noFill/>
+        </p:spPr>
+        <p:txBody>
+          <a:bodyPr wrap="square">
+            <a:spAutoFit/>
+          </a:bodyPr>
+          <a:lstStyle/>
+          <a:p>
+            <a:r>
+              <a:rPr lang="de-DE" sz="1800" dirty="0">
+                <a:hlinkClick r:id="rId4"/>
+              </a:rPr>
+              <a:t>https://json2csharp.com/</a:t>
+            </a:r>
+            <a:endParaRPr lang="de-DE" sz="1800" dirty="0"/>
           </a:p>
         </p:txBody>
       </p:sp>
     </p:spTree>
     <p:extLst>
       <p:ext uri="{BB962C8B-B14F-4D97-AF65-F5344CB8AC3E}">
-        <p14:creationId xmlns:p14="http://schemas.microsoft.com/office/powerpoint/2010/main" val="367021386"/>
+        <p14:creationId xmlns:p14="http://schemas.microsoft.com/office/powerpoint/2010/main" val="4175320908"/>
       </p:ext>
     </p:extLst>
   </p:cSld>
@@ -15844,7 +17010,7 @@
 </p:sld>
 </file>
 
-<file path=ppt/slides/slide5.xml><?xml version="1.0" encoding="utf-8"?>
+<file path=ppt/slides/slide13.xml><?xml version="1.0" encoding="utf-8"?>
 <p:sld xmlns:a="http://schemas.openxmlformats.org/drawingml/2006/main" xmlns:r="http://schemas.openxmlformats.org/officeDocument/2006/relationships" xmlns:p="http://schemas.openxmlformats.org/presentationml/2006/main">
   <p:cSld>
     <p:spTree>
@@ -15861,179 +17027,267 @@
           <a:chExt cx="0" cy="0"/>
         </a:xfrm>
       </p:grpSpPr>
-      <p:pic>
-        <p:nvPicPr>
-          <p:cNvPr id="45" name="Grafik 44">
+      <p:sp>
+        <p:nvSpPr>
+          <p:cNvPr id="2" name="Titel 1">
             <a:extLst>
               <a:ext uri="{FF2B5EF4-FFF2-40B4-BE49-F238E27FC236}">
-                <a16:creationId xmlns:a16="http://schemas.microsoft.com/office/drawing/2014/main" id="{280311E9-19FB-F9B6-CD90-D954D6CFB8B7}"/>
+                <a16:creationId xmlns:a16="http://schemas.microsoft.com/office/drawing/2014/main" id="{35CCAE9F-8546-4986-A181-C44D2416B403}"/>
               </a:ext>
             </a:extLst>
           </p:cNvPr>
-          <p:cNvPicPr>
-            <a:picLocks noChangeAspect="1"/>
-          </p:cNvPicPr>
-          <p:nvPr/>
-        </p:nvPicPr>
-        <p:blipFill rotWithShape="1">
-          <a:blip r:embed="rId3">
+          <p:cNvSpPr>
+            <a:spLocks noGrp="1"/>
+          </p:cNvSpPr>
+          <p:nvPr>
+            <p:ph type="title"/>
+          </p:nvPr>
+        </p:nvSpPr>
+        <p:spPr>
+          <a:xfrm>
+            <a:off x="591015" y="1179152"/>
+            <a:ext cx="4103647" cy="3950410"/>
+          </a:xfrm>
+          <a:ln>
+            <a:noFill/>
+          </a:ln>
+        </p:spPr>
+        <p:txBody>
+          <a:bodyPr anchor="ctr">
+            <a:normAutofit/>
+          </a:bodyPr>
+          <a:lstStyle/>
+          <a:p>
+            <a:r>
+              <a:rPr lang="de-DE" b="1" dirty="0"/>
+              <a:t>Aufgabe!</a:t>
+            </a:r>
+            <a:br>
+              <a:rPr lang="de-DE" b="1" dirty="0"/>
+            </a:br>
+            <a:r>
+              <a:rPr lang="de-DE" sz="2000" b="1" dirty="0">
+                <a:solidFill>
+                  <a:schemeClr val="accent2">
+                    <a:lumMod val="40000"/>
+                    <a:lumOff val="60000"/>
+                  </a:schemeClr>
+                </a:solidFill>
+              </a:rPr>
+              <a:t>Implementierung unserer .NET MAUI App</a:t>
+            </a:r>
+            <a:endParaRPr lang="de-DE" b="1" dirty="0">
+              <a:solidFill>
+                <a:schemeClr val="accent2">
+                  <a:lumMod val="40000"/>
+                  <a:lumOff val="60000"/>
+                </a:schemeClr>
+              </a:solidFill>
+            </a:endParaRPr>
+          </a:p>
+        </p:txBody>
+      </p:sp>
+      <p:sp>
+        <p:nvSpPr>
+          <p:cNvPr id="4" name="Inhaltsplatzhalter 3">
             <a:extLst>
-              <a:ext uri="{28A0092B-C50C-407E-A947-70E740481C1C}">
-                <a14:useLocalDpi xmlns:a14="http://schemas.microsoft.com/office/drawing/2010/main" val="0"/>
+              <a:ext uri="{FF2B5EF4-FFF2-40B4-BE49-F238E27FC236}">
+                <a16:creationId xmlns:a16="http://schemas.microsoft.com/office/drawing/2014/main" id="{DA58E82B-8941-40DB-9C79-2AAFACA62195}"/>
               </a:ext>
             </a:extLst>
-          </a:blip>
-          <a:srcRect l="75751"/>
-          <a:stretch/>
-        </p:blipFill>
+          </p:cNvPr>
+          <p:cNvSpPr>
+            <a:spLocks noGrp="1"/>
+          </p:cNvSpPr>
+          <p:nvPr>
+            <p:ph idx="1"/>
+          </p:nvPr>
+        </p:nvSpPr>
         <p:spPr>
           <a:xfrm>
-            <a:off x="7196328" y="2235828"/>
-            <a:ext cx="2094991" cy="3384000"/>
+            <a:off x="4978918" y="1109145"/>
+            <a:ext cx="4733794" cy="4603900"/>
+          </a:xfrm>
+        </p:spPr>
+        <p:txBody>
+          <a:bodyPr anchor="ctr">
+            <a:normAutofit/>
+          </a:bodyPr>
+          <a:lstStyle/>
+          <a:p>
+            <a:pPr lvl="0">
+              <a:buSzPct val="80000"/>
+              <a:buFont typeface="Wingdings" panose="05000000000000000000" pitchFamily="2" charset="2"/>
+              <a:buChar char="Ø"/>
+            </a:pPr>
+            <a:r>
+              <a:rPr lang="en-US" dirty="0" err="1"/>
+              <a:t>Schaue</a:t>
+            </a:r>
+            <a:r>
+              <a:rPr lang="en-US" dirty="0"/>
+              <a:t> </a:t>
+            </a:r>
+            <a:r>
+              <a:rPr lang="en-US" dirty="0" err="1"/>
+              <a:t>dir</a:t>
+            </a:r>
+            <a:r>
+              <a:rPr lang="en-US" dirty="0"/>
+              <a:t> die Disney App an. </a:t>
+            </a:r>
+            <a:br>
+              <a:rPr lang="en-US" dirty="0"/>
+            </a:br>
+            <a:r>
+              <a:rPr lang="en-US" dirty="0" err="1"/>
+              <a:t>Kannst</a:t>
+            </a:r>
+            <a:r>
+              <a:rPr lang="en-US" dirty="0"/>
+              <a:t> du die </a:t>
+            </a:r>
+            <a:r>
+              <a:rPr lang="en-US" dirty="0" err="1"/>
+              <a:t>verwendeten</a:t>
+            </a:r>
+            <a:r>
+              <a:rPr lang="en-US" dirty="0"/>
+              <a:t> </a:t>
+            </a:r>
+            <a:r>
+              <a:rPr lang="en-US" dirty="0" err="1"/>
+              <a:t>Steuerelemente</a:t>
+            </a:r>
+            <a:r>
+              <a:rPr lang="en-US" dirty="0"/>
+              <a:t> </a:t>
+            </a:r>
+            <a:r>
+              <a:rPr lang="en-US" dirty="0" err="1"/>
+              <a:t>identifizieren</a:t>
+            </a:r>
+            <a:r>
+              <a:rPr lang="en-US" dirty="0"/>
+              <a:t>?</a:t>
+            </a:r>
+          </a:p>
+          <a:p>
+            <a:pPr lvl="0">
+              <a:buSzPct val="80000"/>
+              <a:buFont typeface="Wingdings" panose="05000000000000000000" pitchFamily="2" charset="2"/>
+              <a:buChar char="Ø"/>
+            </a:pPr>
+            <a:r>
+              <a:rPr lang="en-US" dirty="0" err="1"/>
+              <a:t>Rufe</a:t>
+            </a:r>
+            <a:r>
+              <a:rPr lang="en-US" dirty="0"/>
+              <a:t> die </a:t>
+            </a:r>
+            <a:r>
+              <a:rPr lang="en-US" dirty="0" err="1"/>
+              <a:t>ersten</a:t>
+            </a:r>
+            <a:r>
+              <a:rPr lang="en-US" dirty="0"/>
+              <a:t> </a:t>
+            </a:r>
+            <a:r>
+              <a:rPr lang="en-US" dirty="0" err="1"/>
+              <a:t>Charaktere</a:t>
+            </a:r>
+            <a:r>
+              <a:rPr lang="en-US" dirty="0"/>
+              <a:t> </a:t>
+            </a:r>
+            <a:r>
+              <a:rPr lang="en-US" dirty="0" err="1"/>
+              <a:t>aus</a:t>
+            </a:r>
+            <a:r>
+              <a:rPr lang="en-US" dirty="0"/>
+              <a:t> der API ab und </a:t>
+            </a:r>
+            <a:r>
+              <a:rPr lang="en-US" dirty="0" err="1"/>
+              <a:t>stelle</a:t>
+            </a:r>
+            <a:r>
+              <a:rPr lang="en-US" dirty="0"/>
+              <a:t> </a:t>
+            </a:r>
+            <a:r>
+              <a:rPr lang="en-US" dirty="0" err="1"/>
+              <a:t>sie</a:t>
+            </a:r>
+            <a:r>
+              <a:rPr lang="en-US" dirty="0"/>
+              <a:t> </a:t>
+            </a:r>
+            <a:r>
+              <a:rPr lang="en-US" dirty="0" err="1"/>
+              <a:t>dar</a:t>
+            </a:r>
+            <a:endParaRPr lang="en-US" dirty="0"/>
+          </a:p>
+        </p:txBody>
+      </p:sp>
+      <p:sp>
+        <p:nvSpPr>
+          <p:cNvPr id="3" name="Textfeld 2">
+            <a:extLst>
+              <a:ext uri="{FF2B5EF4-FFF2-40B4-BE49-F238E27FC236}">
+                <a16:creationId xmlns:a16="http://schemas.microsoft.com/office/drawing/2014/main" id="{D4E63E0D-E28A-1763-8265-B24A040605F4}"/>
+              </a:ext>
+            </a:extLst>
+          </p:cNvPr>
+          <p:cNvSpPr txBox="1"/>
+          <p:nvPr/>
+        </p:nvSpPr>
+        <p:spPr>
+          <a:xfrm>
+            <a:off x="11035914" y="5944368"/>
+            <a:ext cx="1099896" cy="584775"/>
           </a:xfrm>
           <a:prstGeom prst="rect">
             <a:avLst/>
           </a:prstGeom>
+          <a:noFill/>
         </p:spPr>
-      </p:pic>
-      <p:sp>
-        <p:nvSpPr>
-          <p:cNvPr id="2" name="Titel 1">
-            <a:extLst>
-              <a:ext uri="{FF2B5EF4-FFF2-40B4-BE49-F238E27FC236}">
-                <a16:creationId xmlns:a16="http://schemas.microsoft.com/office/drawing/2014/main" id="{ED667979-4022-46A5-8033-B73B1100D5FE}"/>
-              </a:ext>
-            </a:extLst>
-          </p:cNvPr>
-          <p:cNvSpPr>
-            <a:spLocks noGrp="1"/>
-          </p:cNvSpPr>
-          <p:nvPr>
-            <p:ph type="title"/>
-          </p:nvPr>
-        </p:nvSpPr>
-        <p:spPr/>
-        <p:txBody>
-          <a:bodyPr/>
+        <p:txBody>
+          <a:bodyPr rot="0" spcFirstLastPara="0" vertOverflow="overflow" horzOverflow="overflow" vert="horz" wrap="square" lIns="91440" tIns="45720" rIns="91440" bIns="45720" numCol="1" spcCol="0" rtlCol="0" fromWordArt="0" anchor="t" anchorCtr="0" forceAA="0" compatLnSpc="1">
+            <a:prstTxWarp prst="textNoShape">
+              <a:avLst/>
+            </a:prstTxWarp>
+            <a:spAutoFit/>
+          </a:bodyPr>
           <a:lstStyle/>
           <a:p>
-            <a:pPr algn="ctr"/>
-            <a:r>
-              <a:rPr lang="de-DE" dirty="0"/>
-              <a:t>Pages</a:t>
-            </a:r>
-          </a:p>
-        </p:txBody>
-      </p:sp>
-      <p:pic>
-        <p:nvPicPr>
-          <p:cNvPr id="43" name="Grafik 42">
-            <a:extLst>
-              <a:ext uri="{FF2B5EF4-FFF2-40B4-BE49-F238E27FC236}">
-                <a16:creationId xmlns:a16="http://schemas.microsoft.com/office/drawing/2014/main" id="{1A4514BF-A95A-E2C6-47D1-BEA7FCB0E1C1}"/>
-              </a:ext>
-            </a:extLst>
-          </p:cNvPr>
-          <p:cNvPicPr>
-            <a:picLocks noChangeAspect="1"/>
-          </p:cNvPicPr>
-          <p:nvPr/>
-        </p:nvPicPr>
-        <p:blipFill rotWithShape="1">
-          <a:blip r:embed="rId4">
-            <a:extLst>
-              <a:ext uri="{28A0092B-C50C-407E-A947-70E740481C1C}">
-                <a14:useLocalDpi xmlns:a14="http://schemas.microsoft.com/office/drawing/2010/main" val="0"/>
-              </a:ext>
-            </a:extLst>
-          </a:blip>
-          <a:srcRect l="51215" r="23470"/>
-          <a:stretch/>
-        </p:blipFill>
-        <p:spPr>
-          <a:xfrm>
-            <a:off x="5201635" y="2235828"/>
-            <a:ext cx="2187108" cy="3384000"/>
-          </a:xfrm>
-          <a:prstGeom prst="rect">
-            <a:avLst/>
-          </a:prstGeom>
-        </p:spPr>
-      </p:pic>
-      <p:pic>
-        <p:nvPicPr>
-          <p:cNvPr id="13" name="Grafik 12">
-            <a:extLst>
-              <a:ext uri="{FF2B5EF4-FFF2-40B4-BE49-F238E27FC236}">
-                <a16:creationId xmlns:a16="http://schemas.microsoft.com/office/drawing/2014/main" id="{98ABA60E-4FD5-0B4A-082D-BBF4764F1413}"/>
-              </a:ext>
-            </a:extLst>
-          </p:cNvPr>
-          <p:cNvPicPr>
-            <a:picLocks noChangeAspect="1"/>
-          </p:cNvPicPr>
-          <p:nvPr/>
-        </p:nvPicPr>
-        <p:blipFill rotWithShape="1">
-          <a:blip r:embed="rId5">
-            <a:extLst>
-              <a:ext uri="{28A0092B-C50C-407E-A947-70E740481C1C}">
-                <a14:useLocalDpi xmlns:a14="http://schemas.microsoft.com/office/drawing/2010/main" val="0"/>
-              </a:ext>
-            </a:extLst>
-          </a:blip>
-          <a:srcRect l="24057" r="51366"/>
-          <a:stretch/>
-        </p:blipFill>
-        <p:spPr>
-          <a:xfrm>
-            <a:off x="3126326" y="2235828"/>
-            <a:ext cx="2123413" cy="3384000"/>
-          </a:xfrm>
-          <a:prstGeom prst="rect">
-            <a:avLst/>
-          </a:prstGeom>
-        </p:spPr>
-      </p:pic>
-      <p:pic>
-        <p:nvPicPr>
-          <p:cNvPr id="11" name="Grafik 10">
-            <a:extLst>
-              <a:ext uri="{FF2B5EF4-FFF2-40B4-BE49-F238E27FC236}">
-                <a16:creationId xmlns:a16="http://schemas.microsoft.com/office/drawing/2014/main" id="{2F6B8F74-F3E9-07AF-8E5D-EDA5A78B67C6}"/>
-              </a:ext>
-            </a:extLst>
-          </p:cNvPr>
-          <p:cNvPicPr>
-            <a:picLocks noChangeAspect="1"/>
-          </p:cNvPicPr>
-          <p:nvPr/>
-        </p:nvPicPr>
-        <p:blipFill rotWithShape="1">
-          <a:blip r:embed="rId6">
-            <a:extLst>
-              <a:ext uri="{28A0092B-C50C-407E-A947-70E740481C1C}">
-                <a14:useLocalDpi xmlns:a14="http://schemas.microsoft.com/office/drawing/2010/main" val="0"/>
-              </a:ext>
-            </a:extLst>
-          </a:blip>
-          <a:srcRect r="75943"/>
-          <a:stretch/>
-        </p:blipFill>
-        <p:spPr>
-          <a:xfrm>
-            <a:off x="1096011" y="2235828"/>
-            <a:ext cx="2078419" cy="3384000"/>
-          </a:xfrm>
-          <a:prstGeom prst="rect">
-            <a:avLst/>
-          </a:prstGeom>
-        </p:spPr>
-      </p:pic>
+            <a:pPr algn="l"/>
+            <a:r>
+              <a:rPr lang="de-DE" sz="3200" dirty="0" err="1">
+                <a:solidFill>
+                  <a:schemeClr val="bg1"/>
+                </a:solidFill>
+                <a:latin typeface="Edwardian Script ITC"/>
+              </a:rPr>
+              <a:t>Cayas</a:t>
+            </a:r>
+            <a:endParaRPr lang="de-DE" sz="3200" dirty="0">
+              <a:solidFill>
+                <a:schemeClr val="bg1"/>
+              </a:solidFill>
+              <a:latin typeface="Edwardian Script ITC"/>
+            </a:endParaRPr>
+          </a:p>
+        </p:txBody>
+      </p:sp>
     </p:spTree>
     <p:extLst>
       <p:ext uri="{BB962C8B-B14F-4D97-AF65-F5344CB8AC3E}">
-        <p14:creationId xmlns:p14="http://schemas.microsoft.com/office/powerpoint/2010/main" val="2556061843"/>
+        <p14:creationId xmlns:p14="http://schemas.microsoft.com/office/powerpoint/2010/main" val="2033043274"/>
       </p:ext>
     </p:extLst>
   </p:cSld>
@@ -16043,7 +17297,7 @@
 </p:sld>
 </file>
 
-<file path=ppt/slides/slide6.xml><?xml version="1.0" encoding="utf-8"?>
+<file path=ppt/slides/slide14.xml><?xml version="1.0" encoding="utf-8"?>
 <p:sld xmlns:a="http://schemas.openxmlformats.org/drawingml/2006/main" xmlns:r="http://schemas.openxmlformats.org/officeDocument/2006/relationships" xmlns:p="http://schemas.openxmlformats.org/presentationml/2006/main">
   <p:cSld>
     <p:spTree>
@@ -16065,7 +17319,7 @@
           <p:cNvPr id="2" name="Titel 1">
             <a:extLst>
               <a:ext uri="{FF2B5EF4-FFF2-40B4-BE49-F238E27FC236}">
-                <a16:creationId xmlns:a16="http://schemas.microsoft.com/office/drawing/2014/main" id="{ED667979-4022-46A5-8033-B73B1100D5FE}"/>
+                <a16:creationId xmlns:a16="http://schemas.microsoft.com/office/drawing/2014/main" id="{3AB3E8D3-B9ED-70C8-DAE1-FE2316926361}"/>
               </a:ext>
             </a:extLst>
           </p:cNvPr>
@@ -16081,53 +17335,1003 @@
           <a:bodyPr/>
           <a:lstStyle/>
           <a:p>
-            <a:pPr algn="ctr"/>
-            <a:r>
-              <a:rPr lang="de-DE" dirty="0"/>
-              <a:t>Layouts</a:t>
-            </a:r>
-          </a:p>
-        </p:txBody>
-      </p:sp>
-      <p:pic>
-        <p:nvPicPr>
-          <p:cNvPr id="4" name="Grafik 3">
+            <a:r>
+              <a:rPr lang="de-DE" dirty="0" err="1"/>
+              <a:t>Bindings</a:t>
+            </a:r>
+            <a:endParaRPr lang="de-DE" dirty="0"/>
+          </a:p>
+        </p:txBody>
+      </p:sp>
+      <p:sp>
+        <p:nvSpPr>
+          <p:cNvPr id="6" name="Inhaltsplatzhalter 3">
             <a:extLst>
               <a:ext uri="{FF2B5EF4-FFF2-40B4-BE49-F238E27FC236}">
-                <a16:creationId xmlns:a16="http://schemas.microsoft.com/office/drawing/2014/main" id="{4EDB9782-1185-3974-1B74-8DC60E5B05F5}"/>
+                <a16:creationId xmlns:a16="http://schemas.microsoft.com/office/drawing/2014/main" id="{1D9053AF-58F9-31B9-CEC2-F4314E2BB8E8}"/>
               </a:ext>
             </a:extLst>
           </p:cNvPr>
-          <p:cNvPicPr>
-            <a:picLocks noChangeAspect="1"/>
-          </p:cNvPicPr>
+          <p:cNvSpPr txBox="1">
+            <a:spLocks/>
+          </p:cNvSpPr>
           <p:nvPr/>
-        </p:nvPicPr>
-        <p:blipFill rotWithShape="1">
-          <a:blip r:embed="rId3">
-            <a:extLst>
-              <a:ext uri="{28A0092B-C50C-407E-A947-70E740481C1C}">
-                <a14:useLocalDpi xmlns:a14="http://schemas.microsoft.com/office/drawing/2010/main" val="0"/>
-              </a:ext>
-            </a:extLst>
-          </a:blip>
-          <a:srcRect r="2785"/>
-          <a:stretch/>
-        </p:blipFill>
+        </p:nvSpPr>
         <p:spPr>
           <a:xfrm>
-            <a:off x="815594" y="2285640"/>
-            <a:ext cx="8338624" cy="3384000"/>
+            <a:off x="1113110" y="4027804"/>
+            <a:ext cx="8160892" cy="2546615"/>
           </a:xfrm>
           <a:prstGeom prst="rect">
             <a:avLst/>
           </a:prstGeom>
         </p:spPr>
-      </p:pic>
+        <p:txBody>
+          <a:bodyPr anchor="ctr">
+            <a:normAutofit fontScale="85000" lnSpcReduction="10000"/>
+          </a:bodyPr>
+          <a:lstStyle>
+            <a:lvl1pPr marL="342900" indent="-342900" algn="l" defTabSz="457200" rtl="0" eaLnBrk="1" latinLnBrk="0" hangingPunct="1">
+              <a:spcBef>
+                <a:spcPts val="1000"/>
+              </a:spcBef>
+              <a:spcAft>
+                <a:spcPts val="0"/>
+              </a:spcAft>
+              <a:buClr>
+                <a:schemeClr val="accent1"/>
+              </a:buClr>
+              <a:buSzPct val="80000"/>
+              <a:buFont typeface="Wingdings 3" charset="2"/>
+              <a:buChar char=""/>
+              <a:defRPr sz="1800" kern="1200">
+                <a:solidFill>
+                  <a:schemeClr val="tx1">
+                    <a:lumMod val="75000"/>
+                    <a:lumOff val="25000"/>
+                  </a:schemeClr>
+                </a:solidFill>
+                <a:latin typeface="Gill Sans MT" panose="020B0502020104020203" pitchFamily="34" charset="0"/>
+                <a:ea typeface="+mn-ea"/>
+                <a:cs typeface="+mn-cs"/>
+              </a:defRPr>
+            </a:lvl1pPr>
+            <a:lvl2pPr marL="742950" indent="-285750" algn="l" defTabSz="457200" rtl="0" eaLnBrk="1" latinLnBrk="0" hangingPunct="1">
+              <a:spcBef>
+                <a:spcPts val="1000"/>
+              </a:spcBef>
+              <a:spcAft>
+                <a:spcPts val="0"/>
+              </a:spcAft>
+              <a:buClr>
+                <a:schemeClr val="accent1"/>
+              </a:buClr>
+              <a:buSzPct val="80000"/>
+              <a:buFont typeface="Wingdings 3" charset="2"/>
+              <a:buChar char=""/>
+              <a:defRPr sz="1600" kern="1200">
+                <a:solidFill>
+                  <a:schemeClr val="tx1">
+                    <a:lumMod val="75000"/>
+                    <a:lumOff val="25000"/>
+                  </a:schemeClr>
+                </a:solidFill>
+                <a:latin typeface="Gill Sans MT" panose="020B0502020104020203" pitchFamily="34" charset="0"/>
+                <a:ea typeface="+mn-ea"/>
+                <a:cs typeface="+mn-cs"/>
+              </a:defRPr>
+            </a:lvl2pPr>
+            <a:lvl3pPr marL="1143000" indent="-228600" algn="l" defTabSz="457200" rtl="0" eaLnBrk="1" latinLnBrk="0" hangingPunct="1">
+              <a:spcBef>
+                <a:spcPts val="1000"/>
+              </a:spcBef>
+              <a:spcAft>
+                <a:spcPts val="0"/>
+              </a:spcAft>
+              <a:buClr>
+                <a:schemeClr val="accent1"/>
+              </a:buClr>
+              <a:buSzPct val="80000"/>
+              <a:buFont typeface="Wingdings 3" charset="2"/>
+              <a:buChar char=""/>
+              <a:defRPr sz="1400" kern="1200">
+                <a:solidFill>
+                  <a:schemeClr val="tx1">
+                    <a:lumMod val="75000"/>
+                    <a:lumOff val="25000"/>
+                  </a:schemeClr>
+                </a:solidFill>
+                <a:latin typeface="Gill Sans MT" panose="020B0502020104020203" pitchFamily="34" charset="0"/>
+                <a:ea typeface="+mn-ea"/>
+                <a:cs typeface="+mn-cs"/>
+              </a:defRPr>
+            </a:lvl3pPr>
+            <a:lvl4pPr marL="1600200" indent="-228600" algn="l" defTabSz="457200" rtl="0" eaLnBrk="1" latinLnBrk="0" hangingPunct="1">
+              <a:spcBef>
+                <a:spcPts val="1000"/>
+              </a:spcBef>
+              <a:spcAft>
+                <a:spcPts val="0"/>
+              </a:spcAft>
+              <a:buClr>
+                <a:schemeClr val="accent1"/>
+              </a:buClr>
+              <a:buSzPct val="80000"/>
+              <a:buFont typeface="Wingdings 3" charset="2"/>
+              <a:buChar char=""/>
+              <a:defRPr sz="1200" kern="1200">
+                <a:solidFill>
+                  <a:schemeClr val="tx1">
+                    <a:lumMod val="75000"/>
+                    <a:lumOff val="25000"/>
+                  </a:schemeClr>
+                </a:solidFill>
+                <a:latin typeface="Gill Sans MT" panose="020B0502020104020203" pitchFamily="34" charset="0"/>
+                <a:ea typeface="+mn-ea"/>
+                <a:cs typeface="+mn-cs"/>
+              </a:defRPr>
+            </a:lvl4pPr>
+            <a:lvl5pPr marL="2057400" indent="-228600" algn="l" defTabSz="457200" rtl="0" eaLnBrk="1" latinLnBrk="0" hangingPunct="1">
+              <a:spcBef>
+                <a:spcPts val="1000"/>
+              </a:spcBef>
+              <a:spcAft>
+                <a:spcPts val="0"/>
+              </a:spcAft>
+              <a:buClr>
+                <a:schemeClr val="accent1"/>
+              </a:buClr>
+              <a:buSzPct val="80000"/>
+              <a:buFont typeface="Wingdings 3" charset="2"/>
+              <a:buChar char=""/>
+              <a:defRPr sz="1200" kern="1200">
+                <a:solidFill>
+                  <a:schemeClr val="tx1">
+                    <a:lumMod val="75000"/>
+                    <a:lumOff val="25000"/>
+                  </a:schemeClr>
+                </a:solidFill>
+                <a:latin typeface="Gill Sans MT" panose="020B0502020104020203" pitchFamily="34" charset="0"/>
+                <a:ea typeface="+mn-ea"/>
+                <a:cs typeface="+mn-cs"/>
+              </a:defRPr>
+            </a:lvl5pPr>
+            <a:lvl6pPr marL="2514600" indent="-228600" algn="l" defTabSz="457200" rtl="0" eaLnBrk="1" latinLnBrk="0" hangingPunct="1">
+              <a:spcBef>
+                <a:spcPts val="1000"/>
+              </a:spcBef>
+              <a:spcAft>
+                <a:spcPts val="0"/>
+              </a:spcAft>
+              <a:buClr>
+                <a:schemeClr val="accent1"/>
+              </a:buClr>
+              <a:buSzPct val="80000"/>
+              <a:buFont typeface="Wingdings 3" charset="2"/>
+              <a:buChar char=""/>
+              <a:defRPr sz="1200" kern="1200">
+                <a:solidFill>
+                  <a:schemeClr val="tx1">
+                    <a:lumMod val="75000"/>
+                    <a:lumOff val="25000"/>
+                  </a:schemeClr>
+                </a:solidFill>
+                <a:latin typeface="+mn-lt"/>
+                <a:ea typeface="+mn-ea"/>
+                <a:cs typeface="+mn-cs"/>
+              </a:defRPr>
+            </a:lvl6pPr>
+            <a:lvl7pPr marL="2971800" indent="-228600" algn="l" defTabSz="457200" rtl="0" eaLnBrk="1" latinLnBrk="0" hangingPunct="1">
+              <a:spcBef>
+                <a:spcPts val="1000"/>
+              </a:spcBef>
+              <a:spcAft>
+                <a:spcPts val="0"/>
+              </a:spcAft>
+              <a:buClr>
+                <a:schemeClr val="accent1"/>
+              </a:buClr>
+              <a:buSzPct val="80000"/>
+              <a:buFont typeface="Wingdings 3" charset="2"/>
+              <a:buChar char=""/>
+              <a:defRPr sz="1200" kern="1200">
+                <a:solidFill>
+                  <a:schemeClr val="tx1">
+                    <a:lumMod val="75000"/>
+                    <a:lumOff val="25000"/>
+                  </a:schemeClr>
+                </a:solidFill>
+                <a:latin typeface="+mn-lt"/>
+                <a:ea typeface="+mn-ea"/>
+                <a:cs typeface="+mn-cs"/>
+              </a:defRPr>
+            </a:lvl7pPr>
+            <a:lvl8pPr marL="3429000" indent="-228600" algn="l" defTabSz="457200" rtl="0" eaLnBrk="1" latinLnBrk="0" hangingPunct="1">
+              <a:spcBef>
+                <a:spcPts val="1000"/>
+              </a:spcBef>
+              <a:spcAft>
+                <a:spcPts val="0"/>
+              </a:spcAft>
+              <a:buClr>
+                <a:schemeClr val="accent1"/>
+              </a:buClr>
+              <a:buSzPct val="80000"/>
+              <a:buFont typeface="Wingdings 3" charset="2"/>
+              <a:buChar char=""/>
+              <a:defRPr sz="1200" kern="1200">
+                <a:solidFill>
+                  <a:schemeClr val="tx1">
+                    <a:lumMod val="75000"/>
+                    <a:lumOff val="25000"/>
+                  </a:schemeClr>
+                </a:solidFill>
+                <a:latin typeface="+mn-lt"/>
+                <a:ea typeface="+mn-ea"/>
+                <a:cs typeface="+mn-cs"/>
+              </a:defRPr>
+            </a:lvl8pPr>
+            <a:lvl9pPr marL="3886200" indent="-228600" algn="l" defTabSz="457200" rtl="0" eaLnBrk="1" latinLnBrk="0" hangingPunct="1">
+              <a:spcBef>
+                <a:spcPts val="1000"/>
+              </a:spcBef>
+              <a:spcAft>
+                <a:spcPts val="0"/>
+              </a:spcAft>
+              <a:buClr>
+                <a:schemeClr val="accent1"/>
+              </a:buClr>
+              <a:buSzPct val="80000"/>
+              <a:buFont typeface="Wingdings 3" charset="2"/>
+              <a:buChar char=""/>
+              <a:defRPr sz="1200" kern="1200">
+                <a:solidFill>
+                  <a:schemeClr val="tx1">
+                    <a:lumMod val="75000"/>
+                    <a:lumOff val="25000"/>
+                  </a:schemeClr>
+                </a:solidFill>
+                <a:latin typeface="+mn-lt"/>
+                <a:ea typeface="+mn-ea"/>
+                <a:cs typeface="+mn-cs"/>
+              </a:defRPr>
+            </a:lvl9pPr>
+          </a:lstStyle>
+          <a:p>
+            <a:pPr>
+              <a:lnSpc>
+                <a:spcPct val="150000"/>
+              </a:lnSpc>
+              <a:buFont typeface="Wingdings" panose="05000000000000000000" pitchFamily="2" charset="2"/>
+              <a:buChar char="Ø"/>
+            </a:pPr>
+            <a:r>
+              <a:rPr lang="de-DE" dirty="0">
+                <a:solidFill>
+                  <a:srgbClr val="000000"/>
+                </a:solidFill>
+                <a:latin typeface="Helvetica Neue" panose="02000503000000020004" pitchFamily="2" charset="0"/>
+              </a:rPr>
+              <a:t>Target ist immer eine </a:t>
+            </a:r>
+            <a:r>
+              <a:rPr lang="de-DE" dirty="0" err="1">
+                <a:solidFill>
+                  <a:srgbClr val="000000"/>
+                </a:solidFill>
+                <a:latin typeface="Helvetica Neue" panose="02000503000000020004" pitchFamily="2" charset="0"/>
+              </a:rPr>
+              <a:t>BindableProperty</a:t>
+            </a:r>
+            <a:endParaRPr lang="de-DE" dirty="0">
+              <a:solidFill>
+                <a:srgbClr val="000000"/>
+              </a:solidFill>
+              <a:latin typeface="Helvetica Neue" panose="02000503000000020004" pitchFamily="2" charset="0"/>
+            </a:endParaRPr>
+          </a:p>
+          <a:p>
+            <a:pPr>
+              <a:lnSpc>
+                <a:spcPct val="150000"/>
+              </a:lnSpc>
+              <a:buFont typeface="Wingdings" panose="05000000000000000000" pitchFamily="2" charset="2"/>
+              <a:buChar char="Ø"/>
+            </a:pPr>
+            <a:r>
+              <a:rPr lang="de-DE" dirty="0">
+                <a:solidFill>
+                  <a:srgbClr val="000000"/>
+                </a:solidFill>
+                <a:effectLst/>
+                <a:latin typeface="Helvetica Neue" panose="02000503000000020004" pitchFamily="2" charset="0"/>
+              </a:rPr>
+              <a:t>Standard Source für </a:t>
+            </a:r>
+            <a:r>
+              <a:rPr lang="de-DE" dirty="0" err="1">
+                <a:solidFill>
+                  <a:srgbClr val="000000"/>
+                </a:solidFill>
+                <a:effectLst/>
+                <a:latin typeface="Helvetica Neue" panose="02000503000000020004" pitchFamily="2" charset="0"/>
+              </a:rPr>
+              <a:t>Bindings</a:t>
+            </a:r>
+            <a:r>
+              <a:rPr lang="de-DE" dirty="0">
+                <a:solidFill>
+                  <a:srgbClr val="000000"/>
+                </a:solidFill>
+                <a:effectLst/>
+                <a:latin typeface="Helvetica Neue" panose="02000503000000020004" pitchFamily="2" charset="0"/>
+              </a:rPr>
+              <a:t> ist der </a:t>
+            </a:r>
+            <a:r>
+              <a:rPr lang="de-DE" dirty="0" err="1">
+                <a:solidFill>
+                  <a:srgbClr val="000000"/>
+                </a:solidFill>
+                <a:effectLst/>
+                <a:latin typeface="Helvetica Neue" panose="02000503000000020004" pitchFamily="2" charset="0"/>
+              </a:rPr>
+              <a:t>BindingContext</a:t>
+            </a:r>
+            <a:endParaRPr lang="de-DE" dirty="0">
+              <a:solidFill>
+                <a:srgbClr val="000000"/>
+              </a:solidFill>
+              <a:effectLst/>
+              <a:latin typeface="Helvetica Neue" panose="02000503000000020004" pitchFamily="2" charset="0"/>
+            </a:endParaRPr>
+          </a:p>
+          <a:p>
+            <a:pPr>
+              <a:lnSpc>
+                <a:spcPct val="150000"/>
+              </a:lnSpc>
+              <a:buFont typeface="Wingdings" panose="05000000000000000000" pitchFamily="2" charset="2"/>
+              <a:buChar char="Ø"/>
+            </a:pPr>
+            <a:r>
+              <a:rPr lang="de-DE" dirty="0">
+                <a:solidFill>
+                  <a:srgbClr val="000000"/>
+                </a:solidFill>
+                <a:effectLst/>
+                <a:latin typeface="Helvetica Neue" panose="02000503000000020004" pitchFamily="2" charset="0"/>
+              </a:rPr>
+              <a:t>Path = Pfad zur Property an die gebunden werden soll</a:t>
+            </a:r>
+          </a:p>
+          <a:p>
+            <a:pPr>
+              <a:lnSpc>
+                <a:spcPct val="150000"/>
+              </a:lnSpc>
+              <a:buFont typeface="Wingdings" panose="05000000000000000000" pitchFamily="2" charset="2"/>
+              <a:buChar char="Ø"/>
+            </a:pPr>
+            <a:r>
+              <a:rPr lang="de-DE" dirty="0">
+                <a:solidFill>
+                  <a:srgbClr val="000000"/>
+                </a:solidFill>
+                <a:effectLst/>
+                <a:latin typeface="Helvetica Neue" panose="02000503000000020004" pitchFamily="2" charset="0"/>
+              </a:rPr>
+              <a:t>Target bekommt Änderungen durch </a:t>
+            </a:r>
+            <a:r>
+              <a:rPr lang="de-DE" dirty="0" err="1">
+                <a:solidFill>
+                  <a:srgbClr val="000000"/>
+                </a:solidFill>
+                <a:effectLst/>
+                <a:latin typeface="Helvetica Neue" panose="02000503000000020004" pitchFamily="2" charset="0"/>
+              </a:rPr>
+              <a:t>INotifyPropertyChanged</a:t>
+            </a:r>
+            <a:r>
+              <a:rPr lang="de-DE" dirty="0">
+                <a:solidFill>
+                  <a:srgbClr val="000000"/>
+                </a:solidFill>
+                <a:effectLst/>
+                <a:latin typeface="Helvetica Neue" panose="02000503000000020004" pitchFamily="2" charset="0"/>
+              </a:rPr>
+              <a:t> bzw. </a:t>
+            </a:r>
+            <a:r>
+              <a:rPr lang="de-DE" dirty="0" err="1">
+                <a:solidFill>
+                  <a:srgbClr val="000000"/>
+                </a:solidFill>
+                <a:effectLst/>
+                <a:latin typeface="Helvetica Neue" panose="02000503000000020004" pitchFamily="2" charset="0"/>
+              </a:rPr>
+              <a:t>INotifyCollectionChanged</a:t>
+            </a:r>
+            <a:r>
+              <a:rPr lang="de-DE" dirty="0">
+                <a:solidFill>
+                  <a:srgbClr val="000000"/>
+                </a:solidFill>
+                <a:effectLst/>
+                <a:latin typeface="Helvetica Neue" panose="02000503000000020004" pitchFamily="2" charset="0"/>
+              </a:rPr>
+              <a:t> mit</a:t>
+            </a:r>
+          </a:p>
+          <a:p>
+            <a:pPr>
+              <a:lnSpc>
+                <a:spcPct val="150000"/>
+              </a:lnSpc>
+              <a:buFont typeface="Wingdings" panose="05000000000000000000" pitchFamily="2" charset="2"/>
+              <a:buChar char="Ø"/>
+            </a:pPr>
+            <a:r>
+              <a:rPr lang="de-DE" dirty="0">
+                <a:solidFill>
+                  <a:srgbClr val="000000"/>
+                </a:solidFill>
+                <a:latin typeface="Helvetica Neue" panose="02000503000000020004" pitchFamily="2" charset="0"/>
+              </a:rPr>
+              <a:t>Verschiedene Modes: </a:t>
+            </a:r>
+            <a:r>
+              <a:rPr lang="de-DE" dirty="0" err="1">
+                <a:solidFill>
+                  <a:srgbClr val="000000"/>
+                </a:solidFill>
+                <a:latin typeface="Helvetica Neue" panose="02000503000000020004" pitchFamily="2" charset="0"/>
+              </a:rPr>
+              <a:t>OneTime</a:t>
+            </a:r>
+            <a:r>
+              <a:rPr lang="de-DE" dirty="0">
+                <a:solidFill>
+                  <a:srgbClr val="000000"/>
+                </a:solidFill>
+                <a:latin typeface="Helvetica Neue" panose="02000503000000020004" pitchFamily="2" charset="0"/>
+              </a:rPr>
+              <a:t>, </a:t>
+            </a:r>
+            <a:r>
+              <a:rPr lang="de-DE" dirty="0" err="1">
+                <a:solidFill>
+                  <a:srgbClr val="000000"/>
+                </a:solidFill>
+                <a:latin typeface="Helvetica Neue" panose="02000503000000020004" pitchFamily="2" charset="0"/>
+              </a:rPr>
+              <a:t>OneWay</a:t>
+            </a:r>
+            <a:r>
+              <a:rPr lang="de-DE" dirty="0">
+                <a:solidFill>
+                  <a:srgbClr val="000000"/>
+                </a:solidFill>
+                <a:latin typeface="Helvetica Neue" panose="02000503000000020004" pitchFamily="2" charset="0"/>
+              </a:rPr>
+              <a:t>, </a:t>
+            </a:r>
+            <a:r>
+              <a:rPr lang="de-DE" dirty="0" err="1">
+                <a:solidFill>
+                  <a:srgbClr val="000000"/>
+                </a:solidFill>
+                <a:latin typeface="Helvetica Neue" panose="02000503000000020004" pitchFamily="2" charset="0"/>
+              </a:rPr>
+              <a:t>TwoWay</a:t>
+            </a:r>
+            <a:r>
+              <a:rPr lang="de-DE" dirty="0">
+                <a:solidFill>
+                  <a:srgbClr val="000000"/>
+                </a:solidFill>
+                <a:latin typeface="Helvetica Neue" panose="02000503000000020004" pitchFamily="2" charset="0"/>
+              </a:rPr>
+              <a:t>, </a:t>
+            </a:r>
+            <a:r>
+              <a:rPr lang="de-DE" dirty="0" err="1">
+                <a:solidFill>
+                  <a:srgbClr val="000000"/>
+                </a:solidFill>
+                <a:latin typeface="Helvetica Neue" panose="02000503000000020004" pitchFamily="2" charset="0"/>
+              </a:rPr>
+              <a:t>OneWayToSource</a:t>
+            </a:r>
+            <a:endParaRPr lang="de-DE" dirty="0">
+              <a:solidFill>
+                <a:srgbClr val="000000"/>
+              </a:solidFill>
+              <a:effectLst/>
+              <a:latin typeface="Helvetica Neue" panose="02000503000000020004" pitchFamily="2" charset="0"/>
+            </a:endParaRPr>
+          </a:p>
+        </p:txBody>
+      </p:sp>
+      <p:sp>
+        <p:nvSpPr>
+          <p:cNvPr id="4" name="Abgerundetes Rechteck 3">
+            <a:extLst>
+              <a:ext uri="{FF2B5EF4-FFF2-40B4-BE49-F238E27FC236}">
+                <a16:creationId xmlns:a16="http://schemas.microsoft.com/office/drawing/2014/main" id="{A41BD513-24C9-C8D5-DE50-6B20D33CF99E}"/>
+              </a:ext>
+            </a:extLst>
+          </p:cNvPr>
+          <p:cNvSpPr/>
+          <p:nvPr/>
+        </p:nvSpPr>
+        <p:spPr>
+          <a:xfrm>
+            <a:off x="2410335" y="1709564"/>
+            <a:ext cx="1710813" cy="970136"/>
+          </a:xfrm>
+          <a:prstGeom prst="roundRect">
+            <a:avLst/>
+          </a:prstGeom>
+          <a:gradFill flip="none" rotWithShape="1">
+            <a:gsLst>
+              <a:gs pos="0">
+                <a:srgbClr val="05AC00"/>
+              </a:gs>
+              <a:gs pos="100000">
+                <a:srgbClr val="69ED3D"/>
+              </a:gs>
+            </a:gsLst>
+            <a:lin ang="16200000" scaled="1"/>
+            <a:tileRect/>
+          </a:gradFill>
+          <a:ln w="6350">
+            <a:solidFill>
+              <a:schemeClr val="tx1"/>
+            </a:solidFill>
+          </a:ln>
+        </p:spPr>
+        <p:style>
+          <a:lnRef idx="2">
+            <a:schemeClr val="accent1">
+              <a:shade val="50000"/>
+            </a:schemeClr>
+          </a:lnRef>
+          <a:fillRef idx="1">
+            <a:schemeClr val="accent1"/>
+          </a:fillRef>
+          <a:effectRef idx="0">
+            <a:schemeClr val="accent1"/>
+          </a:effectRef>
+          <a:fontRef idx="minor">
+            <a:schemeClr val="lt1"/>
+          </a:fontRef>
+        </p:style>
+        <p:txBody>
+          <a:bodyPr rtlCol="0" anchor="ctr" anchorCtr="0"/>
+          <a:lstStyle/>
+          <a:p>
+            <a:pPr algn="ctr"/>
+            <a:r>
+              <a:rPr lang="de-DE" sz="1400" dirty="0"/>
+              <a:t>Target</a:t>
+            </a:r>
+          </a:p>
+        </p:txBody>
+      </p:sp>
+      <p:sp>
+        <p:nvSpPr>
+          <p:cNvPr id="7" name="Abgerundetes Rechteck 6">
+            <a:extLst>
+              <a:ext uri="{FF2B5EF4-FFF2-40B4-BE49-F238E27FC236}">
+                <a16:creationId xmlns:a16="http://schemas.microsoft.com/office/drawing/2014/main" id="{81DF6EDD-9A8F-80C2-76DE-FBA81385F314}"/>
+              </a:ext>
+            </a:extLst>
+          </p:cNvPr>
+          <p:cNvSpPr/>
+          <p:nvPr/>
+        </p:nvSpPr>
+        <p:spPr>
+          <a:xfrm>
+            <a:off x="5854149" y="1709564"/>
+            <a:ext cx="1710813" cy="970136"/>
+          </a:xfrm>
+          <a:prstGeom prst="roundRect">
+            <a:avLst/>
+          </a:prstGeom>
+          <a:gradFill flip="none" rotWithShape="1">
+            <a:gsLst>
+              <a:gs pos="0">
+                <a:srgbClr val="05AC00"/>
+              </a:gs>
+              <a:gs pos="100000">
+                <a:srgbClr val="69ED3D"/>
+              </a:gs>
+            </a:gsLst>
+            <a:lin ang="16200000" scaled="1"/>
+            <a:tileRect/>
+          </a:gradFill>
+          <a:ln w="6350">
+            <a:solidFill>
+              <a:schemeClr val="tx1"/>
+            </a:solidFill>
+          </a:ln>
+        </p:spPr>
+        <p:style>
+          <a:lnRef idx="2">
+            <a:schemeClr val="accent1">
+              <a:shade val="50000"/>
+            </a:schemeClr>
+          </a:lnRef>
+          <a:fillRef idx="1">
+            <a:schemeClr val="accent1"/>
+          </a:fillRef>
+          <a:effectRef idx="0">
+            <a:schemeClr val="accent1"/>
+          </a:effectRef>
+          <a:fontRef idx="minor">
+            <a:schemeClr val="lt1"/>
+          </a:fontRef>
+        </p:style>
+        <p:txBody>
+          <a:bodyPr rtlCol="0" anchor="ctr" anchorCtr="0"/>
+          <a:lstStyle/>
+          <a:p>
+            <a:pPr algn="ctr"/>
+            <a:r>
+              <a:rPr lang="de-DE" sz="1400" dirty="0"/>
+              <a:t>Source</a:t>
+            </a:r>
+          </a:p>
+        </p:txBody>
+      </p:sp>
+      <p:cxnSp>
+        <p:nvCxnSpPr>
+          <p:cNvPr id="9" name="Gerade Verbindung mit Pfeil 8">
+            <a:extLst>
+              <a:ext uri="{FF2B5EF4-FFF2-40B4-BE49-F238E27FC236}">
+                <a16:creationId xmlns:a16="http://schemas.microsoft.com/office/drawing/2014/main" id="{2077C212-3354-A4AB-6E77-0A496F6489CC}"/>
+              </a:ext>
+            </a:extLst>
+          </p:cNvPr>
+          <p:cNvCxnSpPr>
+            <a:cxnSpLocks/>
+          </p:cNvCxnSpPr>
+          <p:nvPr/>
+        </p:nvCxnSpPr>
+        <p:spPr>
+          <a:xfrm>
+            <a:off x="4121148" y="2379826"/>
+            <a:ext cx="1733001" cy="0"/>
+          </a:xfrm>
+          <a:prstGeom prst="straightConnector1">
+            <a:avLst/>
+          </a:prstGeom>
+          <a:ln>
+            <a:headEnd type="arrow" w="med" len="med"/>
+            <a:tailEnd type="none" w="med" len="med"/>
+          </a:ln>
+        </p:spPr>
+        <p:style>
+          <a:lnRef idx="1">
+            <a:schemeClr val="dk1"/>
+          </a:lnRef>
+          <a:fillRef idx="0">
+            <a:schemeClr val="dk1"/>
+          </a:fillRef>
+          <a:effectRef idx="0">
+            <a:schemeClr val="dk1"/>
+          </a:effectRef>
+          <a:fontRef idx="minor">
+            <a:schemeClr val="tx1"/>
+          </a:fontRef>
+        </p:style>
+      </p:cxnSp>
+      <p:sp>
+        <p:nvSpPr>
+          <p:cNvPr id="10" name="Textfeld 9">
+            <a:extLst>
+              <a:ext uri="{FF2B5EF4-FFF2-40B4-BE49-F238E27FC236}">
+                <a16:creationId xmlns:a16="http://schemas.microsoft.com/office/drawing/2014/main" id="{670D10A3-3DA7-02F3-669B-C5E2462D27B3}"/>
+              </a:ext>
+            </a:extLst>
+          </p:cNvPr>
+          <p:cNvSpPr txBox="1"/>
+          <p:nvPr/>
+        </p:nvSpPr>
+        <p:spPr>
+          <a:xfrm>
+            <a:off x="2141317" y="3089236"/>
+            <a:ext cx="6539696" cy="369332"/>
+          </a:xfrm>
+          <a:prstGeom prst="rect">
+            <a:avLst/>
+          </a:prstGeom>
+          <a:noFill/>
+        </p:spPr>
+        <p:txBody>
+          <a:bodyPr wrap="square" rtlCol="0">
+            <a:spAutoFit/>
+          </a:bodyPr>
+          <a:lstStyle/>
+          <a:p>
+            <a:r>
+              <a:rPr lang="de-DE" dirty="0"/>
+              <a:t>&lt;</a:t>
+            </a:r>
+            <a:r>
+              <a:rPr lang="de-DE" dirty="0" err="1"/>
+              <a:t>CollectionView</a:t>
+            </a:r>
+            <a:r>
+              <a:rPr lang="de-DE" dirty="0"/>
+              <a:t> </a:t>
+            </a:r>
+            <a:r>
+              <a:rPr lang="de-DE" dirty="0" err="1"/>
+              <a:t>ItemsSource</a:t>
+            </a:r>
+            <a:r>
+              <a:rPr lang="de-DE" dirty="0"/>
+              <a:t>="{Binding </a:t>
+            </a:r>
+            <a:r>
+              <a:rPr lang="de-DE" dirty="0" err="1"/>
+              <a:t>Characters</a:t>
+            </a:r>
+            <a:r>
+              <a:rPr lang="de-DE" dirty="0"/>
+              <a:t>}" /&gt;</a:t>
+            </a:r>
+          </a:p>
+        </p:txBody>
+      </p:sp>
+      <p:sp>
+        <p:nvSpPr>
+          <p:cNvPr id="11" name="Geschweifte Klammer rechts 10">
+            <a:extLst>
+              <a:ext uri="{FF2B5EF4-FFF2-40B4-BE49-F238E27FC236}">
+                <a16:creationId xmlns:a16="http://schemas.microsoft.com/office/drawing/2014/main" id="{4E9E9A3F-D2F4-3A86-2345-38C9D600BE55}"/>
+              </a:ext>
+            </a:extLst>
+          </p:cNvPr>
+          <p:cNvSpPr/>
+          <p:nvPr/>
+        </p:nvSpPr>
+        <p:spPr>
+          <a:xfrm rot="5400000">
+            <a:off x="4510923" y="2865046"/>
+            <a:ext cx="145301" cy="1273214"/>
+          </a:xfrm>
+          <a:prstGeom prst="rightBrace">
+            <a:avLst>
+              <a:gd name="adj1" fmla="val 8333"/>
+              <a:gd name="adj2" fmla="val 47990"/>
+            </a:avLst>
+          </a:prstGeom>
+        </p:spPr>
+        <p:style>
+          <a:lnRef idx="1">
+            <a:schemeClr val="accent1"/>
+          </a:lnRef>
+          <a:fillRef idx="0">
+            <a:schemeClr val="accent1"/>
+          </a:fillRef>
+          <a:effectRef idx="0">
+            <a:schemeClr val="accent1"/>
+          </a:effectRef>
+          <a:fontRef idx="minor">
+            <a:schemeClr val="tx1"/>
+          </a:fontRef>
+        </p:style>
+        <p:txBody>
+          <a:bodyPr rtlCol="0" anchor="ctr"/>
+          <a:lstStyle/>
+          <a:p>
+            <a:pPr algn="ctr"/>
+            <a:endParaRPr lang="de-DE"/>
+          </a:p>
+        </p:txBody>
+      </p:sp>
+      <p:sp>
+        <p:nvSpPr>
+          <p:cNvPr id="12" name="Geschweifte Klammer rechts 11">
+            <a:extLst>
+              <a:ext uri="{FF2B5EF4-FFF2-40B4-BE49-F238E27FC236}">
+                <a16:creationId xmlns:a16="http://schemas.microsoft.com/office/drawing/2014/main" id="{D87C6A0D-FFD9-2210-B9A8-9C0DA72C751F}"/>
+              </a:ext>
+            </a:extLst>
+          </p:cNvPr>
+          <p:cNvSpPr/>
+          <p:nvPr/>
+        </p:nvSpPr>
+        <p:spPr>
+          <a:xfrm rot="5400000">
+            <a:off x="6801876" y="2948442"/>
+            <a:ext cx="130518" cy="1150774"/>
+          </a:xfrm>
+          <a:prstGeom prst="rightBrace">
+            <a:avLst>
+              <a:gd name="adj1" fmla="val 8333"/>
+              <a:gd name="adj2" fmla="val 47990"/>
+            </a:avLst>
+          </a:prstGeom>
+        </p:spPr>
+        <p:style>
+          <a:lnRef idx="1">
+            <a:schemeClr val="accent1"/>
+          </a:lnRef>
+          <a:fillRef idx="0">
+            <a:schemeClr val="accent1"/>
+          </a:fillRef>
+          <a:effectRef idx="0">
+            <a:schemeClr val="accent1"/>
+          </a:effectRef>
+          <a:fontRef idx="minor">
+            <a:schemeClr val="tx1"/>
+          </a:fontRef>
+        </p:style>
+        <p:txBody>
+          <a:bodyPr rtlCol="0" anchor="ctr"/>
+          <a:lstStyle/>
+          <a:p>
+            <a:pPr algn="ctr"/>
+            <a:endParaRPr lang="de-DE"/>
+          </a:p>
+        </p:txBody>
+      </p:sp>
+      <p:sp>
+        <p:nvSpPr>
+          <p:cNvPr id="13" name="Textfeld 12">
+            <a:extLst>
+              <a:ext uri="{FF2B5EF4-FFF2-40B4-BE49-F238E27FC236}">
+                <a16:creationId xmlns:a16="http://schemas.microsoft.com/office/drawing/2014/main" id="{46DE4349-5FAC-C94C-C575-19167D30155B}"/>
+              </a:ext>
+            </a:extLst>
+          </p:cNvPr>
+          <p:cNvSpPr txBox="1"/>
+          <p:nvPr/>
+        </p:nvSpPr>
+        <p:spPr>
+          <a:xfrm>
+            <a:off x="4185716" y="3519313"/>
+            <a:ext cx="867541" cy="369332"/>
+          </a:xfrm>
+          <a:prstGeom prst="rect">
+            <a:avLst/>
+          </a:prstGeom>
+          <a:noFill/>
+        </p:spPr>
+        <p:txBody>
+          <a:bodyPr wrap="square" rtlCol="0">
+            <a:spAutoFit/>
+          </a:bodyPr>
+          <a:lstStyle/>
+          <a:p>
+            <a:r>
+              <a:rPr lang="de-DE" dirty="0"/>
+              <a:t>Target</a:t>
+            </a:r>
+          </a:p>
+        </p:txBody>
+      </p:sp>
+      <p:sp>
+        <p:nvSpPr>
+          <p:cNvPr id="14" name="Textfeld 13">
+            <a:extLst>
+              <a:ext uri="{FF2B5EF4-FFF2-40B4-BE49-F238E27FC236}">
+                <a16:creationId xmlns:a16="http://schemas.microsoft.com/office/drawing/2014/main" id="{5F883220-83AD-1171-96A0-2376552F98D3}"/>
+              </a:ext>
+            </a:extLst>
+          </p:cNvPr>
+          <p:cNvSpPr txBox="1"/>
+          <p:nvPr/>
+        </p:nvSpPr>
+        <p:spPr>
+          <a:xfrm>
+            <a:off x="6574981" y="3558521"/>
+            <a:ext cx="867541" cy="369332"/>
+          </a:xfrm>
+          <a:prstGeom prst="rect">
+            <a:avLst/>
+          </a:prstGeom>
+          <a:noFill/>
+        </p:spPr>
+        <p:txBody>
+          <a:bodyPr wrap="square" rtlCol="0">
+            <a:spAutoFit/>
+          </a:bodyPr>
+          <a:lstStyle/>
+          <a:p>
+            <a:r>
+              <a:rPr lang="de-DE" dirty="0"/>
+              <a:t>Path</a:t>
+            </a:r>
+          </a:p>
+        </p:txBody>
+      </p:sp>
+      <p:sp>
+        <p:nvSpPr>
+          <p:cNvPr id="15" name="Textfeld 14">
+            <a:extLst>
+              <a:ext uri="{FF2B5EF4-FFF2-40B4-BE49-F238E27FC236}">
+                <a16:creationId xmlns:a16="http://schemas.microsoft.com/office/drawing/2014/main" id="{6CD4CE54-A036-53FD-9C26-0685C4E02C44}"/>
+              </a:ext>
+            </a:extLst>
+          </p:cNvPr>
+          <p:cNvSpPr txBox="1"/>
+          <p:nvPr/>
+        </p:nvSpPr>
+        <p:spPr>
+          <a:xfrm>
+            <a:off x="4345121" y="2405563"/>
+            <a:ext cx="1509028" cy="369332"/>
+          </a:xfrm>
+          <a:prstGeom prst="rect">
+            <a:avLst/>
+          </a:prstGeom>
+          <a:noFill/>
+        </p:spPr>
+        <p:txBody>
+          <a:bodyPr wrap="square" rtlCol="0">
+            <a:spAutoFit/>
+          </a:bodyPr>
+          <a:lstStyle/>
+          <a:p>
+            <a:r>
+              <a:rPr lang="de-DE" dirty="0"/>
+              <a:t>INPC/INCC</a:t>
+            </a:r>
+          </a:p>
+        </p:txBody>
+      </p:sp>
+      <p:cxnSp>
+        <p:nvCxnSpPr>
+          <p:cNvPr id="16" name="Gerade Verbindung mit Pfeil 15">
+            <a:extLst>
+              <a:ext uri="{FF2B5EF4-FFF2-40B4-BE49-F238E27FC236}">
+                <a16:creationId xmlns:a16="http://schemas.microsoft.com/office/drawing/2014/main" id="{B807FD27-A5E7-2C45-2A95-0BFD4CA7B0BC}"/>
+              </a:ext>
+            </a:extLst>
+          </p:cNvPr>
+          <p:cNvCxnSpPr>
+            <a:cxnSpLocks/>
+          </p:cNvCxnSpPr>
+          <p:nvPr/>
+        </p:nvCxnSpPr>
+        <p:spPr>
+          <a:xfrm>
+            <a:off x="4121148" y="2037144"/>
+            <a:ext cx="1733001" cy="0"/>
+          </a:xfrm>
+          <a:prstGeom prst="straightConnector1">
+            <a:avLst/>
+          </a:prstGeom>
+          <a:ln>
+            <a:headEnd type="none" w="med" len="med"/>
+            <a:tailEnd type="arrow" w="med" len="med"/>
+          </a:ln>
+        </p:spPr>
+        <p:style>
+          <a:lnRef idx="1">
+            <a:schemeClr val="dk1"/>
+          </a:lnRef>
+          <a:fillRef idx="0">
+            <a:schemeClr val="dk1"/>
+          </a:fillRef>
+          <a:effectRef idx="0">
+            <a:schemeClr val="dk1"/>
+          </a:effectRef>
+          <a:fontRef idx="minor">
+            <a:schemeClr val="tx1"/>
+          </a:fontRef>
+        </p:style>
+      </p:cxnSp>
     </p:spTree>
     <p:extLst>
       <p:ext uri="{BB962C8B-B14F-4D97-AF65-F5344CB8AC3E}">
-        <p14:creationId xmlns:p14="http://schemas.microsoft.com/office/powerpoint/2010/main" val="1035624221"/>
+        <p14:creationId xmlns:p14="http://schemas.microsoft.com/office/powerpoint/2010/main" val="2185336544"/>
       </p:ext>
     </p:extLst>
   </p:cSld>
@@ -16137,100 +18341,7 @@
 </p:sld>
 </file>
 
-<file path=ppt/slides/slide7.xml><?xml version="1.0" encoding="utf-8"?>
-<p:sld xmlns:a="http://schemas.openxmlformats.org/drawingml/2006/main" xmlns:r="http://schemas.openxmlformats.org/officeDocument/2006/relationships" xmlns:p="http://schemas.openxmlformats.org/presentationml/2006/main">
-  <p:cSld>
-    <p:spTree>
-      <p:nvGrpSpPr>
-        <p:cNvPr id="1" name=""/>
-        <p:cNvGrpSpPr/>
-        <p:nvPr/>
-      </p:nvGrpSpPr>
-      <p:grpSpPr>
-        <a:xfrm>
-          <a:off x="0" y="0"/>
-          <a:ext cx="0" cy="0"/>
-          <a:chOff x="0" y="0"/>
-          <a:chExt cx="0" cy="0"/>
-        </a:xfrm>
-      </p:grpSpPr>
-      <p:sp>
-        <p:nvSpPr>
-          <p:cNvPr id="2" name="Titel 1">
-            <a:extLst>
-              <a:ext uri="{FF2B5EF4-FFF2-40B4-BE49-F238E27FC236}">
-                <a16:creationId xmlns:a16="http://schemas.microsoft.com/office/drawing/2014/main" id="{648E8BF1-5D73-4051-83AF-0D16FE293898}"/>
-              </a:ext>
-            </a:extLst>
-          </p:cNvPr>
-          <p:cNvSpPr>
-            <a:spLocks noGrp="1"/>
-          </p:cNvSpPr>
-          <p:nvPr>
-            <p:ph type="title"/>
-          </p:nvPr>
-        </p:nvSpPr>
-        <p:spPr/>
-        <p:txBody>
-          <a:bodyPr>
-            <a:normAutofit/>
-          </a:bodyPr>
-          <a:lstStyle/>
-          <a:p>
-            <a:pPr algn="ctr"/>
-            <a:r>
-              <a:rPr lang="de-DE"/>
-              <a:t>Steuerelemente</a:t>
-            </a:r>
-            <a:endParaRPr lang="de-DE" dirty="0"/>
-          </a:p>
-        </p:txBody>
-      </p:sp>
-      <p:graphicFrame>
-        <p:nvGraphicFramePr>
-          <p:cNvPr id="4" name="Inhaltsplatzhalter 3">
-            <a:extLst>
-              <a:ext uri="{FF2B5EF4-FFF2-40B4-BE49-F238E27FC236}">
-                <a16:creationId xmlns:a16="http://schemas.microsoft.com/office/drawing/2014/main" id="{0CCB3DF6-5A1E-415D-ABD6-4BAA72EBBB5F}"/>
-              </a:ext>
-            </a:extLst>
-          </p:cNvPr>
-          <p:cNvGraphicFramePr>
-            <a:graphicFrameLocks noGrp="1"/>
-          </p:cNvGraphicFramePr>
-          <p:nvPr>
-            <p:ph idx="4294967295"/>
-            <p:extLst>
-              <p:ext uri="{D42A27DB-BD31-4B8C-83A1-F6EECF244321}">
-                <p14:modId xmlns:p14="http://schemas.microsoft.com/office/powerpoint/2010/main" val="886623089"/>
-              </p:ext>
-            </p:extLst>
-          </p:nvPr>
-        </p:nvGraphicFramePr>
-        <p:xfrm>
-          <a:off x="1097405" y="1550244"/>
-          <a:ext cx="7756525" cy="4503737"/>
-        </p:xfrm>
-        <a:graphic>
-          <a:graphicData uri="http://schemas.openxmlformats.org/drawingml/2006/diagram">
-            <dgm:relIds xmlns:dgm="http://schemas.openxmlformats.org/drawingml/2006/diagram" xmlns:r="http://schemas.openxmlformats.org/officeDocument/2006/relationships" r:dm="rId3" r:lo="rId4" r:qs="rId5" r:cs="rId6"/>
-          </a:graphicData>
-        </a:graphic>
-      </p:graphicFrame>
-    </p:spTree>
-    <p:extLst>
-      <p:ext uri="{BB962C8B-B14F-4D97-AF65-F5344CB8AC3E}">
-        <p14:creationId xmlns:p14="http://schemas.microsoft.com/office/powerpoint/2010/main" val="4014648948"/>
-      </p:ext>
-    </p:extLst>
-  </p:cSld>
-  <p:clrMapOvr>
-    <a:masterClrMapping/>
-  </p:clrMapOvr>
-</p:sld>
-</file>
-
-<file path=ppt/slides/slide8.xml><?xml version="1.0" encoding="utf-8"?>
+<file path=ppt/slides/slide15.xml><?xml version="1.0" encoding="utf-8"?>
 <p:sld xmlns:a="http://schemas.openxmlformats.org/drawingml/2006/main" xmlns:r="http://schemas.openxmlformats.org/officeDocument/2006/relationships" xmlns:p="http://schemas.openxmlformats.org/presentationml/2006/main">
   <p:cSld>
     <p:spTree>
@@ -16633,7 +18744,7 @@
     </p:spTree>
     <p:extLst>
       <p:ext uri="{BB962C8B-B14F-4D97-AF65-F5344CB8AC3E}">
-        <p14:creationId xmlns:p14="http://schemas.microsoft.com/office/powerpoint/2010/main" val="2185336544"/>
+        <p14:creationId xmlns:p14="http://schemas.microsoft.com/office/powerpoint/2010/main" val="1198057626"/>
       </p:ext>
     </p:extLst>
   </p:cSld>
@@ -16643,7 +18754,7 @@
 </p:sld>
 </file>
 
-<file path=ppt/slides/slide9.xml><?xml version="1.0" encoding="utf-8"?>
+<file path=ppt/slides/slide16.xml><?xml version="1.0" encoding="utf-8"?>
 <p:sld xmlns:a="http://schemas.openxmlformats.org/drawingml/2006/main" xmlns:r="http://schemas.openxmlformats.org/officeDocument/2006/relationships" xmlns:p="http://schemas.openxmlformats.org/presentationml/2006/main">
   <p:cSld>
     <p:spTree>
@@ -17358,6 +19469,1825 @@
     <p:extLst>
       <p:ext uri="{BB962C8B-B14F-4D97-AF65-F5344CB8AC3E}">
         <p14:creationId xmlns:p14="http://schemas.microsoft.com/office/powerpoint/2010/main" val="255780634"/>
+      </p:ext>
+    </p:extLst>
+  </p:cSld>
+  <p:clrMapOvr>
+    <a:masterClrMapping/>
+  </p:clrMapOvr>
+</p:sld>
+</file>
+
+<file path=ppt/slides/slide2.xml><?xml version="1.0" encoding="utf-8"?>
+<p:sld xmlns:a="http://schemas.openxmlformats.org/drawingml/2006/main" xmlns:r="http://schemas.openxmlformats.org/officeDocument/2006/relationships" xmlns:p="http://schemas.openxmlformats.org/presentationml/2006/main">
+  <p:cSld>
+    <p:spTree>
+      <p:nvGrpSpPr>
+        <p:cNvPr id="1" name=""/>
+        <p:cNvGrpSpPr/>
+        <p:nvPr/>
+      </p:nvGrpSpPr>
+      <p:grpSpPr>
+        <a:xfrm>
+          <a:off x="0" y="0"/>
+          <a:ext cx="0" cy="0"/>
+          <a:chOff x="0" y="0"/>
+          <a:chExt cx="0" cy="0"/>
+        </a:xfrm>
+      </p:grpSpPr>
+      <p:sp>
+        <p:nvSpPr>
+          <p:cNvPr id="2" name="Titel 1">
+            <a:extLst>
+              <a:ext uri="{FF2B5EF4-FFF2-40B4-BE49-F238E27FC236}">
+                <a16:creationId xmlns:a16="http://schemas.microsoft.com/office/drawing/2014/main" id="{35CCAE9F-8546-4986-A181-C44D2416B403}"/>
+              </a:ext>
+            </a:extLst>
+          </p:cNvPr>
+          <p:cNvSpPr>
+            <a:spLocks noGrp="1"/>
+          </p:cNvSpPr>
+          <p:nvPr>
+            <p:ph type="title"/>
+          </p:nvPr>
+        </p:nvSpPr>
+        <p:spPr>
+          <a:xfrm>
+            <a:off x="1043950" y="1179151"/>
+            <a:ext cx="3300646" cy="4463889"/>
+          </a:xfrm>
+        </p:spPr>
+        <p:txBody>
+          <a:bodyPr anchor="ctr">
+            <a:normAutofit/>
+          </a:bodyPr>
+          <a:lstStyle/>
+          <a:p>
+            <a:r>
+              <a:rPr lang="de-DE" b="1" dirty="0"/>
+              <a:t>Workshop Agenda</a:t>
+            </a:r>
+          </a:p>
+        </p:txBody>
+      </p:sp>
+      <p:sp>
+        <p:nvSpPr>
+          <p:cNvPr id="4" name="Inhaltsplatzhalter 3">
+            <a:extLst>
+              <a:ext uri="{FF2B5EF4-FFF2-40B4-BE49-F238E27FC236}">
+                <a16:creationId xmlns:a16="http://schemas.microsoft.com/office/drawing/2014/main" id="{DA58E82B-8941-40DB-9C79-2AAFACA62195}"/>
+              </a:ext>
+            </a:extLst>
+          </p:cNvPr>
+          <p:cNvSpPr>
+            <a:spLocks noGrp="1"/>
+          </p:cNvSpPr>
+          <p:nvPr>
+            <p:ph idx="1"/>
+          </p:nvPr>
+        </p:nvSpPr>
+        <p:spPr>
+          <a:xfrm>
+            <a:off x="4978918" y="1109145"/>
+            <a:ext cx="6341016" cy="4603900"/>
+          </a:xfrm>
+        </p:spPr>
+        <p:txBody>
+          <a:bodyPr anchor="ctr">
+            <a:normAutofit/>
+          </a:bodyPr>
+          <a:lstStyle/>
+          <a:p>
+            <a:pPr lvl="0">
+              <a:buSzPct val="80000"/>
+              <a:buFont typeface="Wingdings" panose="05000000000000000000" pitchFamily="2" charset="2"/>
+              <a:buChar char="Ø"/>
+            </a:pPr>
+            <a:r>
+              <a:rPr lang="en-US" dirty="0"/>
+              <a:t>.NET Multi-platform App UI</a:t>
+            </a:r>
+          </a:p>
+          <a:p>
+            <a:pPr lvl="0">
+              <a:buSzPct val="80000"/>
+              <a:buFont typeface="Wingdings" panose="05000000000000000000" pitchFamily="2" charset="2"/>
+              <a:buChar char="Ø"/>
+            </a:pPr>
+            <a:r>
+              <a:rPr lang="en-US" dirty="0" err="1"/>
+              <a:t>Vorstellung</a:t>
+            </a:r>
+            <a:r>
+              <a:rPr lang="en-US" dirty="0"/>
+              <a:t> des </a:t>
+            </a:r>
+            <a:r>
+              <a:rPr lang="en-US" dirty="0" err="1"/>
+              <a:t>Demoprojekts</a:t>
+            </a:r>
+            <a:endParaRPr lang="en-US" dirty="0"/>
+          </a:p>
+          <a:p>
+            <a:pPr lvl="0">
+              <a:buSzPct val="80000"/>
+              <a:buFont typeface="Wingdings" panose="05000000000000000000" pitchFamily="2" charset="2"/>
+              <a:buChar char="Ø"/>
+            </a:pPr>
+            <a:r>
+              <a:rPr lang="en-US" dirty="0" err="1"/>
+              <a:t>Erstellen</a:t>
+            </a:r>
+            <a:r>
+              <a:rPr lang="en-US" dirty="0"/>
+              <a:t> </a:t>
+            </a:r>
+            <a:r>
+              <a:rPr lang="en-US" dirty="0" err="1"/>
+              <a:t>einer</a:t>
+            </a:r>
+            <a:r>
+              <a:rPr lang="en-US" dirty="0"/>
+              <a:t> .NET MAUI App</a:t>
+            </a:r>
+          </a:p>
+          <a:p>
+            <a:pPr lvl="0">
+              <a:buSzPct val="80000"/>
+              <a:buFont typeface="Wingdings" panose="05000000000000000000" pitchFamily="2" charset="2"/>
+              <a:buChar char="Ø"/>
+            </a:pPr>
+            <a:r>
+              <a:rPr lang="en-US" dirty="0" err="1"/>
+              <a:t>Implementierung</a:t>
+            </a:r>
+            <a:r>
+              <a:rPr lang="en-US" dirty="0"/>
+              <a:t> </a:t>
+            </a:r>
+            <a:r>
+              <a:rPr lang="en-US" dirty="0" err="1"/>
+              <a:t>unserer</a:t>
+            </a:r>
+            <a:r>
+              <a:rPr lang="en-US" dirty="0"/>
+              <a:t> .NET MAUI App</a:t>
+            </a:r>
+          </a:p>
+          <a:p>
+            <a:pPr lvl="0">
+              <a:buSzPct val="80000"/>
+              <a:buFont typeface="Wingdings" panose="05000000000000000000" pitchFamily="2" charset="2"/>
+              <a:buChar char="Ø"/>
+            </a:pPr>
+            <a:r>
+              <a:rPr lang="en-US" dirty="0" err="1"/>
+              <a:t>Ausblick</a:t>
+            </a:r>
+            <a:endParaRPr lang="en-US" dirty="0"/>
+          </a:p>
+        </p:txBody>
+      </p:sp>
+      <p:sp>
+        <p:nvSpPr>
+          <p:cNvPr id="3" name="Textfeld 2">
+            <a:extLst>
+              <a:ext uri="{FF2B5EF4-FFF2-40B4-BE49-F238E27FC236}">
+                <a16:creationId xmlns:a16="http://schemas.microsoft.com/office/drawing/2014/main" id="{D4E63E0D-E28A-1763-8265-B24A040605F4}"/>
+              </a:ext>
+            </a:extLst>
+          </p:cNvPr>
+          <p:cNvSpPr txBox="1"/>
+          <p:nvPr/>
+        </p:nvSpPr>
+        <p:spPr>
+          <a:xfrm>
+            <a:off x="11035914" y="5944368"/>
+            <a:ext cx="1099896" cy="584775"/>
+          </a:xfrm>
+          <a:prstGeom prst="rect">
+            <a:avLst/>
+          </a:prstGeom>
+          <a:noFill/>
+        </p:spPr>
+        <p:txBody>
+          <a:bodyPr rot="0" spcFirstLastPara="0" vertOverflow="overflow" horzOverflow="overflow" vert="horz" wrap="square" lIns="91440" tIns="45720" rIns="91440" bIns="45720" numCol="1" spcCol="0" rtlCol="0" fromWordArt="0" anchor="t" anchorCtr="0" forceAA="0" compatLnSpc="1">
+            <a:prstTxWarp prst="textNoShape">
+              <a:avLst/>
+            </a:prstTxWarp>
+            <a:spAutoFit/>
+          </a:bodyPr>
+          <a:lstStyle/>
+          <a:p>
+            <a:pPr algn="l"/>
+            <a:r>
+              <a:rPr lang="de-DE" sz="3200" dirty="0" err="1">
+                <a:solidFill>
+                  <a:schemeClr val="bg1"/>
+                </a:solidFill>
+                <a:latin typeface="Edwardian Script ITC"/>
+              </a:rPr>
+              <a:t>Cayas</a:t>
+            </a:r>
+            <a:endParaRPr lang="de-DE" sz="3200" dirty="0">
+              <a:solidFill>
+                <a:schemeClr val="bg1"/>
+              </a:solidFill>
+              <a:latin typeface="Edwardian Script ITC"/>
+            </a:endParaRPr>
+          </a:p>
+        </p:txBody>
+      </p:sp>
+    </p:spTree>
+    <p:extLst>
+      <p:ext uri="{BB962C8B-B14F-4D97-AF65-F5344CB8AC3E}">
+        <p14:creationId xmlns:p14="http://schemas.microsoft.com/office/powerpoint/2010/main" val="2440099612"/>
+      </p:ext>
+    </p:extLst>
+  </p:cSld>
+  <p:clrMapOvr>
+    <a:masterClrMapping/>
+  </p:clrMapOvr>
+</p:sld>
+</file>
+
+<file path=ppt/slides/slide3.xml><?xml version="1.0" encoding="utf-8"?>
+<p:sld xmlns:a="http://schemas.openxmlformats.org/drawingml/2006/main" xmlns:r="http://schemas.openxmlformats.org/officeDocument/2006/relationships" xmlns:p="http://schemas.openxmlformats.org/presentationml/2006/main">
+  <p:cSld>
+    <p:spTree>
+      <p:nvGrpSpPr>
+        <p:cNvPr id="1" name=""/>
+        <p:cNvGrpSpPr/>
+        <p:nvPr/>
+      </p:nvGrpSpPr>
+      <p:grpSpPr>
+        <a:xfrm>
+          <a:off x="0" y="0"/>
+          <a:ext cx="0" cy="0"/>
+          <a:chOff x="0" y="0"/>
+          <a:chExt cx="0" cy="0"/>
+        </a:xfrm>
+      </p:grpSpPr>
+      <p:sp>
+        <p:nvSpPr>
+          <p:cNvPr id="2" name="Titel 1">
+            <a:extLst>
+              <a:ext uri="{FF2B5EF4-FFF2-40B4-BE49-F238E27FC236}">
+                <a16:creationId xmlns:a16="http://schemas.microsoft.com/office/drawing/2014/main" id="{7D05E626-6809-C4C7-ED05-5B5E1D0FF09D}"/>
+              </a:ext>
+            </a:extLst>
+          </p:cNvPr>
+          <p:cNvSpPr>
+            <a:spLocks noGrp="1"/>
+          </p:cNvSpPr>
+          <p:nvPr>
+            <p:ph type="title"/>
+          </p:nvPr>
+        </p:nvSpPr>
+        <p:spPr/>
+        <p:txBody>
+          <a:bodyPr/>
+          <a:lstStyle/>
+          <a:p>
+            <a:r>
+              <a:rPr lang="de-DE" dirty="0"/>
+              <a:t>.NET Multi-</a:t>
+            </a:r>
+            <a:r>
+              <a:rPr lang="de-DE" dirty="0" err="1"/>
+              <a:t>Platform</a:t>
+            </a:r>
+            <a:r>
+              <a:rPr lang="de-DE" dirty="0"/>
+              <a:t> App UI</a:t>
+            </a:r>
+          </a:p>
+        </p:txBody>
+      </p:sp>
+      <p:sp>
+        <p:nvSpPr>
+          <p:cNvPr id="3" name="Inhaltsplatzhalter 2">
+            <a:extLst>
+              <a:ext uri="{FF2B5EF4-FFF2-40B4-BE49-F238E27FC236}">
+                <a16:creationId xmlns:a16="http://schemas.microsoft.com/office/drawing/2014/main" id="{3005180E-D78B-3D04-9FAA-7CD64046A17E}"/>
+              </a:ext>
+            </a:extLst>
+          </p:cNvPr>
+          <p:cNvSpPr>
+            <a:spLocks noGrp="1"/>
+          </p:cNvSpPr>
+          <p:nvPr>
+            <p:ph idx="1"/>
+          </p:nvPr>
+        </p:nvSpPr>
+        <p:spPr/>
+        <p:txBody>
+          <a:bodyPr/>
+          <a:lstStyle/>
+          <a:p>
+            <a:endParaRPr lang="de-DE" dirty="0"/>
+          </a:p>
+        </p:txBody>
+      </p:sp>
+      <p:pic>
+        <p:nvPicPr>
+          <p:cNvPr id="1026" name="Picture 2" descr=".NET MAUI architecture diagram.">
+            <a:extLst>
+              <a:ext uri="{FF2B5EF4-FFF2-40B4-BE49-F238E27FC236}">
+                <a16:creationId xmlns:a16="http://schemas.microsoft.com/office/drawing/2014/main" id="{B7F639C0-54CC-726A-C6D3-FAB214E68079}"/>
+              </a:ext>
+            </a:extLst>
+          </p:cNvPr>
+          <p:cNvPicPr>
+            <a:picLocks noChangeAspect="1" noChangeArrowheads="1"/>
+          </p:cNvPicPr>
+          <p:nvPr/>
+        </p:nvPicPr>
+        <p:blipFill>
+          <a:blip r:embed="rId3">
+            <a:extLst>
+              <a:ext uri="{28A0092B-C50C-407E-A947-70E740481C1C}">
+                <a14:useLocalDpi xmlns:a14="http://schemas.microsoft.com/office/drawing/2010/main" val="0"/>
+              </a:ext>
+            </a:extLst>
+          </a:blip>
+          <a:srcRect/>
+          <a:stretch>
+            <a:fillRect/>
+          </a:stretch>
+        </p:blipFill>
+        <p:spPr bwMode="auto">
+          <a:xfrm>
+            <a:off x="1481582" y="1646041"/>
+            <a:ext cx="7278370" cy="4602359"/>
+          </a:xfrm>
+          <a:prstGeom prst="rect">
+            <a:avLst/>
+          </a:prstGeom>
+          <a:noFill/>
+          <a:extLst>
+            <a:ext uri="{909E8E84-426E-40DD-AFC4-6F175D3DCCD1}">
+              <a14:hiddenFill xmlns:a14="http://schemas.microsoft.com/office/drawing/2010/main">
+                <a:solidFill>
+                  <a:srgbClr val="FFFFFF"/>
+                </a:solidFill>
+              </a14:hiddenFill>
+            </a:ext>
+          </a:extLst>
+        </p:spPr>
+      </p:pic>
+    </p:spTree>
+    <p:extLst>
+      <p:ext uri="{BB962C8B-B14F-4D97-AF65-F5344CB8AC3E}">
+        <p14:creationId xmlns:p14="http://schemas.microsoft.com/office/powerpoint/2010/main" val="3709874976"/>
+      </p:ext>
+    </p:extLst>
+  </p:cSld>
+  <p:clrMapOvr>
+    <a:masterClrMapping/>
+  </p:clrMapOvr>
+</p:sld>
+</file>
+
+<file path=ppt/slides/slide4.xml><?xml version="1.0" encoding="utf-8"?>
+<p:sld xmlns:a="http://schemas.openxmlformats.org/drawingml/2006/main" xmlns:r="http://schemas.openxmlformats.org/officeDocument/2006/relationships" xmlns:p="http://schemas.openxmlformats.org/presentationml/2006/main">
+  <p:cSld>
+    <p:spTree>
+      <p:nvGrpSpPr>
+        <p:cNvPr id="1" name=""/>
+        <p:cNvGrpSpPr/>
+        <p:nvPr/>
+      </p:nvGrpSpPr>
+      <p:grpSpPr>
+        <a:xfrm>
+          <a:off x="0" y="0"/>
+          <a:ext cx="0" cy="0"/>
+          <a:chOff x="0" y="0"/>
+          <a:chExt cx="0" cy="0"/>
+        </a:xfrm>
+      </p:grpSpPr>
+      <p:sp>
+        <p:nvSpPr>
+          <p:cNvPr id="2" name="Titel 1">
+            <a:extLst>
+              <a:ext uri="{FF2B5EF4-FFF2-40B4-BE49-F238E27FC236}">
+                <a16:creationId xmlns:a16="http://schemas.microsoft.com/office/drawing/2014/main" id="{4F36960C-FB23-F440-5339-655BEFB73BC7}"/>
+              </a:ext>
+            </a:extLst>
+          </p:cNvPr>
+          <p:cNvSpPr>
+            <a:spLocks noGrp="1"/>
+          </p:cNvSpPr>
+          <p:nvPr>
+            <p:ph type="title"/>
+          </p:nvPr>
+        </p:nvSpPr>
+        <p:spPr/>
+        <p:txBody>
+          <a:bodyPr/>
+          <a:lstStyle/>
+          <a:p>
+            <a:r>
+              <a:rPr lang="de-DE" dirty="0"/>
+              <a:t>Vorstellung des Demo-Projekts</a:t>
+            </a:r>
+          </a:p>
+        </p:txBody>
+      </p:sp>
+      <p:grpSp>
+        <p:nvGrpSpPr>
+          <p:cNvPr id="7" name="Gruppieren 6">
+            <a:extLst>
+              <a:ext uri="{FF2B5EF4-FFF2-40B4-BE49-F238E27FC236}">
+                <a16:creationId xmlns:a16="http://schemas.microsoft.com/office/drawing/2014/main" id="{ACD285E2-1B24-A099-5FCC-4E73176F672E}"/>
+              </a:ext>
+            </a:extLst>
+          </p:cNvPr>
+          <p:cNvGrpSpPr/>
+          <p:nvPr/>
+        </p:nvGrpSpPr>
+        <p:grpSpPr>
+          <a:xfrm>
+            <a:off x="2417586" y="1711960"/>
+            <a:ext cx="4971299" cy="3231680"/>
+            <a:chOff x="3128786" y="1752600"/>
+            <a:chExt cx="4971299" cy="3231680"/>
+          </a:xfrm>
+        </p:grpSpPr>
+        <p:pic>
+          <p:nvPicPr>
+            <p:cNvPr id="2052" name="Picture 4">
+              <a:extLst>
+                <a:ext uri="{FF2B5EF4-FFF2-40B4-BE49-F238E27FC236}">
+                  <a16:creationId xmlns:a16="http://schemas.microsoft.com/office/drawing/2014/main" id="{9E2332B1-55E4-ECB7-5E70-9F29A3B94F7F}"/>
+                </a:ext>
+              </a:extLst>
+            </p:cNvPr>
+            <p:cNvPicPr>
+              <a:picLocks noChangeAspect="1" noChangeArrowheads="1"/>
+            </p:cNvPicPr>
+            <p:nvPr/>
+          </p:nvPicPr>
+          <p:blipFill rotWithShape="1">
+            <a:blip r:embed="rId3">
+              <a:extLst>
+                <a:ext uri="{28A0092B-C50C-407E-A947-70E740481C1C}">
+                  <a14:useLocalDpi xmlns:a14="http://schemas.microsoft.com/office/drawing/2010/main" val="0"/>
+                </a:ext>
+              </a:extLst>
+            </a:blip>
+            <a:srcRect l="20555" t="4157" r="19859" b="4078"/>
+            <a:stretch/>
+          </p:blipFill>
+          <p:spPr bwMode="auto">
+            <a:xfrm>
+              <a:off x="3128786" y="1752600"/>
+              <a:ext cx="4971299" cy="3062403"/>
+            </a:xfrm>
+            <a:prstGeom prst="rect">
+              <a:avLst/>
+            </a:prstGeom>
+            <a:noFill/>
+            <a:extLst>
+              <a:ext uri="{909E8E84-426E-40DD-AFC4-6F175D3DCCD1}">
+                <a14:hiddenFill xmlns:a14="http://schemas.microsoft.com/office/drawing/2010/main">
+                  <a:solidFill>
+                    <a:srgbClr val="FFFFFF"/>
+                  </a:solidFill>
+                </a14:hiddenFill>
+              </a:ext>
+            </a:extLst>
+          </p:spPr>
+        </p:pic>
+        <p:sp>
+          <p:nvSpPr>
+            <p:cNvPr id="6" name="Textfeld 5">
+              <a:extLst>
+                <a:ext uri="{FF2B5EF4-FFF2-40B4-BE49-F238E27FC236}">
+                  <a16:creationId xmlns:a16="http://schemas.microsoft.com/office/drawing/2014/main" id="{24498D47-80E7-6B6B-3EBB-D10E5B0B0BF8}"/>
+                </a:ext>
+              </a:extLst>
+            </p:cNvPr>
+            <p:cNvSpPr txBox="1"/>
+            <p:nvPr/>
+          </p:nvSpPr>
+          <p:spPr>
+            <a:xfrm>
+              <a:off x="3128786" y="4815003"/>
+              <a:ext cx="4947920" cy="169277"/>
+            </a:xfrm>
+            <a:prstGeom prst="rect">
+              <a:avLst/>
+            </a:prstGeom>
+            <a:noFill/>
+          </p:spPr>
+          <p:txBody>
+            <a:bodyPr wrap="square" rtlCol="0">
+              <a:spAutoFit/>
+            </a:bodyPr>
+            <a:lstStyle/>
+            <a:p>
+              <a:r>
+                <a:rPr lang="de-DE" sz="500" dirty="0">
+                  <a:hlinkClick r:id="rId4"/>
+                </a:rPr>
+                <a:t>https://www.toynk.com/blogs/news/best-disney-characters</a:t>
+              </a:r>
+              <a:endParaRPr lang="de-DE" sz="500" dirty="0"/>
+            </a:p>
+          </p:txBody>
+        </p:sp>
+      </p:grpSp>
+      <p:sp>
+        <p:nvSpPr>
+          <p:cNvPr id="8" name="Textfeld 7">
+            <a:extLst>
+              <a:ext uri="{FF2B5EF4-FFF2-40B4-BE49-F238E27FC236}">
+                <a16:creationId xmlns:a16="http://schemas.microsoft.com/office/drawing/2014/main" id="{9C473849-DB0C-795F-6B2C-1F4EA62C13BA}"/>
+              </a:ext>
+            </a:extLst>
+          </p:cNvPr>
+          <p:cNvSpPr txBox="1"/>
+          <p:nvPr/>
+        </p:nvSpPr>
+        <p:spPr>
+          <a:xfrm>
+            <a:off x="2468880" y="5202532"/>
+            <a:ext cx="6563360" cy="646331"/>
+          </a:xfrm>
+          <a:prstGeom prst="rect">
+            <a:avLst/>
+          </a:prstGeom>
+          <a:noFill/>
+        </p:spPr>
+        <p:txBody>
+          <a:bodyPr wrap="square" rtlCol="0">
+            <a:spAutoFit/>
+          </a:bodyPr>
+          <a:lstStyle/>
+          <a:p>
+            <a:r>
+              <a:rPr lang="de-DE" sz="3600" dirty="0">
+                <a:hlinkClick r:id="rId5"/>
+              </a:rPr>
+              <a:t>https://disneyapi.dev/</a:t>
+            </a:r>
+            <a:endParaRPr lang="de-DE" sz="3600" dirty="0"/>
+          </a:p>
+        </p:txBody>
+      </p:sp>
+      <p:sp>
+        <p:nvSpPr>
+          <p:cNvPr id="4" name="Inhaltsplatzhalter 3">
+            <a:extLst>
+              <a:ext uri="{FF2B5EF4-FFF2-40B4-BE49-F238E27FC236}">
+                <a16:creationId xmlns:a16="http://schemas.microsoft.com/office/drawing/2014/main" id="{F8C226B6-E3CA-D5F6-997C-7D75228E3531}"/>
+              </a:ext>
+            </a:extLst>
+          </p:cNvPr>
+          <p:cNvSpPr>
+            <a:spLocks noGrp="1"/>
+          </p:cNvSpPr>
+          <p:nvPr>
+            <p:ph idx="1"/>
+          </p:nvPr>
+        </p:nvSpPr>
+        <p:spPr/>
+        <p:txBody>
+          <a:bodyPr/>
+          <a:lstStyle/>
+          <a:p>
+            <a:endParaRPr lang="de-DE"/>
+          </a:p>
+        </p:txBody>
+      </p:sp>
+    </p:spTree>
+    <p:extLst>
+      <p:ext uri="{BB962C8B-B14F-4D97-AF65-F5344CB8AC3E}">
+        <p14:creationId xmlns:p14="http://schemas.microsoft.com/office/powerpoint/2010/main" val="367021386"/>
+      </p:ext>
+    </p:extLst>
+  </p:cSld>
+  <p:clrMapOvr>
+    <a:masterClrMapping/>
+  </p:clrMapOvr>
+  <p:timing>
+    <p:tnLst>
+      <p:par>
+        <p:cTn id="1" dur="indefinite" restart="never" nodeType="tmRoot">
+          <p:childTnLst>
+            <p:seq concurrent="1" nextAc="seek">
+              <p:cTn id="2" dur="indefinite" nodeType="mainSeq">
+                <p:childTnLst>
+                  <p:par>
+                    <p:cTn id="3" fill="hold">
+                      <p:stCondLst>
+                        <p:cond delay="indefinite"/>
+                        <p:cond evt="onBegin" delay="0">
+                          <p:tn val="2"/>
+                        </p:cond>
+                      </p:stCondLst>
+                      <p:childTnLst>
+                        <p:par>
+                          <p:cTn id="4" fill="hold">
+                            <p:stCondLst>
+                              <p:cond delay="0"/>
+                            </p:stCondLst>
+                            <p:childTnLst>
+                              <p:par>
+                                <p:cTn id="5" presetID="1" presetClass="entr" presetSubtype="0" fill="hold" nodeType="afterEffect">
+                                  <p:stCondLst>
+                                    <p:cond delay="0"/>
+                                  </p:stCondLst>
+                                  <p:childTnLst>
+                                    <p:set>
+                                      <p:cBhvr>
+                                        <p:cTn id="6" dur="1" fill="hold">
+                                          <p:stCondLst>
+                                            <p:cond delay="0"/>
+                                          </p:stCondLst>
+                                        </p:cTn>
+                                        <p:tgtEl>
+                                          <p:spTgt spid="7"/>
+                                        </p:tgtEl>
+                                        <p:attrNameLst>
+                                          <p:attrName>style.visibility</p:attrName>
+                                        </p:attrNameLst>
+                                      </p:cBhvr>
+                                      <p:to>
+                                        <p:strVal val="visible"/>
+                                      </p:to>
+                                    </p:set>
+                                  </p:childTnLst>
+                                </p:cTn>
+                              </p:par>
+                            </p:childTnLst>
+                          </p:cTn>
+                        </p:par>
+                      </p:childTnLst>
+                    </p:cTn>
+                  </p:par>
+                  <p:par>
+                    <p:cTn id="7" fill="hold">
+                      <p:stCondLst>
+                        <p:cond delay="indefinite"/>
+                      </p:stCondLst>
+                      <p:childTnLst>
+                        <p:par>
+                          <p:cTn id="8" fill="hold">
+                            <p:stCondLst>
+                              <p:cond delay="0"/>
+                            </p:stCondLst>
+                            <p:childTnLst>
+                              <p:par>
+                                <p:cTn id="9" presetID="2" presetClass="entr" presetSubtype="4" fill="hold" grpId="0" nodeType="clickEffect">
+                                  <p:stCondLst>
+                                    <p:cond delay="0"/>
+                                  </p:stCondLst>
+                                  <p:childTnLst>
+                                    <p:set>
+                                      <p:cBhvr>
+                                        <p:cTn id="10" dur="1" fill="hold">
+                                          <p:stCondLst>
+                                            <p:cond delay="0"/>
+                                          </p:stCondLst>
+                                        </p:cTn>
+                                        <p:tgtEl>
+                                          <p:spTgt spid="8"/>
+                                        </p:tgtEl>
+                                        <p:attrNameLst>
+                                          <p:attrName>style.visibility</p:attrName>
+                                        </p:attrNameLst>
+                                      </p:cBhvr>
+                                      <p:to>
+                                        <p:strVal val="visible"/>
+                                      </p:to>
+                                    </p:set>
+                                    <p:anim calcmode="lin" valueType="num">
+                                      <p:cBhvr additive="base">
+                                        <p:cTn id="11" dur="500" fill="hold"/>
+                                        <p:tgtEl>
+                                          <p:spTgt spid="8"/>
+                                        </p:tgtEl>
+                                        <p:attrNameLst>
+                                          <p:attrName>ppt_x</p:attrName>
+                                        </p:attrNameLst>
+                                      </p:cBhvr>
+                                      <p:tavLst>
+                                        <p:tav tm="0">
+                                          <p:val>
+                                            <p:strVal val="#ppt_x"/>
+                                          </p:val>
+                                        </p:tav>
+                                        <p:tav tm="100000">
+                                          <p:val>
+                                            <p:strVal val="#ppt_x"/>
+                                          </p:val>
+                                        </p:tav>
+                                      </p:tavLst>
+                                    </p:anim>
+                                    <p:anim calcmode="lin" valueType="num">
+                                      <p:cBhvr additive="base">
+                                        <p:cTn id="12" dur="500" fill="hold"/>
+                                        <p:tgtEl>
+                                          <p:spTgt spid="8"/>
+                                        </p:tgtEl>
+                                        <p:attrNameLst>
+                                          <p:attrName>ppt_y</p:attrName>
+                                        </p:attrNameLst>
+                                      </p:cBhvr>
+                                      <p:tavLst>
+                                        <p:tav tm="0">
+                                          <p:val>
+                                            <p:strVal val="1+#ppt_h/2"/>
+                                          </p:val>
+                                        </p:tav>
+                                        <p:tav tm="100000">
+                                          <p:val>
+                                            <p:strVal val="#ppt_y"/>
+                                          </p:val>
+                                        </p:tav>
+                                      </p:tavLst>
+                                    </p:anim>
+                                  </p:childTnLst>
+                                </p:cTn>
+                              </p:par>
+                            </p:childTnLst>
+                          </p:cTn>
+                        </p:par>
+                      </p:childTnLst>
+                    </p:cTn>
+                  </p:par>
+                </p:childTnLst>
+              </p:cTn>
+              <p:prevCondLst>
+                <p:cond evt="onPrev" delay="0">
+                  <p:tgtEl>
+                    <p:sldTgt/>
+                  </p:tgtEl>
+                </p:cond>
+              </p:prevCondLst>
+              <p:nextCondLst>
+                <p:cond evt="onNext" delay="0">
+                  <p:tgtEl>
+                    <p:sldTgt/>
+                  </p:tgtEl>
+                </p:cond>
+              </p:nextCondLst>
+            </p:seq>
+          </p:childTnLst>
+        </p:cTn>
+      </p:par>
+    </p:tnLst>
+    <p:bldLst>
+      <p:bldP spid="8" grpId="0"/>
+    </p:bldLst>
+  </p:timing>
+</p:sld>
+</file>
+
+<file path=ppt/slides/slide5.xml><?xml version="1.0" encoding="utf-8"?>
+<p:sld xmlns:a="http://schemas.openxmlformats.org/drawingml/2006/main" xmlns:r="http://schemas.openxmlformats.org/officeDocument/2006/relationships" xmlns:p="http://schemas.openxmlformats.org/presentationml/2006/main">
+  <p:cSld>
+    <p:spTree>
+      <p:nvGrpSpPr>
+        <p:cNvPr id="1" name=""/>
+        <p:cNvGrpSpPr/>
+        <p:nvPr/>
+      </p:nvGrpSpPr>
+      <p:grpSpPr>
+        <a:xfrm>
+          <a:off x="0" y="0"/>
+          <a:ext cx="0" cy="0"/>
+          <a:chOff x="0" y="0"/>
+          <a:chExt cx="0" cy="0"/>
+        </a:xfrm>
+      </p:grpSpPr>
+      <p:sp>
+        <p:nvSpPr>
+          <p:cNvPr id="2" name="Titel 1">
+            <a:extLst>
+              <a:ext uri="{FF2B5EF4-FFF2-40B4-BE49-F238E27FC236}">
+                <a16:creationId xmlns:a16="http://schemas.microsoft.com/office/drawing/2014/main" id="{35CCAE9F-8546-4986-A181-C44D2416B403}"/>
+              </a:ext>
+            </a:extLst>
+          </p:cNvPr>
+          <p:cNvSpPr>
+            <a:spLocks noGrp="1"/>
+          </p:cNvSpPr>
+          <p:nvPr>
+            <p:ph type="title"/>
+          </p:nvPr>
+        </p:nvSpPr>
+        <p:spPr>
+          <a:xfrm>
+            <a:off x="1043950" y="1179151"/>
+            <a:ext cx="3300646" cy="4463889"/>
+          </a:xfrm>
+        </p:spPr>
+        <p:txBody>
+          <a:bodyPr anchor="ctr">
+            <a:normAutofit/>
+          </a:bodyPr>
+          <a:lstStyle/>
+          <a:p>
+            <a:r>
+              <a:rPr lang="de-DE" b="1" dirty="0"/>
+              <a:t>Workshop Agenda</a:t>
+            </a:r>
+          </a:p>
+        </p:txBody>
+      </p:sp>
+      <p:sp>
+        <p:nvSpPr>
+          <p:cNvPr id="4" name="Inhaltsplatzhalter 3">
+            <a:extLst>
+              <a:ext uri="{FF2B5EF4-FFF2-40B4-BE49-F238E27FC236}">
+                <a16:creationId xmlns:a16="http://schemas.microsoft.com/office/drawing/2014/main" id="{DA58E82B-8941-40DB-9C79-2AAFACA62195}"/>
+              </a:ext>
+            </a:extLst>
+          </p:cNvPr>
+          <p:cNvSpPr>
+            <a:spLocks noGrp="1"/>
+          </p:cNvSpPr>
+          <p:nvPr>
+            <p:ph idx="1"/>
+          </p:nvPr>
+        </p:nvSpPr>
+        <p:spPr>
+          <a:xfrm>
+            <a:off x="4978918" y="1109145"/>
+            <a:ext cx="6341016" cy="4603900"/>
+          </a:xfrm>
+        </p:spPr>
+        <p:txBody>
+          <a:bodyPr anchor="ctr">
+            <a:normAutofit/>
+          </a:bodyPr>
+          <a:lstStyle/>
+          <a:p>
+            <a:pPr lvl="0">
+              <a:buSzPct val="80000"/>
+              <a:buFont typeface="Wingdings" panose="05000000000000000000" pitchFamily="2" charset="2"/>
+              <a:buChar char="Ø"/>
+            </a:pPr>
+            <a:r>
+              <a:rPr lang="en-US" dirty="0">
+                <a:solidFill>
+                  <a:schemeClr val="tx1">
+                    <a:lumMod val="75000"/>
+                    <a:lumOff val="25000"/>
+                    <a:alpha val="34000"/>
+                  </a:schemeClr>
+                </a:solidFill>
+              </a:rPr>
+              <a:t>.NET Multi-platform App UI</a:t>
+            </a:r>
+          </a:p>
+          <a:p>
+            <a:pPr lvl="0">
+              <a:buSzPct val="80000"/>
+              <a:buFont typeface="Wingdings" panose="05000000000000000000" pitchFamily="2" charset="2"/>
+              <a:buChar char="Ø"/>
+            </a:pPr>
+            <a:r>
+              <a:rPr lang="en-US" dirty="0" err="1">
+                <a:solidFill>
+                  <a:schemeClr val="tx1">
+                    <a:lumMod val="75000"/>
+                    <a:lumOff val="25000"/>
+                    <a:alpha val="34000"/>
+                  </a:schemeClr>
+                </a:solidFill>
+              </a:rPr>
+              <a:t>Vorstellung</a:t>
+            </a:r>
+            <a:r>
+              <a:rPr lang="en-US" dirty="0">
+                <a:solidFill>
+                  <a:schemeClr val="tx1">
+                    <a:lumMod val="75000"/>
+                    <a:lumOff val="25000"/>
+                    <a:alpha val="34000"/>
+                  </a:schemeClr>
+                </a:solidFill>
+              </a:rPr>
+              <a:t> des </a:t>
+            </a:r>
+            <a:r>
+              <a:rPr lang="en-US" dirty="0" err="1">
+                <a:solidFill>
+                  <a:schemeClr val="tx1">
+                    <a:lumMod val="75000"/>
+                    <a:lumOff val="25000"/>
+                    <a:alpha val="34000"/>
+                  </a:schemeClr>
+                </a:solidFill>
+              </a:rPr>
+              <a:t>Demoprojekts</a:t>
+            </a:r>
+            <a:endParaRPr lang="en-US" dirty="0">
+              <a:solidFill>
+                <a:schemeClr val="tx1">
+                  <a:lumMod val="75000"/>
+                  <a:lumOff val="25000"/>
+                  <a:alpha val="34000"/>
+                </a:schemeClr>
+              </a:solidFill>
+            </a:endParaRPr>
+          </a:p>
+          <a:p>
+            <a:pPr lvl="0">
+              <a:buSzPct val="80000"/>
+              <a:buFont typeface="Wingdings" panose="05000000000000000000" pitchFamily="2" charset="2"/>
+              <a:buChar char="Ø"/>
+            </a:pPr>
+            <a:r>
+              <a:rPr lang="en-US" dirty="0" err="1"/>
+              <a:t>Erstellen</a:t>
+            </a:r>
+            <a:r>
+              <a:rPr lang="en-US" dirty="0"/>
+              <a:t> </a:t>
+            </a:r>
+            <a:r>
+              <a:rPr lang="en-US" dirty="0" err="1"/>
+              <a:t>einer</a:t>
+            </a:r>
+            <a:r>
+              <a:rPr lang="en-US" dirty="0"/>
+              <a:t> .NET MAUI App</a:t>
+            </a:r>
+          </a:p>
+          <a:p>
+            <a:pPr lvl="0">
+              <a:buSzPct val="80000"/>
+              <a:buFont typeface="Wingdings" panose="05000000000000000000" pitchFamily="2" charset="2"/>
+              <a:buChar char="Ø"/>
+            </a:pPr>
+            <a:r>
+              <a:rPr lang="en-US" dirty="0" err="1">
+                <a:solidFill>
+                  <a:schemeClr val="tx1">
+                    <a:lumMod val="75000"/>
+                    <a:lumOff val="25000"/>
+                    <a:alpha val="34000"/>
+                  </a:schemeClr>
+                </a:solidFill>
+              </a:rPr>
+              <a:t>Implementierung</a:t>
+            </a:r>
+            <a:r>
+              <a:rPr lang="en-US" dirty="0">
+                <a:solidFill>
+                  <a:schemeClr val="tx1">
+                    <a:lumMod val="75000"/>
+                    <a:lumOff val="25000"/>
+                    <a:alpha val="34000"/>
+                  </a:schemeClr>
+                </a:solidFill>
+              </a:rPr>
+              <a:t> </a:t>
+            </a:r>
+            <a:r>
+              <a:rPr lang="en-US" dirty="0" err="1">
+                <a:solidFill>
+                  <a:schemeClr val="tx1">
+                    <a:lumMod val="75000"/>
+                    <a:lumOff val="25000"/>
+                    <a:alpha val="34000"/>
+                  </a:schemeClr>
+                </a:solidFill>
+              </a:rPr>
+              <a:t>unserer</a:t>
+            </a:r>
+            <a:r>
+              <a:rPr lang="en-US" dirty="0">
+                <a:solidFill>
+                  <a:schemeClr val="tx1">
+                    <a:lumMod val="75000"/>
+                    <a:lumOff val="25000"/>
+                    <a:alpha val="34000"/>
+                  </a:schemeClr>
+                </a:solidFill>
+              </a:rPr>
+              <a:t> .NET MAUI App</a:t>
+            </a:r>
+          </a:p>
+          <a:p>
+            <a:pPr lvl="0">
+              <a:buSzPct val="80000"/>
+              <a:buFont typeface="Wingdings" panose="05000000000000000000" pitchFamily="2" charset="2"/>
+              <a:buChar char="Ø"/>
+            </a:pPr>
+            <a:r>
+              <a:rPr lang="en-US" dirty="0" err="1">
+                <a:solidFill>
+                  <a:schemeClr val="tx1">
+                    <a:lumMod val="75000"/>
+                    <a:lumOff val="25000"/>
+                    <a:alpha val="34000"/>
+                  </a:schemeClr>
+                </a:solidFill>
+              </a:rPr>
+              <a:t>Ausblick</a:t>
+            </a:r>
+            <a:endParaRPr lang="en-US" dirty="0">
+              <a:solidFill>
+                <a:schemeClr val="tx1">
+                  <a:lumMod val="75000"/>
+                  <a:lumOff val="25000"/>
+                  <a:alpha val="34000"/>
+                </a:schemeClr>
+              </a:solidFill>
+            </a:endParaRPr>
+          </a:p>
+        </p:txBody>
+      </p:sp>
+      <p:sp>
+        <p:nvSpPr>
+          <p:cNvPr id="3" name="Textfeld 2">
+            <a:extLst>
+              <a:ext uri="{FF2B5EF4-FFF2-40B4-BE49-F238E27FC236}">
+                <a16:creationId xmlns:a16="http://schemas.microsoft.com/office/drawing/2014/main" id="{D4E63E0D-E28A-1763-8265-B24A040605F4}"/>
+              </a:ext>
+            </a:extLst>
+          </p:cNvPr>
+          <p:cNvSpPr txBox="1"/>
+          <p:nvPr/>
+        </p:nvSpPr>
+        <p:spPr>
+          <a:xfrm>
+            <a:off x="11035914" y="5944368"/>
+            <a:ext cx="1099896" cy="584775"/>
+          </a:xfrm>
+          <a:prstGeom prst="rect">
+            <a:avLst/>
+          </a:prstGeom>
+          <a:noFill/>
+        </p:spPr>
+        <p:txBody>
+          <a:bodyPr rot="0" spcFirstLastPara="0" vertOverflow="overflow" horzOverflow="overflow" vert="horz" wrap="square" lIns="91440" tIns="45720" rIns="91440" bIns="45720" numCol="1" spcCol="0" rtlCol="0" fromWordArt="0" anchor="t" anchorCtr="0" forceAA="0" compatLnSpc="1">
+            <a:prstTxWarp prst="textNoShape">
+              <a:avLst/>
+            </a:prstTxWarp>
+            <a:spAutoFit/>
+          </a:bodyPr>
+          <a:lstStyle/>
+          <a:p>
+            <a:pPr algn="l"/>
+            <a:r>
+              <a:rPr lang="de-DE" sz="3200" dirty="0" err="1">
+                <a:solidFill>
+                  <a:schemeClr val="bg1"/>
+                </a:solidFill>
+                <a:latin typeface="Edwardian Script ITC"/>
+              </a:rPr>
+              <a:t>Cayas</a:t>
+            </a:r>
+            <a:endParaRPr lang="de-DE" sz="3200" dirty="0">
+              <a:solidFill>
+                <a:schemeClr val="bg1"/>
+              </a:solidFill>
+              <a:latin typeface="Edwardian Script ITC"/>
+            </a:endParaRPr>
+          </a:p>
+        </p:txBody>
+      </p:sp>
+    </p:spTree>
+    <p:extLst>
+      <p:ext uri="{BB962C8B-B14F-4D97-AF65-F5344CB8AC3E}">
+        <p14:creationId xmlns:p14="http://schemas.microsoft.com/office/powerpoint/2010/main" val="3248620658"/>
+      </p:ext>
+    </p:extLst>
+  </p:cSld>
+  <p:clrMapOvr>
+    <a:masterClrMapping/>
+  </p:clrMapOvr>
+</p:sld>
+</file>
+
+<file path=ppt/slides/slide6.xml><?xml version="1.0" encoding="utf-8"?>
+<p:sld xmlns:a="http://schemas.openxmlformats.org/drawingml/2006/main" xmlns:r="http://schemas.openxmlformats.org/officeDocument/2006/relationships" xmlns:p="http://schemas.openxmlformats.org/presentationml/2006/main">
+  <p:cSld>
+    <p:spTree>
+      <p:nvGrpSpPr>
+        <p:cNvPr id="1" name=""/>
+        <p:cNvGrpSpPr/>
+        <p:nvPr/>
+      </p:nvGrpSpPr>
+      <p:grpSpPr>
+        <a:xfrm>
+          <a:off x="0" y="0"/>
+          <a:ext cx="0" cy="0"/>
+          <a:chOff x="0" y="0"/>
+          <a:chExt cx="0" cy="0"/>
+        </a:xfrm>
+      </p:grpSpPr>
+      <p:sp>
+        <p:nvSpPr>
+          <p:cNvPr id="2" name="Titel 1">
+            <a:extLst>
+              <a:ext uri="{FF2B5EF4-FFF2-40B4-BE49-F238E27FC236}">
+                <a16:creationId xmlns:a16="http://schemas.microsoft.com/office/drawing/2014/main" id="{35CCAE9F-8546-4986-A181-C44D2416B403}"/>
+              </a:ext>
+            </a:extLst>
+          </p:cNvPr>
+          <p:cNvSpPr>
+            <a:spLocks noGrp="1"/>
+          </p:cNvSpPr>
+          <p:nvPr>
+            <p:ph type="title"/>
+          </p:nvPr>
+        </p:nvSpPr>
+        <p:spPr>
+          <a:xfrm>
+            <a:off x="591015" y="1179152"/>
+            <a:ext cx="4103647" cy="3950410"/>
+          </a:xfrm>
+          <a:ln>
+            <a:noFill/>
+          </a:ln>
+        </p:spPr>
+        <p:txBody>
+          <a:bodyPr anchor="ctr">
+            <a:normAutofit/>
+          </a:bodyPr>
+          <a:lstStyle/>
+          <a:p>
+            <a:r>
+              <a:rPr lang="de-DE" b="1" dirty="0"/>
+              <a:t>Aufgabe!</a:t>
+            </a:r>
+            <a:br>
+              <a:rPr lang="de-DE" b="1" dirty="0"/>
+            </a:br>
+            <a:r>
+              <a:rPr lang="de-DE" sz="2000" b="1" dirty="0">
+                <a:solidFill>
+                  <a:schemeClr val="accent2">
+                    <a:lumMod val="40000"/>
+                    <a:lumOff val="60000"/>
+                  </a:schemeClr>
+                </a:solidFill>
+              </a:rPr>
+              <a:t>Erstellen einer .NET MAUI App</a:t>
+            </a:r>
+            <a:endParaRPr lang="de-DE" b="1" dirty="0">
+              <a:solidFill>
+                <a:schemeClr val="accent2">
+                  <a:lumMod val="40000"/>
+                  <a:lumOff val="60000"/>
+                </a:schemeClr>
+              </a:solidFill>
+            </a:endParaRPr>
+          </a:p>
+        </p:txBody>
+      </p:sp>
+      <p:sp>
+        <p:nvSpPr>
+          <p:cNvPr id="4" name="Inhaltsplatzhalter 3">
+            <a:extLst>
+              <a:ext uri="{FF2B5EF4-FFF2-40B4-BE49-F238E27FC236}">
+                <a16:creationId xmlns:a16="http://schemas.microsoft.com/office/drawing/2014/main" id="{DA58E82B-8941-40DB-9C79-2AAFACA62195}"/>
+              </a:ext>
+            </a:extLst>
+          </p:cNvPr>
+          <p:cNvSpPr>
+            <a:spLocks noGrp="1"/>
+          </p:cNvSpPr>
+          <p:nvPr>
+            <p:ph idx="1"/>
+          </p:nvPr>
+        </p:nvSpPr>
+        <p:spPr>
+          <a:xfrm>
+            <a:off x="4978918" y="1109145"/>
+            <a:ext cx="4733794" cy="4603900"/>
+          </a:xfrm>
+        </p:spPr>
+        <p:txBody>
+          <a:bodyPr anchor="ctr">
+            <a:normAutofit/>
+          </a:bodyPr>
+          <a:lstStyle/>
+          <a:p>
+            <a:pPr lvl="0">
+              <a:buSzPct val="80000"/>
+              <a:buFont typeface="Wingdings" panose="05000000000000000000" pitchFamily="2" charset="2"/>
+              <a:buChar char="Ø"/>
+            </a:pPr>
+            <a:r>
+              <a:rPr lang="en-US" dirty="0" err="1"/>
+              <a:t>Erstelle</a:t>
+            </a:r>
+            <a:r>
+              <a:rPr lang="en-US" dirty="0"/>
+              <a:t> in Visual Studio </a:t>
+            </a:r>
+            <a:r>
+              <a:rPr lang="en-US" dirty="0" err="1"/>
+              <a:t>eine</a:t>
+            </a:r>
+            <a:r>
+              <a:rPr lang="en-US" dirty="0"/>
+              <a:t> </a:t>
+            </a:r>
+            <a:r>
+              <a:rPr lang="en-US" dirty="0" err="1"/>
+              <a:t>neue</a:t>
+            </a:r>
+            <a:r>
+              <a:rPr lang="en-US" dirty="0"/>
+              <a:t> .NET MAUI App</a:t>
+            </a:r>
+          </a:p>
+          <a:p>
+            <a:pPr lvl="0">
+              <a:buSzPct val="80000"/>
+              <a:buFont typeface="Wingdings" panose="05000000000000000000" pitchFamily="2" charset="2"/>
+              <a:buChar char="Ø"/>
+            </a:pPr>
+            <a:r>
+              <a:rPr lang="en-US" dirty="0" err="1"/>
+              <a:t>Führe</a:t>
+            </a:r>
+            <a:r>
+              <a:rPr lang="en-US" dirty="0"/>
+              <a:t> die App auf </a:t>
+            </a:r>
+            <a:r>
+              <a:rPr lang="en-US" dirty="0" err="1"/>
+              <a:t>mindestens</a:t>
+            </a:r>
+            <a:r>
+              <a:rPr lang="en-US" dirty="0"/>
+              <a:t> </a:t>
+            </a:r>
+            <a:r>
+              <a:rPr lang="en-US" dirty="0" err="1"/>
+              <a:t>einer</a:t>
+            </a:r>
+            <a:r>
+              <a:rPr lang="en-US" dirty="0"/>
+              <a:t> Platform </a:t>
+            </a:r>
+            <a:r>
+              <a:rPr lang="en-US" dirty="0" err="1"/>
+              <a:t>aus</a:t>
+            </a:r>
+            <a:endParaRPr lang="en-US" dirty="0"/>
+          </a:p>
+          <a:p>
+            <a:pPr lvl="0">
+              <a:buSzPct val="80000"/>
+              <a:buFont typeface="Wingdings" panose="05000000000000000000" pitchFamily="2" charset="2"/>
+              <a:buChar char="Ø"/>
+            </a:pPr>
+            <a:r>
+              <a:rPr lang="en-US" dirty="0"/>
+              <a:t>Mache dich </a:t>
+            </a:r>
+            <a:r>
+              <a:rPr lang="en-US" dirty="0" err="1"/>
+              <a:t>mit</a:t>
+            </a:r>
+            <a:r>
+              <a:rPr lang="en-US" dirty="0"/>
+              <a:t> der </a:t>
+            </a:r>
+            <a:r>
+              <a:rPr lang="en-US" dirty="0" err="1"/>
+              <a:t>Projektstruktur</a:t>
+            </a:r>
+            <a:r>
+              <a:rPr lang="en-US" dirty="0"/>
+              <a:t> </a:t>
+            </a:r>
+            <a:r>
+              <a:rPr lang="en-US" dirty="0" err="1"/>
+              <a:t>vertaut</a:t>
+            </a:r>
+            <a:r>
+              <a:rPr lang="en-US" dirty="0"/>
+              <a:t>.</a:t>
+            </a:r>
+            <a:br>
+              <a:rPr lang="en-US" dirty="0"/>
+            </a:br>
+            <a:r>
+              <a:rPr lang="en-US" dirty="0" err="1"/>
+              <a:t>Findest</a:t>
+            </a:r>
+            <a:r>
+              <a:rPr lang="en-US" dirty="0"/>
+              <a:t> du den </a:t>
+            </a:r>
+            <a:r>
+              <a:rPr lang="en-US" dirty="0" err="1"/>
+              <a:t>Programm-Einstiegspunkt</a:t>
+            </a:r>
+            <a:r>
+              <a:rPr lang="en-US" dirty="0"/>
+              <a:t>?</a:t>
+            </a:r>
+          </a:p>
+        </p:txBody>
+      </p:sp>
+      <p:sp>
+        <p:nvSpPr>
+          <p:cNvPr id="3" name="Textfeld 2">
+            <a:extLst>
+              <a:ext uri="{FF2B5EF4-FFF2-40B4-BE49-F238E27FC236}">
+                <a16:creationId xmlns:a16="http://schemas.microsoft.com/office/drawing/2014/main" id="{D4E63E0D-E28A-1763-8265-B24A040605F4}"/>
+              </a:ext>
+            </a:extLst>
+          </p:cNvPr>
+          <p:cNvSpPr txBox="1"/>
+          <p:nvPr/>
+        </p:nvSpPr>
+        <p:spPr>
+          <a:xfrm>
+            <a:off x="11035914" y="5944368"/>
+            <a:ext cx="1099896" cy="584775"/>
+          </a:xfrm>
+          <a:prstGeom prst="rect">
+            <a:avLst/>
+          </a:prstGeom>
+          <a:noFill/>
+        </p:spPr>
+        <p:txBody>
+          <a:bodyPr rot="0" spcFirstLastPara="0" vertOverflow="overflow" horzOverflow="overflow" vert="horz" wrap="square" lIns="91440" tIns="45720" rIns="91440" bIns="45720" numCol="1" spcCol="0" rtlCol="0" fromWordArt="0" anchor="t" anchorCtr="0" forceAA="0" compatLnSpc="1">
+            <a:prstTxWarp prst="textNoShape">
+              <a:avLst/>
+            </a:prstTxWarp>
+            <a:spAutoFit/>
+          </a:bodyPr>
+          <a:lstStyle/>
+          <a:p>
+            <a:pPr algn="l"/>
+            <a:r>
+              <a:rPr lang="de-DE" sz="3200" dirty="0" err="1">
+                <a:solidFill>
+                  <a:schemeClr val="bg1"/>
+                </a:solidFill>
+                <a:latin typeface="Edwardian Script ITC"/>
+              </a:rPr>
+              <a:t>Cayas</a:t>
+            </a:r>
+            <a:endParaRPr lang="de-DE" sz="3200" dirty="0">
+              <a:solidFill>
+                <a:schemeClr val="bg1"/>
+              </a:solidFill>
+              <a:latin typeface="Edwardian Script ITC"/>
+            </a:endParaRPr>
+          </a:p>
+        </p:txBody>
+      </p:sp>
+    </p:spTree>
+    <p:extLst>
+      <p:ext uri="{BB962C8B-B14F-4D97-AF65-F5344CB8AC3E}">
+        <p14:creationId xmlns:p14="http://schemas.microsoft.com/office/powerpoint/2010/main" val="2967761073"/>
+      </p:ext>
+    </p:extLst>
+  </p:cSld>
+  <p:clrMapOvr>
+    <a:masterClrMapping/>
+  </p:clrMapOvr>
+</p:sld>
+</file>
+
+<file path=ppt/slides/slide7.xml><?xml version="1.0" encoding="utf-8"?>
+<p:sld xmlns:a="http://schemas.openxmlformats.org/drawingml/2006/main" xmlns:r="http://schemas.openxmlformats.org/officeDocument/2006/relationships" xmlns:p="http://schemas.openxmlformats.org/presentationml/2006/main">
+  <p:cSld>
+    <p:spTree>
+      <p:nvGrpSpPr>
+        <p:cNvPr id="1" name=""/>
+        <p:cNvGrpSpPr/>
+        <p:nvPr/>
+      </p:nvGrpSpPr>
+      <p:grpSpPr>
+        <a:xfrm>
+          <a:off x="0" y="0"/>
+          <a:ext cx="0" cy="0"/>
+          <a:chOff x="0" y="0"/>
+          <a:chExt cx="0" cy="0"/>
+        </a:xfrm>
+      </p:grpSpPr>
+      <p:pic>
+        <p:nvPicPr>
+          <p:cNvPr id="45" name="Grafik 44">
+            <a:extLst>
+              <a:ext uri="{FF2B5EF4-FFF2-40B4-BE49-F238E27FC236}">
+                <a16:creationId xmlns:a16="http://schemas.microsoft.com/office/drawing/2014/main" id="{280311E9-19FB-F9B6-CD90-D954D6CFB8B7}"/>
+              </a:ext>
+            </a:extLst>
+          </p:cNvPr>
+          <p:cNvPicPr>
+            <a:picLocks noChangeAspect="1"/>
+          </p:cNvPicPr>
+          <p:nvPr/>
+        </p:nvPicPr>
+        <p:blipFill rotWithShape="1">
+          <a:blip r:embed="rId3">
+            <a:extLst>
+              <a:ext uri="{28A0092B-C50C-407E-A947-70E740481C1C}">
+                <a14:useLocalDpi xmlns:a14="http://schemas.microsoft.com/office/drawing/2010/main" val="0"/>
+              </a:ext>
+            </a:extLst>
+          </a:blip>
+          <a:srcRect l="75751"/>
+          <a:stretch/>
+        </p:blipFill>
+        <p:spPr>
+          <a:xfrm>
+            <a:off x="7196328" y="2235828"/>
+            <a:ext cx="2094991" cy="3384000"/>
+          </a:xfrm>
+          <a:prstGeom prst="rect">
+            <a:avLst/>
+          </a:prstGeom>
+        </p:spPr>
+      </p:pic>
+      <p:sp>
+        <p:nvSpPr>
+          <p:cNvPr id="2" name="Titel 1">
+            <a:extLst>
+              <a:ext uri="{FF2B5EF4-FFF2-40B4-BE49-F238E27FC236}">
+                <a16:creationId xmlns:a16="http://schemas.microsoft.com/office/drawing/2014/main" id="{ED667979-4022-46A5-8033-B73B1100D5FE}"/>
+              </a:ext>
+            </a:extLst>
+          </p:cNvPr>
+          <p:cNvSpPr>
+            <a:spLocks noGrp="1"/>
+          </p:cNvSpPr>
+          <p:nvPr>
+            <p:ph type="title"/>
+          </p:nvPr>
+        </p:nvSpPr>
+        <p:spPr/>
+        <p:txBody>
+          <a:bodyPr/>
+          <a:lstStyle/>
+          <a:p>
+            <a:pPr algn="ctr"/>
+            <a:r>
+              <a:rPr lang="de-DE" dirty="0"/>
+              <a:t>Pages</a:t>
+            </a:r>
+          </a:p>
+        </p:txBody>
+      </p:sp>
+      <p:pic>
+        <p:nvPicPr>
+          <p:cNvPr id="43" name="Grafik 42">
+            <a:extLst>
+              <a:ext uri="{FF2B5EF4-FFF2-40B4-BE49-F238E27FC236}">
+                <a16:creationId xmlns:a16="http://schemas.microsoft.com/office/drawing/2014/main" id="{1A4514BF-A95A-E2C6-47D1-BEA7FCB0E1C1}"/>
+              </a:ext>
+            </a:extLst>
+          </p:cNvPr>
+          <p:cNvPicPr>
+            <a:picLocks noChangeAspect="1"/>
+          </p:cNvPicPr>
+          <p:nvPr/>
+        </p:nvPicPr>
+        <p:blipFill rotWithShape="1">
+          <a:blip r:embed="rId4">
+            <a:extLst>
+              <a:ext uri="{28A0092B-C50C-407E-A947-70E740481C1C}">
+                <a14:useLocalDpi xmlns:a14="http://schemas.microsoft.com/office/drawing/2010/main" val="0"/>
+              </a:ext>
+            </a:extLst>
+          </a:blip>
+          <a:srcRect l="51215" r="23470"/>
+          <a:stretch/>
+        </p:blipFill>
+        <p:spPr>
+          <a:xfrm>
+            <a:off x="5201635" y="2235828"/>
+            <a:ext cx="2187108" cy="3384000"/>
+          </a:xfrm>
+          <a:prstGeom prst="rect">
+            <a:avLst/>
+          </a:prstGeom>
+        </p:spPr>
+      </p:pic>
+      <p:pic>
+        <p:nvPicPr>
+          <p:cNvPr id="13" name="Grafik 12">
+            <a:extLst>
+              <a:ext uri="{FF2B5EF4-FFF2-40B4-BE49-F238E27FC236}">
+                <a16:creationId xmlns:a16="http://schemas.microsoft.com/office/drawing/2014/main" id="{98ABA60E-4FD5-0B4A-082D-BBF4764F1413}"/>
+              </a:ext>
+            </a:extLst>
+          </p:cNvPr>
+          <p:cNvPicPr>
+            <a:picLocks noChangeAspect="1"/>
+          </p:cNvPicPr>
+          <p:nvPr/>
+        </p:nvPicPr>
+        <p:blipFill rotWithShape="1">
+          <a:blip r:embed="rId5">
+            <a:extLst>
+              <a:ext uri="{28A0092B-C50C-407E-A947-70E740481C1C}">
+                <a14:useLocalDpi xmlns:a14="http://schemas.microsoft.com/office/drawing/2010/main" val="0"/>
+              </a:ext>
+            </a:extLst>
+          </a:blip>
+          <a:srcRect l="24057" r="51366"/>
+          <a:stretch/>
+        </p:blipFill>
+        <p:spPr>
+          <a:xfrm>
+            <a:off x="3126326" y="2235828"/>
+            <a:ext cx="2123413" cy="3384000"/>
+          </a:xfrm>
+          <a:prstGeom prst="rect">
+            <a:avLst/>
+          </a:prstGeom>
+        </p:spPr>
+      </p:pic>
+      <p:pic>
+        <p:nvPicPr>
+          <p:cNvPr id="11" name="Grafik 10">
+            <a:extLst>
+              <a:ext uri="{FF2B5EF4-FFF2-40B4-BE49-F238E27FC236}">
+                <a16:creationId xmlns:a16="http://schemas.microsoft.com/office/drawing/2014/main" id="{2F6B8F74-F3E9-07AF-8E5D-EDA5A78B67C6}"/>
+              </a:ext>
+            </a:extLst>
+          </p:cNvPr>
+          <p:cNvPicPr>
+            <a:picLocks noChangeAspect="1"/>
+          </p:cNvPicPr>
+          <p:nvPr/>
+        </p:nvPicPr>
+        <p:blipFill rotWithShape="1">
+          <a:blip r:embed="rId6">
+            <a:extLst>
+              <a:ext uri="{28A0092B-C50C-407E-A947-70E740481C1C}">
+                <a14:useLocalDpi xmlns:a14="http://schemas.microsoft.com/office/drawing/2010/main" val="0"/>
+              </a:ext>
+            </a:extLst>
+          </a:blip>
+          <a:srcRect r="75943"/>
+          <a:stretch/>
+        </p:blipFill>
+        <p:spPr>
+          <a:xfrm>
+            <a:off x="1096011" y="2235828"/>
+            <a:ext cx="2078419" cy="3384000"/>
+          </a:xfrm>
+          <a:prstGeom prst="rect">
+            <a:avLst/>
+          </a:prstGeom>
+        </p:spPr>
+      </p:pic>
+    </p:spTree>
+    <p:extLst>
+      <p:ext uri="{BB962C8B-B14F-4D97-AF65-F5344CB8AC3E}">
+        <p14:creationId xmlns:p14="http://schemas.microsoft.com/office/powerpoint/2010/main" val="2556061843"/>
+      </p:ext>
+    </p:extLst>
+  </p:cSld>
+  <p:clrMapOvr>
+    <a:masterClrMapping/>
+  </p:clrMapOvr>
+</p:sld>
+</file>
+
+<file path=ppt/slides/slide8.xml><?xml version="1.0" encoding="utf-8"?>
+<p:sld xmlns:a="http://schemas.openxmlformats.org/drawingml/2006/main" xmlns:r="http://schemas.openxmlformats.org/officeDocument/2006/relationships" xmlns:p="http://schemas.openxmlformats.org/presentationml/2006/main">
+  <p:cSld>
+    <p:spTree>
+      <p:nvGrpSpPr>
+        <p:cNvPr id="1" name=""/>
+        <p:cNvGrpSpPr/>
+        <p:nvPr/>
+      </p:nvGrpSpPr>
+      <p:grpSpPr>
+        <a:xfrm>
+          <a:off x="0" y="0"/>
+          <a:ext cx="0" cy="0"/>
+          <a:chOff x="0" y="0"/>
+          <a:chExt cx="0" cy="0"/>
+        </a:xfrm>
+      </p:grpSpPr>
+      <p:sp>
+        <p:nvSpPr>
+          <p:cNvPr id="2" name="Titel 1">
+            <a:extLst>
+              <a:ext uri="{FF2B5EF4-FFF2-40B4-BE49-F238E27FC236}">
+                <a16:creationId xmlns:a16="http://schemas.microsoft.com/office/drawing/2014/main" id="{ED667979-4022-46A5-8033-B73B1100D5FE}"/>
+              </a:ext>
+            </a:extLst>
+          </p:cNvPr>
+          <p:cNvSpPr>
+            <a:spLocks noGrp="1"/>
+          </p:cNvSpPr>
+          <p:nvPr>
+            <p:ph type="title"/>
+          </p:nvPr>
+        </p:nvSpPr>
+        <p:spPr/>
+        <p:txBody>
+          <a:bodyPr/>
+          <a:lstStyle/>
+          <a:p>
+            <a:pPr algn="ctr"/>
+            <a:r>
+              <a:rPr lang="de-DE" dirty="0"/>
+              <a:t>Layouts</a:t>
+            </a:r>
+          </a:p>
+        </p:txBody>
+      </p:sp>
+      <p:pic>
+        <p:nvPicPr>
+          <p:cNvPr id="4" name="Grafik 3">
+            <a:extLst>
+              <a:ext uri="{FF2B5EF4-FFF2-40B4-BE49-F238E27FC236}">
+                <a16:creationId xmlns:a16="http://schemas.microsoft.com/office/drawing/2014/main" id="{4EDB9782-1185-3974-1B74-8DC60E5B05F5}"/>
+              </a:ext>
+            </a:extLst>
+          </p:cNvPr>
+          <p:cNvPicPr>
+            <a:picLocks noChangeAspect="1"/>
+          </p:cNvPicPr>
+          <p:nvPr/>
+        </p:nvPicPr>
+        <p:blipFill rotWithShape="1">
+          <a:blip r:embed="rId3">
+            <a:extLst>
+              <a:ext uri="{28A0092B-C50C-407E-A947-70E740481C1C}">
+                <a14:useLocalDpi xmlns:a14="http://schemas.microsoft.com/office/drawing/2010/main" val="0"/>
+              </a:ext>
+            </a:extLst>
+          </a:blip>
+          <a:srcRect r="2785"/>
+          <a:stretch/>
+        </p:blipFill>
+        <p:spPr>
+          <a:xfrm>
+            <a:off x="815594" y="2285640"/>
+            <a:ext cx="8338624" cy="3384000"/>
+          </a:xfrm>
+          <a:prstGeom prst="rect">
+            <a:avLst/>
+          </a:prstGeom>
+        </p:spPr>
+      </p:pic>
+    </p:spTree>
+    <p:extLst>
+      <p:ext uri="{BB962C8B-B14F-4D97-AF65-F5344CB8AC3E}">
+        <p14:creationId xmlns:p14="http://schemas.microsoft.com/office/powerpoint/2010/main" val="1035624221"/>
+      </p:ext>
+    </p:extLst>
+  </p:cSld>
+  <p:clrMapOvr>
+    <a:masterClrMapping/>
+  </p:clrMapOvr>
+</p:sld>
+</file>
+
+<file path=ppt/slides/slide9.xml><?xml version="1.0" encoding="utf-8"?>
+<p:sld xmlns:a="http://schemas.openxmlformats.org/drawingml/2006/main" xmlns:r="http://schemas.openxmlformats.org/officeDocument/2006/relationships" xmlns:p="http://schemas.openxmlformats.org/presentationml/2006/main">
+  <p:cSld>
+    <p:spTree>
+      <p:nvGrpSpPr>
+        <p:cNvPr id="1" name=""/>
+        <p:cNvGrpSpPr/>
+        <p:nvPr/>
+      </p:nvGrpSpPr>
+      <p:grpSpPr>
+        <a:xfrm>
+          <a:off x="0" y="0"/>
+          <a:ext cx="0" cy="0"/>
+          <a:chOff x="0" y="0"/>
+          <a:chExt cx="0" cy="0"/>
+        </a:xfrm>
+      </p:grpSpPr>
+      <p:sp>
+        <p:nvSpPr>
+          <p:cNvPr id="2" name="Titel 1">
+            <a:extLst>
+              <a:ext uri="{FF2B5EF4-FFF2-40B4-BE49-F238E27FC236}">
+                <a16:creationId xmlns:a16="http://schemas.microsoft.com/office/drawing/2014/main" id="{648E8BF1-5D73-4051-83AF-0D16FE293898}"/>
+              </a:ext>
+            </a:extLst>
+          </p:cNvPr>
+          <p:cNvSpPr>
+            <a:spLocks noGrp="1"/>
+          </p:cNvSpPr>
+          <p:nvPr>
+            <p:ph type="title"/>
+          </p:nvPr>
+        </p:nvSpPr>
+        <p:spPr/>
+        <p:txBody>
+          <a:bodyPr>
+            <a:normAutofit/>
+          </a:bodyPr>
+          <a:lstStyle/>
+          <a:p>
+            <a:pPr algn="ctr"/>
+            <a:r>
+              <a:rPr lang="de-DE"/>
+              <a:t>Steuerelemente</a:t>
+            </a:r>
+            <a:endParaRPr lang="de-DE" dirty="0"/>
+          </a:p>
+        </p:txBody>
+      </p:sp>
+      <p:graphicFrame>
+        <p:nvGraphicFramePr>
+          <p:cNvPr id="4" name="Inhaltsplatzhalter 3">
+            <a:extLst>
+              <a:ext uri="{FF2B5EF4-FFF2-40B4-BE49-F238E27FC236}">
+                <a16:creationId xmlns:a16="http://schemas.microsoft.com/office/drawing/2014/main" id="{0CCB3DF6-5A1E-415D-ABD6-4BAA72EBBB5F}"/>
+              </a:ext>
+            </a:extLst>
+          </p:cNvPr>
+          <p:cNvGraphicFramePr>
+            <a:graphicFrameLocks noGrp="1"/>
+          </p:cNvGraphicFramePr>
+          <p:nvPr>
+            <p:ph idx="4294967295"/>
+            <p:extLst>
+              <p:ext uri="{D42A27DB-BD31-4B8C-83A1-F6EECF244321}">
+                <p14:modId xmlns:p14="http://schemas.microsoft.com/office/powerpoint/2010/main" val="886623089"/>
+              </p:ext>
+            </p:extLst>
+          </p:nvPr>
+        </p:nvGraphicFramePr>
+        <p:xfrm>
+          <a:off x="1097405" y="1550244"/>
+          <a:ext cx="7756525" cy="4503737"/>
+        </p:xfrm>
+        <a:graphic>
+          <a:graphicData uri="http://schemas.openxmlformats.org/drawingml/2006/diagram">
+            <dgm:relIds xmlns:dgm="http://schemas.openxmlformats.org/drawingml/2006/diagram" xmlns:r="http://schemas.openxmlformats.org/officeDocument/2006/relationships" r:dm="rId3" r:lo="rId4" r:qs="rId5" r:cs="rId6"/>
+          </a:graphicData>
+        </a:graphic>
+      </p:graphicFrame>
+      <p:sp>
+        <p:nvSpPr>
+          <p:cNvPr id="5" name="Textfeld 4">
+            <a:extLst>
+              <a:ext uri="{FF2B5EF4-FFF2-40B4-BE49-F238E27FC236}">
+                <a16:creationId xmlns:a16="http://schemas.microsoft.com/office/drawing/2014/main" id="{65D5CCC3-6FA0-EC55-07E3-36FED7884931}"/>
+              </a:ext>
+            </a:extLst>
+          </p:cNvPr>
+          <p:cNvSpPr txBox="1"/>
+          <p:nvPr/>
+        </p:nvSpPr>
+        <p:spPr>
+          <a:xfrm>
+            <a:off x="2232735" y="6063734"/>
+            <a:ext cx="6098958" cy="369332"/>
+          </a:xfrm>
+          <a:prstGeom prst="rect">
+            <a:avLst/>
+          </a:prstGeom>
+          <a:noFill/>
+        </p:spPr>
+        <p:txBody>
+          <a:bodyPr wrap="square">
+            <a:spAutoFit/>
+          </a:bodyPr>
+          <a:lstStyle/>
+          <a:p>
+            <a:pPr algn="l"/>
+            <a:r>
+              <a:rPr lang="en-US" dirty="0">
+                <a:solidFill>
+                  <a:schemeClr val="tx1"/>
+                </a:solidFill>
+              </a:rPr>
+              <a:t>Docs: </a:t>
+            </a:r>
+            <a:r>
+              <a:rPr lang="en-US" dirty="0">
+                <a:solidFill>
+                  <a:schemeClr val="tx1"/>
+                </a:solidFill>
+                <a:hlinkClick r:id="rId8"/>
+              </a:rPr>
+              <a:t>https://learn.microsoft.com/en-us/dotnet/maui/</a:t>
+            </a:r>
+            <a:endParaRPr lang="en-US" dirty="0">
+              <a:solidFill>
+                <a:schemeClr val="tx1"/>
+              </a:solidFill>
+            </a:endParaRPr>
+          </a:p>
+        </p:txBody>
+      </p:sp>
+    </p:spTree>
+    <p:extLst>
+      <p:ext uri="{BB962C8B-B14F-4D97-AF65-F5344CB8AC3E}">
+        <p14:creationId xmlns:p14="http://schemas.microsoft.com/office/powerpoint/2010/main" val="4014648948"/>
       </p:ext>
     </p:extLst>
   </p:cSld>
@@ -18215,6 +22145,15 @@
 </file>
 
 <file path=customXml/item1.xml><?xml version="1.0" encoding="utf-8"?>
+<?mso-contentType ?>
+<FormTemplates xmlns="http://schemas.microsoft.com/sharepoint/v3/contenttype/forms">
+  <Display>DocumentLibraryForm</Display>
+  <Edit>DocumentLibraryForm</Edit>
+  <New>DocumentLibraryForm</New>
+</FormTemplates>
+</file>
+
+<file path=customXml/item2.xml><?xml version="1.0" encoding="utf-8"?>
 <p:properties xmlns:p="http://schemas.microsoft.com/office/2006/metadata/properties" xmlns:xsi="http://www.w3.org/2001/XMLSchema-instance" xmlns:pc="http://schemas.microsoft.com/office/infopath/2007/PartnerControls">
   <documentManagement>
     <lcf76f155ced4ddcb4097134ff3c332f xmlns="ccc8609f-b63b-4860-bfc6-aabd4737bdf4">
@@ -18223,15 +22162,6 @@
     <TaxCatchAll xmlns="41c72cfc-d500-4e2e-aec7-03ad6f342d1d" xsi:nil="true"/>
   </documentManagement>
 </p:properties>
-</file>
-
-<file path=customXml/item2.xml><?xml version="1.0" encoding="utf-8"?>
-<?mso-contentType ?>
-<FormTemplates xmlns="http://schemas.microsoft.com/sharepoint/v3/contenttype/forms">
-  <Display>DocumentLibraryForm</Display>
-  <Edit>DocumentLibraryForm</Edit>
-  <New>DocumentLibraryForm</New>
-</FormTemplates>
 </file>
 
 <file path=customXml/item3.xml><?xml version="1.0" encoding="utf-8"?>
@@ -18466,6 +22396,14 @@
 </file>
 
 <file path=customXml/itemProps1.xml><?xml version="1.0" encoding="utf-8"?>
+<ds:datastoreItem xmlns:ds="http://schemas.openxmlformats.org/officeDocument/2006/customXml" ds:itemID="{E8577A61-7F62-4D89-9F0A-AF360CA0A370}">
+  <ds:schemaRefs>
+    <ds:schemaRef ds:uri="http://schemas.microsoft.com/sharepoint/v3/contenttype/forms"/>
+  </ds:schemaRefs>
+</ds:datastoreItem>
+</file>
+
+<file path=customXml/itemProps2.xml><?xml version="1.0" encoding="utf-8"?>
 <ds:datastoreItem xmlns:ds="http://schemas.openxmlformats.org/officeDocument/2006/customXml" ds:itemID="{BC68952D-1183-4E1B-A23E-DF4381E5560F}">
   <ds:schemaRefs>
     <ds:schemaRef ds:uri="http://schemas.openxmlformats.org/package/2006/metadata/core-properties"/>
@@ -18478,14 +22416,6 @@
     <ds:schemaRef ds:uri="http://www.w3.org/XML/1998/namespace"/>
     <ds:schemaRef ds:uri="http://schemas.microsoft.com/office/infopath/2007/PartnerControls"/>
     <ds:schemaRef ds:uri="ccc8609f-b63b-4860-bfc6-aabd4737bdf4"/>
-  </ds:schemaRefs>
-</ds:datastoreItem>
-</file>
-
-<file path=customXml/itemProps2.xml><?xml version="1.0" encoding="utf-8"?>
-<ds:datastoreItem xmlns:ds="http://schemas.openxmlformats.org/officeDocument/2006/customXml" ds:itemID="{E8577A61-7F62-4D89-9F0A-AF360CA0A370}">
-  <ds:schemaRefs>
-    <ds:schemaRef ds:uri="http://schemas.microsoft.com/sharepoint/v3/contenttype/forms"/>
   </ds:schemaRefs>
 </ds:datastoreItem>
 </file>

--- a/Workshop-Dotnet-MAUI.pptx
+++ b/Workshop-Dotnet-MAUI.pptx
@@ -16190,7 +16190,7 @@
               <a:rPr lang="de-DE" dirty="0">
                 <a:hlinkClick r:id="rId3"/>
               </a:rPr>
-              <a:t>https://github.com/F-Goncalves/.NET-MAUI-Workshop-Resources</a:t>
+              <a:t>https://github.com/F-Goncalves/.NET-MAUI-Workshop</a:t>
             </a:r>
             <a:endParaRPr lang="de-DE" dirty="0"/>
           </a:p>
@@ -16368,8 +16368,113 @@
             </a:r>
             <a:r>
               <a:rPr lang="en-US" dirty="0"/>
-              <a:t> um</a:t>
-            </a:r>
+              <a:t> um </a:t>
+            </a:r>
+            <a:r>
+              <a:rPr lang="en-US" dirty="0" err="1"/>
+              <a:t>mit</a:t>
+            </a:r>
+            <a:r>
+              <a:rPr lang="en-US" dirty="0"/>
+              <a:t> </a:t>
+            </a:r>
+            <a:r>
+              <a:rPr lang="en-US" dirty="0" err="1"/>
+              <a:t>MainPage</a:t>
+            </a:r>
+            <a:r>
+              <a:rPr lang="en-US" dirty="0"/>
+              <a:t> </a:t>
+            </a:r>
+            <a:r>
+              <a:rPr lang="en-US" dirty="0" err="1"/>
+              <a:t>als</a:t>
+            </a:r>
+            <a:r>
+              <a:rPr lang="en-US" dirty="0"/>
+              <a:t> </a:t>
+            </a:r>
+            <a:r>
+              <a:rPr lang="en-US" dirty="0" err="1"/>
+              <a:t>Ursprungsseite</a:t>
+            </a:r>
+            <a:endParaRPr lang="en-US" dirty="0"/>
+          </a:p>
+          <a:p>
+            <a:pPr lvl="0">
+              <a:buSzPct val="80000"/>
+              <a:buFont typeface="Wingdings" panose="05000000000000000000" pitchFamily="2" charset="2"/>
+              <a:buChar char="Ø"/>
+            </a:pPr>
+            <a:r>
+              <a:rPr lang="en-US" dirty="0" err="1"/>
+              <a:t>Füge</a:t>
+            </a:r>
+            <a:r>
+              <a:rPr lang="en-US" dirty="0"/>
+              <a:t> </a:t>
+            </a:r>
+            <a:r>
+              <a:rPr lang="en-US" dirty="0" err="1"/>
+              <a:t>einen</a:t>
+            </a:r>
+            <a:r>
+              <a:rPr lang="en-US" dirty="0"/>
+              <a:t> </a:t>
+            </a:r>
+            <a:r>
+              <a:rPr lang="en-US" dirty="0" err="1"/>
+              <a:t>Menüpunkt</a:t>
+            </a:r>
+            <a:r>
+              <a:rPr lang="en-US" dirty="0"/>
+              <a:t> “About” </a:t>
+            </a:r>
+            <a:r>
+              <a:rPr lang="en-US" dirty="0" err="1"/>
+              <a:t>hinzu</a:t>
+            </a:r>
+            <a:r>
+              <a:rPr lang="en-US" dirty="0"/>
+              <a:t>, der </a:t>
+            </a:r>
+            <a:r>
+              <a:rPr lang="en-US" dirty="0" err="1"/>
+              <a:t>zu</a:t>
+            </a:r>
+            <a:r>
+              <a:rPr lang="en-US" dirty="0"/>
+              <a:t> </a:t>
+            </a:r>
+            <a:r>
+              <a:rPr lang="en-US" dirty="0" err="1"/>
+              <a:t>einer</a:t>
+            </a:r>
+            <a:r>
+              <a:rPr lang="en-US" dirty="0"/>
+              <a:t> </a:t>
+            </a:r>
+            <a:r>
+              <a:rPr lang="en-US" dirty="0" err="1"/>
+              <a:t>weiteren</a:t>
+            </a:r>
+            <a:r>
+              <a:rPr lang="en-US" dirty="0"/>
+              <a:t> </a:t>
+            </a:r>
+            <a:r>
+              <a:rPr lang="en-US" dirty="0" err="1"/>
+              <a:t>Seite</a:t>
+            </a:r>
+            <a:r>
+              <a:rPr lang="en-US" dirty="0"/>
+              <a:t> </a:t>
+            </a:r>
+            <a:r>
+              <a:rPr lang="en-US" dirty="0" err="1"/>
+              <a:t>führt</a:t>
+            </a:r>
+            <a:endParaRPr lang="en-US" dirty="0"/>
           </a:p>
         </p:txBody>
       </p:sp>
@@ -16456,6 +16561,48 @@
                 <a:hlinkClick r:id="rId3"/>
               </a:rPr>
               <a:t>https://learn.microsoft.com/de-de/dotnet/maui/user-interface/pages/flyoutpage?view=net-maui-7.0</a:t>
+            </a:r>
+            <a:endParaRPr lang="de-DE" dirty="0"/>
+          </a:p>
+        </p:txBody>
+      </p:sp>
+      <p:sp>
+        <p:nvSpPr>
+          <p:cNvPr id="6" name="Textfeld 5">
+            <a:extLst>
+              <a:ext uri="{FF2B5EF4-FFF2-40B4-BE49-F238E27FC236}">
+                <a16:creationId xmlns:a16="http://schemas.microsoft.com/office/drawing/2014/main" id="{CE5CBF85-322F-6B44-C957-7B24781287F6}"/>
+              </a:ext>
+            </a:extLst>
+          </p:cNvPr>
+          <p:cNvSpPr txBox="1"/>
+          <p:nvPr/>
+        </p:nvSpPr>
+        <p:spPr>
+          <a:xfrm>
+            <a:off x="591015" y="6072710"/>
+            <a:ext cx="5754029" cy="646331"/>
+          </a:xfrm>
+          <a:prstGeom prst="rect">
+            <a:avLst/>
+          </a:prstGeom>
+          <a:noFill/>
+        </p:spPr>
+        <p:txBody>
+          <a:bodyPr wrap="square" rtlCol="0">
+            <a:spAutoFit/>
+          </a:bodyPr>
+          <a:lstStyle/>
+          <a:p>
+            <a:r>
+              <a:rPr lang="de-DE" dirty="0"/>
+              <a:t>Branch: </a:t>
+            </a:r>
+            <a:r>
+              <a:rPr lang="de-DE" dirty="0">
+                <a:hlinkClick r:id="rId4"/>
+              </a:rPr>
+              <a:t>https://github.com/F-Goncalves/.NET-MAUI-Workshop/tree/flyoutpage</a:t>
             </a:r>
             <a:endParaRPr lang="de-DE" dirty="0"/>
           </a:p>
@@ -16997,6 +17144,48 @@
           </a:p>
         </p:txBody>
       </p:sp>
+      <p:sp>
+        <p:nvSpPr>
+          <p:cNvPr id="5" name="Textfeld 4">
+            <a:extLst>
+              <a:ext uri="{FF2B5EF4-FFF2-40B4-BE49-F238E27FC236}">
+                <a16:creationId xmlns:a16="http://schemas.microsoft.com/office/drawing/2014/main" id="{7E562196-C677-DD95-394F-8AE42C1F123B}"/>
+              </a:ext>
+            </a:extLst>
+          </p:cNvPr>
+          <p:cNvSpPr txBox="1"/>
+          <p:nvPr/>
+        </p:nvSpPr>
+        <p:spPr>
+          <a:xfrm>
+            <a:off x="825190" y="5915252"/>
+            <a:ext cx="5609064" cy="646331"/>
+          </a:xfrm>
+          <a:prstGeom prst="rect">
+            <a:avLst/>
+          </a:prstGeom>
+          <a:noFill/>
+        </p:spPr>
+        <p:txBody>
+          <a:bodyPr wrap="square" rtlCol="0">
+            <a:spAutoFit/>
+          </a:bodyPr>
+          <a:lstStyle/>
+          <a:p>
+            <a:r>
+              <a:rPr lang="de-DE" dirty="0"/>
+              <a:t>Branch: </a:t>
+            </a:r>
+            <a:r>
+              <a:rPr lang="de-DE" dirty="0">
+                <a:hlinkClick r:id="rId5"/>
+              </a:rPr>
+              <a:t>https://github.com/F-Goncalves/.NET-MAUI-Workshop/tree/disney-api-client</a:t>
+            </a:r>
+            <a:endParaRPr lang="de-DE" dirty="0"/>
+          </a:p>
+        </p:txBody>
+      </p:sp>
     </p:spTree>
     <p:extLst>
       <p:ext uri="{BB962C8B-B14F-4D97-AF65-F5344CB8AC3E}">
@@ -17232,6 +17421,106 @@
             </a:r>
             <a:endParaRPr lang="en-US" dirty="0"/>
           </a:p>
+          <a:p>
+            <a:pPr lvl="0">
+              <a:buSzPct val="80000"/>
+              <a:buFont typeface="Wingdings" panose="05000000000000000000" pitchFamily="2" charset="2"/>
+              <a:buChar char="Ø"/>
+            </a:pPr>
+            <a:r>
+              <a:rPr lang="en-US" dirty="0" err="1"/>
+              <a:t>Navigiere</a:t>
+            </a:r>
+            <a:r>
+              <a:rPr lang="en-US" dirty="0"/>
+              <a:t> </a:t>
+            </a:r>
+            <a:r>
+              <a:rPr lang="en-US" dirty="0" err="1"/>
+              <a:t>zu</a:t>
+            </a:r>
+            <a:r>
+              <a:rPr lang="en-US" dirty="0"/>
+              <a:t> </a:t>
+            </a:r>
+            <a:r>
+              <a:rPr lang="en-US" dirty="0" err="1"/>
+              <a:t>einer</a:t>
+            </a:r>
+            <a:r>
+              <a:rPr lang="en-US" dirty="0"/>
+              <a:t> </a:t>
+            </a:r>
+            <a:r>
+              <a:rPr lang="en-US" dirty="0" err="1"/>
+              <a:t>weiteren</a:t>
+            </a:r>
+            <a:r>
+              <a:rPr lang="en-US" dirty="0"/>
+              <a:t> </a:t>
+            </a:r>
+            <a:r>
+              <a:rPr lang="en-US" dirty="0" err="1"/>
+              <a:t>Seite</a:t>
+            </a:r>
+            <a:r>
+              <a:rPr lang="en-US" dirty="0"/>
+              <a:t>, auf der </a:t>
+            </a:r>
+            <a:r>
+              <a:rPr lang="en-US" dirty="0" err="1"/>
+              <a:t>Charakter</a:t>
+            </a:r>
+            <a:r>
+              <a:rPr lang="en-US" dirty="0"/>
+              <a:t>-Details </a:t>
+            </a:r>
+            <a:r>
+              <a:rPr lang="en-US" dirty="0" err="1"/>
+              <a:t>angezeigt</a:t>
+            </a:r>
+            <a:r>
+              <a:rPr lang="en-US" dirty="0"/>
+              <a:t> </a:t>
+            </a:r>
+            <a:r>
+              <a:rPr lang="en-US" dirty="0" err="1"/>
+              <a:t>werden</a:t>
+            </a:r>
+            <a:r>
+              <a:rPr lang="en-US" dirty="0"/>
+              <a:t>, </a:t>
+            </a:r>
+            <a:r>
+              <a:rPr lang="en-US" dirty="0" err="1"/>
+              <a:t>wenn</a:t>
+            </a:r>
+            <a:r>
+              <a:rPr lang="en-US" dirty="0"/>
+              <a:t> man </a:t>
+            </a:r>
+            <a:r>
+              <a:rPr lang="en-US" dirty="0" err="1"/>
+              <a:t>einen</a:t>
+            </a:r>
+            <a:r>
+              <a:rPr lang="en-US" dirty="0"/>
+              <a:t> </a:t>
+            </a:r>
+            <a:r>
+              <a:rPr lang="en-US" dirty="0" err="1"/>
+              <a:t>Charakter</a:t>
+            </a:r>
+            <a:r>
+              <a:rPr lang="en-US" dirty="0"/>
+              <a:t> </a:t>
+            </a:r>
+            <a:r>
+              <a:rPr lang="en-US" dirty="0" err="1"/>
+              <a:t>auswählt</a:t>
+            </a:r>
+            <a:endParaRPr lang="en-US" dirty="0"/>
+          </a:p>
         </p:txBody>
       </p:sp>
       <p:sp>
@@ -17281,6 +17570,48 @@
               </a:solidFill>
               <a:latin typeface="Edwardian Script ITC"/>
             </a:endParaRPr>
+          </a:p>
+        </p:txBody>
+      </p:sp>
+      <p:sp>
+        <p:nvSpPr>
+          <p:cNvPr id="7" name="Textfeld 6">
+            <a:extLst>
+              <a:ext uri="{FF2B5EF4-FFF2-40B4-BE49-F238E27FC236}">
+                <a16:creationId xmlns:a16="http://schemas.microsoft.com/office/drawing/2014/main" id="{B2DF7C8B-E1F2-1DEC-C67B-A75701B0B7BC}"/>
+              </a:ext>
+            </a:extLst>
+          </p:cNvPr>
+          <p:cNvSpPr txBox="1"/>
+          <p:nvPr/>
+        </p:nvSpPr>
+        <p:spPr>
+          <a:xfrm>
+            <a:off x="825190" y="5915252"/>
+            <a:ext cx="5609064" cy="646331"/>
+          </a:xfrm>
+          <a:prstGeom prst="rect">
+            <a:avLst/>
+          </a:prstGeom>
+          <a:noFill/>
+        </p:spPr>
+        <p:txBody>
+          <a:bodyPr wrap="square" rtlCol="0">
+            <a:spAutoFit/>
+          </a:bodyPr>
+          <a:lstStyle/>
+          <a:p>
+            <a:r>
+              <a:rPr lang="de-DE" dirty="0"/>
+              <a:t>Branch: </a:t>
+            </a:r>
+            <a:r>
+              <a:rPr lang="de-DE" dirty="0">
+                <a:hlinkClick r:id="rId3"/>
+              </a:rPr>
+              <a:t>https://github.com/F-Goncalves/.NET-MAUI-Workshop/tree/simple-implementation</a:t>
+            </a:r>
+            <a:endParaRPr lang="de-DE" dirty="0"/>
           </a:p>
         </p:txBody>
       </p:sp>
@@ -18738,6 +19069,48 @@
               </a:rPr>
               <a:t>Bessere Unit-Testbarkeit</a:t>
             </a:r>
+          </a:p>
+        </p:txBody>
+      </p:sp>
+      <p:sp>
+        <p:nvSpPr>
+          <p:cNvPr id="4" name="Textfeld 3">
+            <a:extLst>
+              <a:ext uri="{FF2B5EF4-FFF2-40B4-BE49-F238E27FC236}">
+                <a16:creationId xmlns:a16="http://schemas.microsoft.com/office/drawing/2014/main" id="{629EF6A9-487B-3F27-F509-B0B171132CF9}"/>
+              </a:ext>
+            </a:extLst>
+          </p:cNvPr>
+          <p:cNvSpPr txBox="1"/>
+          <p:nvPr/>
+        </p:nvSpPr>
+        <p:spPr>
+          <a:xfrm>
+            <a:off x="825190" y="5915252"/>
+            <a:ext cx="5609064" cy="646331"/>
+          </a:xfrm>
+          <a:prstGeom prst="rect">
+            <a:avLst/>
+          </a:prstGeom>
+          <a:noFill/>
+        </p:spPr>
+        <p:txBody>
+          <a:bodyPr wrap="square" rtlCol="0">
+            <a:spAutoFit/>
+          </a:bodyPr>
+          <a:lstStyle/>
+          <a:p>
+            <a:r>
+              <a:rPr lang="de-DE" dirty="0"/>
+              <a:t>Branch: </a:t>
+            </a:r>
+            <a:r>
+              <a:rPr lang="de-DE" dirty="0">
+                <a:hlinkClick r:id="rId4"/>
+              </a:rPr>
+              <a:t>https://github.com/F-Goncalves/.NET-MAUI-Workshop/tree/mvvm-implementation</a:t>
+            </a:r>
+            <a:endParaRPr lang="de-DE" dirty="0"/>
           </a:p>
         </p:txBody>
       </p:sp>
@@ -19698,6 +20071,47 @@
           </a:p>
         </p:txBody>
       </p:sp>
+      <p:sp>
+        <p:nvSpPr>
+          <p:cNvPr id="5" name="Textfeld 4">
+            <a:extLst>
+              <a:ext uri="{FF2B5EF4-FFF2-40B4-BE49-F238E27FC236}">
+                <a16:creationId xmlns:a16="http://schemas.microsoft.com/office/drawing/2014/main" id="{99FAA07D-7E4F-351D-1AEE-74CC2CA4F912}"/>
+              </a:ext>
+            </a:extLst>
+          </p:cNvPr>
+          <p:cNvSpPr txBox="1"/>
+          <p:nvPr/>
+        </p:nvSpPr>
+        <p:spPr>
+          <a:xfrm>
+            <a:off x="1716416" y="5238191"/>
+            <a:ext cx="7371391" cy="646331"/>
+          </a:xfrm>
+          <a:prstGeom prst="rect">
+            <a:avLst/>
+          </a:prstGeom>
+          <a:noFill/>
+        </p:spPr>
+        <p:txBody>
+          <a:bodyPr wrap="square" rtlCol="0">
+            <a:spAutoFit/>
+          </a:bodyPr>
+          <a:lstStyle/>
+          <a:p>
+            <a:r>
+              <a:rPr lang="de-DE" dirty="0">
+                <a:hlinkClick r:id="rId3"/>
+              </a:rPr>
+              <a:t>https://github.com/F-Goncalves/.NET-MAUI-Workshop-Resources</a:t>
+            </a:r>
+            <a:endParaRPr lang="de-DE" dirty="0"/>
+          </a:p>
+          <a:p>
+            <a:endParaRPr lang="de-DE" dirty="0"/>
+          </a:p>
+        </p:txBody>
+      </p:sp>
     </p:spTree>
     <p:extLst>
       <p:ext uri="{BB962C8B-B14F-4D97-AF65-F5344CB8AC3E}">
@@ -20041,7 +20455,7 @@
           <p:cNvPr id="4" name="Inhaltsplatzhalter 3">
             <a:extLst>
               <a:ext uri="{FF2B5EF4-FFF2-40B4-BE49-F238E27FC236}">
-                <a16:creationId xmlns:a16="http://schemas.microsoft.com/office/drawing/2014/main" id="{F8C226B6-E3CA-D5F6-997C-7D75228E3531}"/>
+                <a16:creationId xmlns:a16="http://schemas.microsoft.com/office/drawing/2014/main" id="{C0B86FC8-8204-8B33-6ECD-1FFD90A2FDA3}"/>
               </a:ext>
             </a:extLst>
           </p:cNvPr>
@@ -20841,6 +21255,48 @@
               </a:solidFill>
               <a:latin typeface="Edwardian Script ITC"/>
             </a:endParaRPr>
+          </a:p>
+        </p:txBody>
+      </p:sp>
+      <p:sp>
+        <p:nvSpPr>
+          <p:cNvPr id="5" name="Textfeld 4">
+            <a:extLst>
+              <a:ext uri="{FF2B5EF4-FFF2-40B4-BE49-F238E27FC236}">
+                <a16:creationId xmlns:a16="http://schemas.microsoft.com/office/drawing/2014/main" id="{8CC5BF33-3FC2-6C25-B47D-162DAAD7A341}"/>
+              </a:ext>
+            </a:extLst>
+          </p:cNvPr>
+          <p:cNvSpPr txBox="1"/>
+          <p:nvPr/>
+        </p:nvSpPr>
+        <p:spPr>
+          <a:xfrm>
+            <a:off x="981305" y="5986845"/>
+            <a:ext cx="5664822" cy="646331"/>
+          </a:xfrm>
+          <a:prstGeom prst="rect">
+            <a:avLst/>
+          </a:prstGeom>
+          <a:noFill/>
+        </p:spPr>
+        <p:txBody>
+          <a:bodyPr wrap="square" rtlCol="0">
+            <a:spAutoFit/>
+          </a:bodyPr>
+          <a:lstStyle/>
+          <a:p>
+            <a:r>
+              <a:rPr lang="de-DE" dirty="0"/>
+              <a:t>Branch: </a:t>
+            </a:r>
+            <a:r>
+              <a:rPr lang="de-DE" dirty="0">
+                <a:hlinkClick r:id="rId3"/>
+              </a:rPr>
+              <a:t>https://github.com/F-Goncalves/.NET-MAUI-Workshop/tree/template</a:t>
+            </a:r>
+            <a:endParaRPr lang="de-DE" dirty="0"/>
           </a:p>
         </p:txBody>
       </p:sp>
@@ -22145,26 +22601,6 @@
 </file>
 
 <file path=customXml/item1.xml><?xml version="1.0" encoding="utf-8"?>
-<?mso-contentType ?>
-<FormTemplates xmlns="http://schemas.microsoft.com/sharepoint/v3/contenttype/forms">
-  <Display>DocumentLibraryForm</Display>
-  <Edit>DocumentLibraryForm</Edit>
-  <New>DocumentLibraryForm</New>
-</FormTemplates>
-</file>
-
-<file path=customXml/item2.xml><?xml version="1.0" encoding="utf-8"?>
-<p:properties xmlns:p="http://schemas.microsoft.com/office/2006/metadata/properties" xmlns:xsi="http://www.w3.org/2001/XMLSchema-instance" xmlns:pc="http://schemas.microsoft.com/office/infopath/2007/PartnerControls">
-  <documentManagement>
-    <lcf76f155ced4ddcb4097134ff3c332f xmlns="ccc8609f-b63b-4860-bfc6-aabd4737bdf4">
-      <Terms xmlns="http://schemas.microsoft.com/office/infopath/2007/PartnerControls"/>
-    </lcf76f155ced4ddcb4097134ff3c332f>
-    <TaxCatchAll xmlns="41c72cfc-d500-4e2e-aec7-03ad6f342d1d" xsi:nil="true"/>
-  </documentManagement>
-</p:properties>
-</file>
-
-<file path=customXml/item3.xml><?xml version="1.0" encoding="utf-8"?>
 <ct:contentTypeSchema xmlns:ct="http://schemas.microsoft.com/office/2006/metadata/contentType" xmlns:ma="http://schemas.microsoft.com/office/2006/metadata/properties/metaAttributes" ct:_="" ma:_="" ma:contentTypeName="Dokument" ma:contentTypeID="0x010100E4B4090E9FD152469D7E17082A52F674" ma:contentTypeVersion="14" ma:contentTypeDescription="Ein neues Dokument erstellen." ma:contentTypeScope="" ma:versionID="b7027333e95944708bff5c4ffcb43cb7">
   <xsd:schema xmlns:xsd="http://www.w3.org/2001/XMLSchema" xmlns:xs="http://www.w3.org/2001/XMLSchema" xmlns:p="http://schemas.microsoft.com/office/2006/metadata/properties" xmlns:ns2="ccc8609f-b63b-4860-bfc6-aabd4737bdf4" xmlns:ns3="41c72cfc-d500-4e2e-aec7-03ad6f342d1d" targetNamespace="http://schemas.microsoft.com/office/2006/metadata/properties" ma:root="true" ma:fieldsID="accfc188292e96d65ce5b03d88085e80" ns2:_="" ns3:_="">
     <xsd:import namespace="ccc8609f-b63b-4860-bfc6-aabd4737bdf4"/>
@@ -22395,10 +22831,41 @@
 </ct:contentTypeSchema>
 </file>
 
+<file path=customXml/item2.xml><?xml version="1.0" encoding="utf-8"?>
+<p:properties xmlns:p="http://schemas.microsoft.com/office/2006/metadata/properties" xmlns:xsi="http://www.w3.org/2001/XMLSchema-instance" xmlns:pc="http://schemas.microsoft.com/office/infopath/2007/PartnerControls">
+  <documentManagement>
+    <lcf76f155ced4ddcb4097134ff3c332f xmlns="ccc8609f-b63b-4860-bfc6-aabd4737bdf4">
+      <Terms xmlns="http://schemas.microsoft.com/office/infopath/2007/PartnerControls"/>
+    </lcf76f155ced4ddcb4097134ff3c332f>
+    <TaxCatchAll xmlns="41c72cfc-d500-4e2e-aec7-03ad6f342d1d" xsi:nil="true"/>
+  </documentManagement>
+</p:properties>
+</file>
+
+<file path=customXml/item3.xml><?xml version="1.0" encoding="utf-8"?>
+<?mso-contentType ?>
+<FormTemplates xmlns="http://schemas.microsoft.com/sharepoint/v3/contenttype/forms">
+  <Display>DocumentLibraryForm</Display>
+  <Edit>DocumentLibraryForm</Edit>
+  <New>DocumentLibraryForm</New>
+</FormTemplates>
+</file>
+
 <file path=customXml/itemProps1.xml><?xml version="1.0" encoding="utf-8"?>
-<ds:datastoreItem xmlns:ds="http://schemas.openxmlformats.org/officeDocument/2006/customXml" ds:itemID="{E8577A61-7F62-4D89-9F0A-AF360CA0A370}">
+<ds:datastoreItem xmlns:ds="http://schemas.openxmlformats.org/officeDocument/2006/customXml" ds:itemID="{16F3110A-A7FE-4712-8DBD-881F90D592E5}">
   <ds:schemaRefs>
-    <ds:schemaRef ds:uri="http://schemas.microsoft.com/sharepoint/v3/contenttype/forms"/>
+    <ds:schemaRef ds:uri="http://schemas.microsoft.com/office/2006/metadata/contentType"/>
+    <ds:schemaRef ds:uri="http://schemas.microsoft.com/office/2006/metadata/properties/metaAttributes"/>
+    <ds:schemaRef ds:uri="http://www.w3.org/2001/XMLSchema"/>
+    <ds:schemaRef ds:uri="http://schemas.microsoft.com/office/2006/metadata/properties"/>
+    <ds:schemaRef ds:uri="ccc8609f-b63b-4860-bfc6-aabd4737bdf4"/>
+    <ds:schemaRef ds:uri="41c72cfc-d500-4e2e-aec7-03ad6f342d1d"/>
+    <ds:schemaRef ds:uri="http://schemas.microsoft.com/office/2006/documentManagement/types"/>
+    <ds:schemaRef ds:uri="http://schemas.microsoft.com/office/infopath/2007/PartnerControls"/>
+    <ds:schemaRef ds:uri="http://schemas.openxmlformats.org/package/2006/metadata/core-properties"/>
+    <ds:schemaRef ds:uri="http://purl.org/dc/elements/1.1/"/>
+    <ds:schemaRef ds:uri="http://purl.org/dc/terms/"/>
+    <ds:schemaRef ds:uri="http://schemas.microsoft.com/internal/obd"/>
   </ds:schemaRefs>
 </ds:datastoreItem>
 </file>
@@ -22421,20 +22888,9 @@
 </file>
 
 <file path=customXml/itemProps3.xml><?xml version="1.0" encoding="utf-8"?>
-<ds:datastoreItem xmlns:ds="http://schemas.openxmlformats.org/officeDocument/2006/customXml" ds:itemID="{16F3110A-A7FE-4712-8DBD-881F90D592E5}">
+<ds:datastoreItem xmlns:ds="http://schemas.openxmlformats.org/officeDocument/2006/customXml" ds:itemID="{E8577A61-7F62-4D89-9F0A-AF360CA0A370}">
   <ds:schemaRefs>
-    <ds:schemaRef ds:uri="http://schemas.microsoft.com/office/2006/metadata/contentType"/>
-    <ds:schemaRef ds:uri="http://schemas.microsoft.com/office/2006/metadata/properties/metaAttributes"/>
-    <ds:schemaRef ds:uri="http://www.w3.org/2001/XMLSchema"/>
-    <ds:schemaRef ds:uri="http://schemas.microsoft.com/office/2006/metadata/properties"/>
-    <ds:schemaRef ds:uri="ccc8609f-b63b-4860-bfc6-aabd4737bdf4"/>
-    <ds:schemaRef ds:uri="41c72cfc-d500-4e2e-aec7-03ad6f342d1d"/>
-    <ds:schemaRef ds:uri="http://schemas.microsoft.com/office/2006/documentManagement/types"/>
-    <ds:schemaRef ds:uri="http://schemas.microsoft.com/office/infopath/2007/PartnerControls"/>
-    <ds:schemaRef ds:uri="http://schemas.openxmlformats.org/package/2006/metadata/core-properties"/>
-    <ds:schemaRef ds:uri="http://purl.org/dc/elements/1.1/"/>
-    <ds:schemaRef ds:uri="http://purl.org/dc/terms/"/>
-    <ds:schemaRef ds:uri="http://schemas.microsoft.com/internal/obd"/>
+    <ds:schemaRef ds:uri="http://schemas.microsoft.com/sharepoint/v3/contenttype/forms"/>
   </ds:schemaRefs>
 </ds:datastoreItem>
 </file>